--- a/slides/cms-demo-v0.pptx
+++ b/slides/cms-demo-v0.pptx
@@ -113,6 +113,11 @@
       </a:defRPr>
     </a:lvl9pPr>
   </p:defaultTextStyle>
+  <p:extLst>
+    <p:ext uri="{EFAFB233-063F-42B5-8137-9DF3F51BA10A}">
+      <p15:sldGuideLst xmlns:p15="http://schemas.microsoft.com/office/powerpoint/2012/main"/>
+    </p:ext>
+  </p:extLst>
 </p:presentation>
 </file>
 
@@ -198,7 +203,7 @@
           <a:p>
             <a:fld id="{E3E45DF1-CECB-1E40-91F0-C10778717205}" type="datetimeFigureOut">
               <a:rPr lang="en-US" smtClean="0"/>
-              <a:t>11/10/16</a:t>
+              <a:t>11/10/2016</a:t>
             </a:fld>
             <a:endParaRPr lang="en-US"/>
           </a:p>
@@ -262,38 +267,37 @@
           <a:p>
             <a:pPr lvl="0"/>
             <a:r>
-              <a:rPr lang="en-US" smtClean="0"/>
+              <a:rPr lang="en-US"/>
               <a:t>Click to edit Master text styles</a:t>
             </a:r>
           </a:p>
           <a:p>
             <a:pPr lvl="1"/>
             <a:r>
-              <a:rPr lang="en-US" smtClean="0"/>
+              <a:rPr lang="en-US"/>
               <a:t>Second level</a:t>
             </a:r>
           </a:p>
           <a:p>
             <a:pPr lvl="2"/>
             <a:r>
-              <a:rPr lang="en-US" smtClean="0"/>
+              <a:rPr lang="en-US"/>
               <a:t>Third level</a:t>
             </a:r>
           </a:p>
           <a:p>
             <a:pPr lvl="3"/>
             <a:r>
-              <a:rPr lang="en-US" smtClean="0"/>
+              <a:rPr lang="en-US"/>
               <a:t>Fourth level</a:t>
             </a:r>
           </a:p>
           <a:p>
             <a:pPr lvl="4"/>
             <a:r>
-              <a:rPr lang="en-US" smtClean="0"/>
+              <a:rPr lang="en-US"/>
               <a:t>Fifth level</a:t>
             </a:r>
-            <a:endParaRPr lang="en-US"/>
           </a:p>
         </p:txBody>
       </p:sp>
@@ -676,10 +680,9 @@
           </a:lstStyle>
           <a:p>
             <a:r>
-              <a:rPr lang="en-US" smtClean="0"/>
+              <a:rPr lang="en-US"/>
               <a:t>Click to edit Master title style</a:t>
             </a:r>
-            <a:endParaRPr lang="en-US"/>
           </a:p>
         </p:txBody>
       </p:sp>
@@ -741,10 +744,9 @@
           </a:lstStyle>
           <a:p>
             <a:r>
-              <a:rPr lang="en-US" smtClean="0"/>
+              <a:rPr lang="en-US"/>
               <a:t>Click to edit Master subtitle style</a:t>
             </a:r>
-            <a:endParaRPr lang="en-US"/>
           </a:p>
         </p:txBody>
       </p:sp>
@@ -765,7 +767,7 @@
           <a:p>
             <a:fld id="{248163CF-BA54-D549-9D5C-B7FFE81D7A99}" type="datetimeFigureOut">
               <a:rPr lang="en-US" smtClean="0"/>
-              <a:t>11/10/16</a:t>
+              <a:t>11/10/2016</a:t>
             </a:fld>
             <a:endParaRPr lang="en-US"/>
           </a:p>
@@ -859,10 +861,9 @@
           <a:lstStyle/>
           <a:p>
             <a:r>
-              <a:rPr lang="en-US" smtClean="0"/>
+              <a:rPr lang="en-US"/>
               <a:t>Click to edit Master title style</a:t>
             </a:r>
-            <a:endParaRPr lang="en-US"/>
           </a:p>
         </p:txBody>
       </p:sp>
@@ -883,38 +884,37 @@
           <a:p>
             <a:pPr lvl="0"/>
             <a:r>
-              <a:rPr lang="en-US" smtClean="0"/>
+              <a:rPr lang="en-US"/>
               <a:t>Click to edit Master text styles</a:t>
             </a:r>
           </a:p>
           <a:p>
             <a:pPr lvl="1"/>
             <a:r>
-              <a:rPr lang="en-US" smtClean="0"/>
+              <a:rPr lang="en-US"/>
               <a:t>Second level</a:t>
             </a:r>
           </a:p>
           <a:p>
             <a:pPr lvl="2"/>
             <a:r>
-              <a:rPr lang="en-US" smtClean="0"/>
+              <a:rPr lang="en-US"/>
               <a:t>Third level</a:t>
             </a:r>
           </a:p>
           <a:p>
             <a:pPr lvl="3"/>
             <a:r>
-              <a:rPr lang="en-US" smtClean="0"/>
+              <a:rPr lang="en-US"/>
               <a:t>Fourth level</a:t>
             </a:r>
           </a:p>
           <a:p>
             <a:pPr lvl="4"/>
             <a:r>
-              <a:rPr lang="en-US" smtClean="0"/>
+              <a:rPr lang="en-US"/>
               <a:t>Fifth level</a:t>
             </a:r>
-            <a:endParaRPr lang="en-US"/>
           </a:p>
         </p:txBody>
       </p:sp>
@@ -935,7 +935,7 @@
           <a:p>
             <a:fld id="{248163CF-BA54-D549-9D5C-B7FFE81D7A99}" type="datetimeFigureOut">
               <a:rPr lang="en-US" smtClean="0"/>
-              <a:t>11/10/16</a:t>
+              <a:t>11/10/2016</a:t>
             </a:fld>
             <a:endParaRPr lang="en-US"/>
           </a:p>
@@ -1034,10 +1034,9 @@
           <a:lstStyle/>
           <a:p>
             <a:r>
-              <a:rPr lang="en-US" smtClean="0"/>
+              <a:rPr lang="en-US"/>
               <a:t>Click to edit Master title style</a:t>
             </a:r>
-            <a:endParaRPr lang="en-US"/>
           </a:p>
         </p:txBody>
       </p:sp>
@@ -1063,38 +1062,37 @@
           <a:p>
             <a:pPr lvl="0"/>
             <a:r>
-              <a:rPr lang="en-US" smtClean="0"/>
+              <a:rPr lang="en-US"/>
               <a:t>Click to edit Master text styles</a:t>
             </a:r>
           </a:p>
           <a:p>
             <a:pPr lvl="1"/>
             <a:r>
-              <a:rPr lang="en-US" smtClean="0"/>
+              <a:rPr lang="en-US"/>
               <a:t>Second level</a:t>
             </a:r>
           </a:p>
           <a:p>
             <a:pPr lvl="2"/>
             <a:r>
-              <a:rPr lang="en-US" smtClean="0"/>
+              <a:rPr lang="en-US"/>
               <a:t>Third level</a:t>
             </a:r>
           </a:p>
           <a:p>
             <a:pPr lvl="3"/>
             <a:r>
-              <a:rPr lang="en-US" smtClean="0"/>
+              <a:rPr lang="en-US"/>
               <a:t>Fourth level</a:t>
             </a:r>
           </a:p>
           <a:p>
             <a:pPr lvl="4"/>
             <a:r>
-              <a:rPr lang="en-US" smtClean="0"/>
+              <a:rPr lang="en-US"/>
               <a:t>Fifth level</a:t>
             </a:r>
-            <a:endParaRPr lang="en-US"/>
           </a:p>
         </p:txBody>
       </p:sp>
@@ -1115,7 +1113,7 @@
           <a:p>
             <a:fld id="{248163CF-BA54-D549-9D5C-B7FFE81D7A99}" type="datetimeFigureOut">
               <a:rPr lang="en-US" smtClean="0"/>
-              <a:t>11/10/16</a:t>
+              <a:t>11/10/2016</a:t>
             </a:fld>
             <a:endParaRPr lang="en-US"/>
           </a:p>
@@ -1209,10 +1207,9 @@
           <a:lstStyle/>
           <a:p>
             <a:r>
-              <a:rPr lang="en-US" smtClean="0"/>
+              <a:rPr lang="en-US"/>
               <a:t>Click to edit Master title style</a:t>
             </a:r>
-            <a:endParaRPr lang="en-US"/>
           </a:p>
         </p:txBody>
       </p:sp>
@@ -1233,38 +1230,37 @@
           <a:p>
             <a:pPr lvl="0"/>
             <a:r>
-              <a:rPr lang="en-US" smtClean="0"/>
+              <a:rPr lang="en-US"/>
               <a:t>Click to edit Master text styles</a:t>
             </a:r>
           </a:p>
           <a:p>
             <a:pPr lvl="1"/>
             <a:r>
-              <a:rPr lang="en-US" smtClean="0"/>
+              <a:rPr lang="en-US"/>
               <a:t>Second level</a:t>
             </a:r>
           </a:p>
           <a:p>
             <a:pPr lvl="2"/>
             <a:r>
-              <a:rPr lang="en-US" smtClean="0"/>
+              <a:rPr lang="en-US"/>
               <a:t>Third level</a:t>
             </a:r>
           </a:p>
           <a:p>
             <a:pPr lvl="3"/>
             <a:r>
-              <a:rPr lang="en-US" smtClean="0"/>
+              <a:rPr lang="en-US"/>
               <a:t>Fourth level</a:t>
             </a:r>
           </a:p>
           <a:p>
             <a:pPr lvl="4"/>
             <a:r>
-              <a:rPr lang="en-US" smtClean="0"/>
+              <a:rPr lang="en-US"/>
               <a:t>Fifth level</a:t>
             </a:r>
-            <a:endParaRPr lang="en-US"/>
           </a:p>
         </p:txBody>
       </p:sp>
@@ -1285,7 +1281,7 @@
           <a:p>
             <a:fld id="{248163CF-BA54-D549-9D5C-B7FFE81D7A99}" type="datetimeFigureOut">
               <a:rPr lang="en-US" smtClean="0"/>
-              <a:t>11/10/16</a:t>
+              <a:t>11/10/2016</a:t>
             </a:fld>
             <a:endParaRPr lang="en-US"/>
           </a:p>
@@ -1388,10 +1384,9 @@
           </a:lstStyle>
           <a:p>
             <a:r>
-              <a:rPr lang="en-US" smtClean="0"/>
+              <a:rPr lang="en-US"/>
               <a:t>Click to edit Master title style</a:t>
             </a:r>
-            <a:endParaRPr lang="en-US"/>
           </a:p>
         </p:txBody>
       </p:sp>
@@ -1508,7 +1503,7 @@
           <a:p>
             <a:pPr lvl="0"/>
             <a:r>
-              <a:rPr lang="en-US" smtClean="0"/>
+              <a:rPr lang="en-US"/>
               <a:t>Click to edit Master text styles</a:t>
             </a:r>
           </a:p>
@@ -1531,7 +1526,7 @@
           <a:p>
             <a:fld id="{248163CF-BA54-D549-9D5C-B7FFE81D7A99}" type="datetimeFigureOut">
               <a:rPr lang="en-US" smtClean="0"/>
-              <a:t>11/10/16</a:t>
+              <a:t>11/10/2016</a:t>
             </a:fld>
             <a:endParaRPr lang="en-US"/>
           </a:p>
@@ -1625,10 +1620,9 @@
           <a:lstStyle/>
           <a:p>
             <a:r>
-              <a:rPr lang="en-US" smtClean="0"/>
+              <a:rPr lang="en-US"/>
               <a:t>Click to edit Master title style</a:t>
             </a:r>
-            <a:endParaRPr lang="en-US"/>
           </a:p>
         </p:txBody>
       </p:sp>
@@ -1654,38 +1648,37 @@
           <a:p>
             <a:pPr lvl="0"/>
             <a:r>
-              <a:rPr lang="en-US" smtClean="0"/>
+              <a:rPr lang="en-US"/>
               <a:t>Click to edit Master text styles</a:t>
             </a:r>
           </a:p>
           <a:p>
             <a:pPr lvl="1"/>
             <a:r>
-              <a:rPr lang="en-US" smtClean="0"/>
+              <a:rPr lang="en-US"/>
               <a:t>Second level</a:t>
             </a:r>
           </a:p>
           <a:p>
             <a:pPr lvl="2"/>
             <a:r>
-              <a:rPr lang="en-US" smtClean="0"/>
+              <a:rPr lang="en-US"/>
               <a:t>Third level</a:t>
             </a:r>
           </a:p>
           <a:p>
             <a:pPr lvl="3"/>
             <a:r>
-              <a:rPr lang="en-US" smtClean="0"/>
+              <a:rPr lang="en-US"/>
               <a:t>Fourth level</a:t>
             </a:r>
           </a:p>
           <a:p>
             <a:pPr lvl="4"/>
             <a:r>
-              <a:rPr lang="en-US" smtClean="0"/>
+              <a:rPr lang="en-US"/>
               <a:t>Fifth level</a:t>
             </a:r>
-            <a:endParaRPr lang="en-US"/>
           </a:p>
         </p:txBody>
       </p:sp>
@@ -1711,38 +1704,37 @@
           <a:p>
             <a:pPr lvl="0"/>
             <a:r>
-              <a:rPr lang="en-US" smtClean="0"/>
+              <a:rPr lang="en-US"/>
               <a:t>Click to edit Master text styles</a:t>
             </a:r>
           </a:p>
           <a:p>
             <a:pPr lvl="1"/>
             <a:r>
-              <a:rPr lang="en-US" smtClean="0"/>
+              <a:rPr lang="en-US"/>
               <a:t>Second level</a:t>
             </a:r>
           </a:p>
           <a:p>
             <a:pPr lvl="2"/>
             <a:r>
-              <a:rPr lang="en-US" smtClean="0"/>
+              <a:rPr lang="en-US"/>
               <a:t>Third level</a:t>
             </a:r>
           </a:p>
           <a:p>
             <a:pPr lvl="3"/>
             <a:r>
-              <a:rPr lang="en-US" smtClean="0"/>
+              <a:rPr lang="en-US"/>
               <a:t>Fourth level</a:t>
             </a:r>
           </a:p>
           <a:p>
             <a:pPr lvl="4"/>
             <a:r>
-              <a:rPr lang="en-US" smtClean="0"/>
+              <a:rPr lang="en-US"/>
               <a:t>Fifth level</a:t>
             </a:r>
-            <a:endParaRPr lang="en-US"/>
           </a:p>
         </p:txBody>
       </p:sp>
@@ -1763,7 +1755,7 @@
           <a:p>
             <a:fld id="{248163CF-BA54-D549-9D5C-B7FFE81D7A99}" type="datetimeFigureOut">
               <a:rPr lang="en-US" smtClean="0"/>
-              <a:t>11/10/16</a:t>
+              <a:t>11/10/2016</a:t>
             </a:fld>
             <a:endParaRPr lang="en-US"/>
           </a:p>
@@ -1862,10 +1854,9 @@
           <a:lstStyle/>
           <a:p>
             <a:r>
-              <a:rPr lang="en-US" smtClean="0"/>
+              <a:rPr lang="en-US"/>
               <a:t>Click to edit Master title style</a:t>
             </a:r>
-            <a:endParaRPr lang="en-US"/>
           </a:p>
         </p:txBody>
       </p:sp>
@@ -1928,7 +1919,7 @@
           <a:p>
             <a:pPr lvl="0"/>
             <a:r>
-              <a:rPr lang="en-US" smtClean="0"/>
+              <a:rPr lang="en-US"/>
               <a:t>Click to edit Master text styles</a:t>
             </a:r>
           </a:p>
@@ -1956,38 +1947,37 @@
           <a:p>
             <a:pPr lvl="0"/>
             <a:r>
-              <a:rPr lang="en-US" smtClean="0"/>
+              <a:rPr lang="en-US"/>
               <a:t>Click to edit Master text styles</a:t>
             </a:r>
           </a:p>
           <a:p>
             <a:pPr lvl="1"/>
             <a:r>
-              <a:rPr lang="en-US" smtClean="0"/>
+              <a:rPr lang="en-US"/>
               <a:t>Second level</a:t>
             </a:r>
           </a:p>
           <a:p>
             <a:pPr lvl="2"/>
             <a:r>
-              <a:rPr lang="en-US" smtClean="0"/>
+              <a:rPr lang="en-US"/>
               <a:t>Third level</a:t>
             </a:r>
           </a:p>
           <a:p>
             <a:pPr lvl="3"/>
             <a:r>
-              <a:rPr lang="en-US" smtClean="0"/>
+              <a:rPr lang="en-US"/>
               <a:t>Fourth level</a:t>
             </a:r>
           </a:p>
           <a:p>
             <a:pPr lvl="4"/>
             <a:r>
-              <a:rPr lang="en-US" smtClean="0"/>
+              <a:rPr lang="en-US"/>
               <a:t>Fifth level</a:t>
             </a:r>
-            <a:endParaRPr lang="en-US"/>
           </a:p>
         </p:txBody>
       </p:sp>
@@ -2050,7 +2040,7 @@
           <a:p>
             <a:pPr lvl="0"/>
             <a:r>
-              <a:rPr lang="en-US" smtClean="0"/>
+              <a:rPr lang="en-US"/>
               <a:t>Click to edit Master text styles</a:t>
             </a:r>
           </a:p>
@@ -2078,38 +2068,37 @@
           <a:p>
             <a:pPr lvl="0"/>
             <a:r>
-              <a:rPr lang="en-US" smtClean="0"/>
+              <a:rPr lang="en-US"/>
               <a:t>Click to edit Master text styles</a:t>
             </a:r>
           </a:p>
           <a:p>
             <a:pPr lvl="1"/>
             <a:r>
-              <a:rPr lang="en-US" smtClean="0"/>
+              <a:rPr lang="en-US"/>
               <a:t>Second level</a:t>
             </a:r>
           </a:p>
           <a:p>
             <a:pPr lvl="2"/>
             <a:r>
-              <a:rPr lang="en-US" smtClean="0"/>
+              <a:rPr lang="en-US"/>
               <a:t>Third level</a:t>
             </a:r>
           </a:p>
           <a:p>
             <a:pPr lvl="3"/>
             <a:r>
-              <a:rPr lang="en-US" smtClean="0"/>
+              <a:rPr lang="en-US"/>
               <a:t>Fourth level</a:t>
             </a:r>
           </a:p>
           <a:p>
             <a:pPr lvl="4"/>
             <a:r>
-              <a:rPr lang="en-US" smtClean="0"/>
+              <a:rPr lang="en-US"/>
               <a:t>Fifth level</a:t>
             </a:r>
-            <a:endParaRPr lang="en-US"/>
           </a:p>
         </p:txBody>
       </p:sp>
@@ -2130,7 +2119,7 @@
           <a:p>
             <a:fld id="{248163CF-BA54-D549-9D5C-B7FFE81D7A99}" type="datetimeFigureOut">
               <a:rPr lang="en-US" smtClean="0"/>
-              <a:t>11/10/16</a:t>
+              <a:t>11/10/2016</a:t>
             </a:fld>
             <a:endParaRPr lang="en-US"/>
           </a:p>
@@ -2224,10 +2213,9 @@
           <a:lstStyle/>
           <a:p>
             <a:r>
-              <a:rPr lang="en-US" smtClean="0"/>
+              <a:rPr lang="en-US"/>
               <a:t>Click to edit Master title style</a:t>
             </a:r>
-            <a:endParaRPr lang="en-US"/>
           </a:p>
         </p:txBody>
       </p:sp>
@@ -2248,7 +2236,7 @@
           <a:p>
             <a:fld id="{248163CF-BA54-D549-9D5C-B7FFE81D7A99}" type="datetimeFigureOut">
               <a:rPr lang="en-US" smtClean="0"/>
-              <a:t>11/10/16</a:t>
+              <a:t>11/10/2016</a:t>
             </a:fld>
             <a:endParaRPr lang="en-US"/>
           </a:p>
@@ -2343,7 +2331,7 @@
           <a:p>
             <a:fld id="{248163CF-BA54-D549-9D5C-B7FFE81D7A99}" type="datetimeFigureOut">
               <a:rPr lang="en-US" smtClean="0"/>
-              <a:t>11/10/16</a:t>
+              <a:t>11/10/2016</a:t>
             </a:fld>
             <a:endParaRPr lang="en-US"/>
           </a:p>
@@ -2446,10 +2434,9 @@
           </a:lstStyle>
           <a:p>
             <a:r>
-              <a:rPr lang="en-US" smtClean="0"/>
+              <a:rPr lang="en-US"/>
               <a:t>Click to edit Master title style</a:t>
             </a:r>
-            <a:endParaRPr lang="en-US"/>
           </a:p>
         </p:txBody>
       </p:sp>
@@ -2503,38 +2490,37 @@
           <a:p>
             <a:pPr lvl="0"/>
             <a:r>
-              <a:rPr lang="en-US" smtClean="0"/>
+              <a:rPr lang="en-US"/>
               <a:t>Click to edit Master text styles</a:t>
             </a:r>
           </a:p>
           <a:p>
             <a:pPr lvl="1"/>
             <a:r>
-              <a:rPr lang="en-US" smtClean="0"/>
+              <a:rPr lang="en-US"/>
               <a:t>Second level</a:t>
             </a:r>
           </a:p>
           <a:p>
             <a:pPr lvl="2"/>
             <a:r>
-              <a:rPr lang="en-US" smtClean="0"/>
+              <a:rPr lang="en-US"/>
               <a:t>Third level</a:t>
             </a:r>
           </a:p>
           <a:p>
             <a:pPr lvl="3"/>
             <a:r>
-              <a:rPr lang="en-US" smtClean="0"/>
+              <a:rPr lang="en-US"/>
               <a:t>Fourth level</a:t>
             </a:r>
           </a:p>
           <a:p>
             <a:pPr lvl="4"/>
             <a:r>
-              <a:rPr lang="en-US" smtClean="0"/>
+              <a:rPr lang="en-US"/>
               <a:t>Fifth level</a:t>
             </a:r>
-            <a:endParaRPr lang="en-US"/>
           </a:p>
         </p:txBody>
       </p:sp>
@@ -2597,7 +2583,7 @@
           <a:p>
             <a:pPr lvl="0"/>
             <a:r>
-              <a:rPr lang="en-US" smtClean="0"/>
+              <a:rPr lang="en-US"/>
               <a:t>Click to edit Master text styles</a:t>
             </a:r>
           </a:p>
@@ -2620,7 +2606,7 @@
           <a:p>
             <a:fld id="{248163CF-BA54-D549-9D5C-B7FFE81D7A99}" type="datetimeFigureOut">
               <a:rPr lang="en-US" smtClean="0"/>
-              <a:t>11/10/16</a:t>
+              <a:t>11/10/2016</a:t>
             </a:fld>
             <a:endParaRPr lang="en-US"/>
           </a:p>
@@ -2723,10 +2709,9 @@
           </a:lstStyle>
           <a:p>
             <a:r>
-              <a:rPr lang="en-US" smtClean="0"/>
+              <a:rPr lang="en-US"/>
               <a:t>Click to edit Master title style</a:t>
             </a:r>
-            <a:endParaRPr lang="en-US"/>
           </a:p>
         </p:txBody>
       </p:sp>
@@ -2850,7 +2835,7 @@
           <a:p>
             <a:pPr lvl="0"/>
             <a:r>
-              <a:rPr lang="en-US" smtClean="0"/>
+              <a:rPr lang="en-US"/>
               <a:t>Click to edit Master text styles</a:t>
             </a:r>
           </a:p>
@@ -2873,7 +2858,7 @@
           <a:p>
             <a:fld id="{248163CF-BA54-D549-9D5C-B7FFE81D7A99}" type="datetimeFigureOut">
               <a:rPr lang="en-US" smtClean="0"/>
-              <a:t>11/10/16</a:t>
+              <a:t>11/10/2016</a:t>
             </a:fld>
             <a:endParaRPr lang="en-US"/>
           </a:p>
@@ -2982,10 +2967,9 @@
           <a:lstStyle/>
           <a:p>
             <a:r>
-              <a:rPr lang="en-US" smtClean="0"/>
+              <a:rPr lang="en-US"/>
               <a:t>Click to edit Master title style</a:t>
             </a:r>
-            <a:endParaRPr lang="en-US"/>
           </a:p>
         </p:txBody>
       </p:sp>
@@ -3016,38 +3000,37 @@
           <a:p>
             <a:pPr lvl="0"/>
             <a:r>
-              <a:rPr lang="en-US" smtClean="0"/>
+              <a:rPr lang="en-US"/>
               <a:t>Click to edit Master text styles</a:t>
             </a:r>
           </a:p>
           <a:p>
             <a:pPr lvl="1"/>
             <a:r>
-              <a:rPr lang="en-US" smtClean="0"/>
+              <a:rPr lang="en-US"/>
               <a:t>Second level</a:t>
             </a:r>
           </a:p>
           <a:p>
             <a:pPr lvl="2"/>
             <a:r>
-              <a:rPr lang="en-US" smtClean="0"/>
+              <a:rPr lang="en-US"/>
               <a:t>Third level</a:t>
             </a:r>
           </a:p>
           <a:p>
             <a:pPr lvl="3"/>
             <a:r>
-              <a:rPr lang="en-US" smtClean="0"/>
+              <a:rPr lang="en-US"/>
               <a:t>Fourth level</a:t>
             </a:r>
           </a:p>
           <a:p>
             <a:pPr lvl="4"/>
             <a:r>
-              <a:rPr lang="en-US" smtClean="0"/>
+              <a:rPr lang="en-US"/>
               <a:t>Fifth level</a:t>
             </a:r>
-            <a:endParaRPr lang="en-US"/>
           </a:p>
         </p:txBody>
       </p:sp>
@@ -3086,7 +3069,7 @@
           <a:p>
             <a:fld id="{248163CF-BA54-D549-9D5C-B7FFE81D7A99}" type="datetimeFigureOut">
               <a:rPr lang="en-US" smtClean="0"/>
-              <a:t>11/10/16</a:t>
+              <a:t>11/10/2016</a:t>
             </a:fld>
             <a:endParaRPr lang="en-US"/>
           </a:p>
@@ -3507,10 +3490,9 @@
           <a:lstStyle/>
           <a:p>
             <a:r>
-              <a:rPr lang="en-US" dirty="0" smtClean="0"/>
+              <a:rPr lang="en-US" dirty="0"/>
               <a:t>Current data transfer services in CMS</a:t>
             </a:r>
-            <a:endParaRPr lang="en-US" dirty="0"/>
           </a:p>
         </p:txBody>
       </p:sp>
@@ -3530,43 +3512,41 @@
           <a:lstStyle/>
           <a:p>
             <a:r>
-              <a:rPr lang="en-US" dirty="0" smtClean="0"/>
+              <a:rPr lang="en-US" dirty="0"/>
               <a:t>Schedule data transfers on dataset level</a:t>
             </a:r>
           </a:p>
           <a:p>
             <a:r>
-              <a:rPr lang="en-US" dirty="0" smtClean="0"/>
+              <a:rPr lang="en-US" dirty="0"/>
               <a:t>Treat destination sites only as consumers</a:t>
             </a:r>
-            <a:endParaRPr lang="en-US" dirty="0" smtClean="0"/>
-          </a:p>
-          <a:p>
-            <a:r>
-              <a:rPr lang="en-US" dirty="0" smtClean="0"/>
+          </a:p>
+          <a:p>
+            <a:r>
+              <a:rPr lang="en-US" dirty="0"/>
               <a:t>Lack of global network resource allocation among transfers</a:t>
             </a:r>
+          </a:p>
+          <a:p>
             <a:endParaRPr lang="en-US" dirty="0"/>
-          </a:p>
-          <a:p>
-            <a:endParaRPr lang="en-US" dirty="0" smtClean="0"/>
           </a:p>
           <a:p>
             <a:pPr marL="0" indent="0">
               <a:buNone/>
             </a:pPr>
             <a:r>
-              <a:rPr lang="en-US" b="1" dirty="0" smtClean="0"/>
+              <a:rPr lang="en-US" b="1" dirty="0"/>
               <a:t>Consequences</a:t>
             </a:r>
             <a:r>
-              <a:rPr lang="en-US" dirty="0" smtClean="0"/>
+              <a:rPr lang="en-US" dirty="0"/>
               <a:t>:</a:t>
             </a:r>
           </a:p>
           <a:p>
             <a:r>
-              <a:rPr lang="en-US" dirty="0" smtClean="0"/>
+              <a:rPr lang="en-US" dirty="0"/>
               <a:t>Low concurrency</a:t>
             </a:r>
           </a:p>
@@ -3576,7 +3556,7 @@
               <a:buChar char="•"/>
             </a:pPr>
             <a:r>
-              <a:rPr lang="en-US" dirty="0" smtClean="0"/>
+              <a:rPr lang="en-US" dirty="0"/>
               <a:t>Low link utilization</a:t>
             </a:r>
           </a:p>
@@ -3586,7 +3566,7 @@
               <a:buChar char="•"/>
             </a:pPr>
             <a:r>
-              <a:rPr lang="en-US" dirty="0" smtClean="0"/>
+              <a:rPr lang="en-US" dirty="0"/>
               <a:t>Long transfer delay</a:t>
             </a:r>
           </a:p>
@@ -3605,13 +3585,6 @@
   <p:clrMapOvr>
     <a:masterClrMapping/>
   </p:clrMapOvr>
-  <p:timing>
-    <p:tnLst>
-      <p:par>
-        <p:cTn id="1" dur="indefinite" restart="never" nodeType="tmRoot"/>
-      </p:par>
-    </p:tnLst>
-  </p:timing>
 </p:sld>
 </file>
 
@@ -3680,11 +3653,11 @@
           <a:p>
             <a:pPr algn="ctr"/>
             <a:r>
-              <a:rPr lang="en-GB" dirty="0" err="1" smtClean="0"/>
+              <a:rPr lang="en-GB" dirty="0" err="1"/>
               <a:t>Kibana</a:t>
             </a:r>
             <a:r>
-              <a:rPr lang="en-GB" dirty="0" smtClean="0"/>
+              <a:rPr lang="en-GB" dirty="0"/>
               <a:t> Monitoring</a:t>
             </a:r>
           </a:p>
@@ -3738,11 +3711,11 @@
           <a:p>
             <a:pPr algn="ctr"/>
             <a:r>
-              <a:rPr lang="en-GB" dirty="0" err="1" smtClean="0"/>
+              <a:rPr lang="en-GB" dirty="0" err="1"/>
               <a:t>Kibana</a:t>
             </a:r>
             <a:r>
-              <a:rPr lang="en-GB" dirty="0" smtClean="0"/>
+              <a:rPr lang="en-GB" dirty="0"/>
               <a:t> Monitoring</a:t>
             </a:r>
           </a:p>
@@ -3796,21 +3769,20 @@
           <a:p>
             <a:pPr algn="ctr"/>
             <a:r>
-              <a:rPr lang="en-GB" dirty="0" err="1" smtClean="0"/>
+              <a:rPr lang="en-GB" dirty="0" err="1"/>
               <a:t>ExaO</a:t>
             </a:r>
             <a:r>
-              <a:rPr lang="en-GB" dirty="0" smtClean="0"/>
+              <a:rPr lang="en-GB" dirty="0"/>
               <a:t> </a:t>
             </a:r>
           </a:p>
           <a:p>
             <a:pPr algn="ctr"/>
             <a:r>
-              <a:rPr lang="en-GB" dirty="0" smtClean="0"/>
+              <a:rPr lang="en-GB" dirty="0"/>
               <a:t>Rest Interface</a:t>
             </a:r>
-            <a:endParaRPr lang="en-GB" dirty="0"/>
           </a:p>
         </p:txBody>
       </p:sp>
@@ -3862,21 +3834,20 @@
           <a:p>
             <a:pPr algn="ctr"/>
             <a:r>
-              <a:rPr lang="en-GB" dirty="0" err="1" smtClean="0"/>
+              <a:rPr lang="en-GB" dirty="0" err="1"/>
               <a:t>ExaO</a:t>
             </a:r>
             <a:r>
-              <a:rPr lang="en-GB" dirty="0" smtClean="0"/>
+              <a:rPr lang="en-GB" dirty="0"/>
               <a:t> </a:t>
             </a:r>
           </a:p>
           <a:p>
             <a:pPr algn="ctr"/>
             <a:r>
-              <a:rPr lang="en-GB" dirty="0" smtClean="0"/>
+              <a:rPr lang="en-GB" dirty="0"/>
               <a:t>Rest Interface</a:t>
             </a:r>
-            <a:endParaRPr lang="en-GB" dirty="0"/>
           </a:p>
         </p:txBody>
       </p:sp>
@@ -3928,21 +3899,20 @@
           <a:p>
             <a:pPr algn="ctr"/>
             <a:r>
-              <a:rPr lang="en-GB" dirty="0" err="1" smtClean="0"/>
+              <a:rPr lang="en-GB" dirty="0" err="1"/>
               <a:t>ExaO</a:t>
             </a:r>
             <a:r>
-              <a:rPr lang="en-GB" dirty="0" smtClean="0"/>
+              <a:rPr lang="en-GB" dirty="0"/>
               <a:t> </a:t>
             </a:r>
           </a:p>
           <a:p>
             <a:pPr algn="ctr"/>
             <a:r>
-              <a:rPr lang="en-GB" dirty="0" smtClean="0"/>
+              <a:rPr lang="en-GB" dirty="0"/>
               <a:t>Rest Interface</a:t>
             </a:r>
-            <a:endParaRPr lang="en-GB" dirty="0"/>
           </a:p>
         </p:txBody>
       </p:sp>
@@ -4057,10 +4027,9 @@
           <a:p>
             <a:pPr algn="ctr"/>
             <a:r>
-              <a:rPr lang="en-GB" sz="1400" dirty="0" smtClean="0"/>
+              <a:rPr lang="en-GB" sz="1400" dirty="0"/>
               <a:t>DB</a:t>
             </a:r>
-            <a:endParaRPr lang="en-GB" sz="1400" dirty="0"/>
           </a:p>
         </p:txBody>
       </p:sp>
@@ -4112,11 +4081,11 @@
           <a:p>
             <a:pPr algn="ctr"/>
             <a:r>
-              <a:rPr lang="en-GB" dirty="0" err="1" smtClean="0"/>
+              <a:rPr lang="en-GB" dirty="0" err="1"/>
               <a:t>Kibana</a:t>
             </a:r>
             <a:r>
-              <a:rPr lang="en-GB" dirty="0" smtClean="0"/>
+              <a:rPr lang="en-GB" dirty="0"/>
               <a:t> Monitoring</a:t>
             </a:r>
           </a:p>
@@ -4245,10 +4214,10 @@
           <a:p>
             <a:pPr algn="ctr"/>
             <a:r>
-              <a:rPr lang="en-GB" dirty="0" err="1" smtClean="0"/>
+              <a:rPr lang="en-GB" dirty="0" err="1"/>
               <a:t>Monalisa</a:t>
             </a:r>
-            <a:endParaRPr lang="en-GB" dirty="0" smtClean="0"/>
+            <a:endParaRPr lang="en-GB" dirty="0"/>
           </a:p>
         </p:txBody>
       </p:sp>
@@ -4377,21 +4346,20 @@
           <a:p>
             <a:pPr algn="ctr"/>
             <a:r>
-              <a:rPr lang="en-GB" dirty="0" err="1" smtClean="0"/>
+              <a:rPr lang="en-GB" dirty="0" err="1"/>
               <a:t>ExaO</a:t>
             </a:r>
             <a:r>
-              <a:rPr lang="en-GB" dirty="0" smtClean="0"/>
+              <a:rPr lang="en-GB" dirty="0"/>
               <a:t> </a:t>
             </a:r>
           </a:p>
           <a:p>
             <a:pPr algn="ctr"/>
             <a:r>
-              <a:rPr lang="en-GB" dirty="0" smtClean="0"/>
+              <a:rPr lang="en-GB" dirty="0"/>
               <a:t>Rest Interface</a:t>
             </a:r>
-            <a:endParaRPr lang="en-GB" dirty="0"/>
           </a:p>
         </p:txBody>
       </p:sp>
@@ -4443,21 +4411,20 @@
           <a:p>
             <a:pPr algn="ctr"/>
             <a:r>
-              <a:rPr lang="en-GB" dirty="0" err="1" smtClean="0"/>
+              <a:rPr lang="en-GB" dirty="0" err="1"/>
               <a:t>ExaO</a:t>
             </a:r>
             <a:r>
-              <a:rPr lang="en-GB" dirty="0" smtClean="0"/>
+              <a:rPr lang="en-GB" dirty="0"/>
               <a:t> </a:t>
             </a:r>
           </a:p>
           <a:p>
             <a:pPr algn="ctr"/>
             <a:r>
-              <a:rPr lang="en-GB" dirty="0" smtClean="0"/>
+              <a:rPr lang="en-GB" dirty="0"/>
               <a:t>Rest Interface</a:t>
             </a:r>
-            <a:endParaRPr lang="en-GB" dirty="0"/>
           </a:p>
         </p:txBody>
       </p:sp>
@@ -4509,7 +4476,7 @@
           <a:p>
             <a:pPr algn="ctr"/>
             <a:r>
-              <a:rPr lang="en-GB" dirty="0" smtClean="0"/>
+              <a:rPr lang="en-GB" dirty="0"/>
               <a:t>Scheduler</a:t>
             </a:r>
           </a:p>
@@ -4563,21 +4530,20 @@
           <a:p>
             <a:pPr algn="ctr"/>
             <a:r>
-              <a:rPr lang="en-GB" dirty="0" err="1" smtClean="0"/>
+              <a:rPr lang="en-GB" dirty="0" err="1"/>
               <a:t>ExaO</a:t>
             </a:r>
             <a:r>
-              <a:rPr lang="en-GB" dirty="0" smtClean="0"/>
+              <a:rPr lang="en-GB" dirty="0"/>
               <a:t> </a:t>
             </a:r>
           </a:p>
           <a:p>
             <a:pPr algn="ctr"/>
             <a:r>
-              <a:rPr lang="en-GB" dirty="0" smtClean="0"/>
+              <a:rPr lang="en-GB" dirty="0"/>
               <a:t>Rest Interface</a:t>
             </a:r>
-            <a:endParaRPr lang="en-GB" dirty="0"/>
           </a:p>
         </p:txBody>
       </p:sp>
@@ -4629,21 +4595,20 @@
           <a:p>
             <a:pPr algn="ctr"/>
             <a:r>
-              <a:rPr lang="en-GB" dirty="0" err="1" smtClean="0"/>
+              <a:rPr lang="en-GB" dirty="0" err="1"/>
               <a:t>ExaO</a:t>
             </a:r>
             <a:r>
-              <a:rPr lang="en-GB" dirty="0" smtClean="0"/>
+              <a:rPr lang="en-GB" dirty="0"/>
               <a:t> </a:t>
             </a:r>
           </a:p>
           <a:p>
             <a:pPr algn="ctr"/>
             <a:r>
-              <a:rPr lang="en-GB" dirty="0" smtClean="0"/>
+              <a:rPr lang="en-GB" dirty="0"/>
               <a:t>Rest Interface</a:t>
             </a:r>
-            <a:endParaRPr lang="en-GB" dirty="0"/>
           </a:p>
         </p:txBody>
       </p:sp>
@@ -4695,7 +4660,7 @@
           <a:p>
             <a:pPr algn="ctr"/>
             <a:r>
-              <a:rPr lang="en-GB" dirty="0" smtClean="0"/>
+              <a:rPr lang="en-GB" dirty="0"/>
               <a:t>Transfer Execution Nodes</a:t>
             </a:r>
           </a:p>
@@ -4926,10 +4891,10 @@
           <a:p>
             <a:pPr algn="ctr"/>
             <a:r>
-              <a:rPr lang="en-GB" sz="1200" dirty="0" err="1" smtClean="0"/>
+              <a:rPr lang="en-GB" sz="1200" dirty="0" err="1"/>
               <a:t>FDTDaemon</a:t>
             </a:r>
-            <a:endParaRPr lang="en-GB" sz="1200" dirty="0" smtClean="0"/>
+            <a:endParaRPr lang="en-GB" sz="1200" dirty="0"/>
           </a:p>
         </p:txBody>
       </p:sp>
@@ -5023,10 +4988,10 @@
           <a:p>
             <a:pPr algn="ctr"/>
             <a:r>
-              <a:rPr lang="en-GB" sz="1200" dirty="0" err="1" smtClean="0"/>
+              <a:rPr lang="en-GB" sz="1200" dirty="0" err="1"/>
               <a:t>FDTDaemon</a:t>
             </a:r>
-            <a:endParaRPr lang="en-GB" sz="1200" dirty="0" smtClean="0"/>
+            <a:endParaRPr lang="en-GB" sz="1200" dirty="0"/>
           </a:p>
         </p:txBody>
       </p:sp>
@@ -5078,10 +5043,10 @@
           <a:p>
             <a:pPr algn="ctr"/>
             <a:r>
-              <a:rPr lang="en-GB" sz="1200" dirty="0" err="1" smtClean="0"/>
+              <a:rPr lang="en-GB" sz="1200" dirty="0" err="1"/>
               <a:t>FDTDaemon</a:t>
             </a:r>
-            <a:endParaRPr lang="en-GB" sz="1200" dirty="0" smtClean="0"/>
+            <a:endParaRPr lang="en-GB" sz="1200" dirty="0"/>
           </a:p>
         </p:txBody>
       </p:sp>
@@ -5444,10 +5409,10 @@
           <a:p>
             <a:pPr algn="ctr"/>
             <a:r>
-              <a:rPr lang="en-GB" sz="1200" dirty="0" err="1" smtClean="0"/>
+              <a:rPr lang="en-GB" sz="1200" dirty="0" err="1"/>
               <a:t>MLSensor</a:t>
             </a:r>
-            <a:endParaRPr lang="en-GB" sz="1200" dirty="0" smtClean="0"/>
+            <a:endParaRPr lang="en-GB" sz="1200" dirty="0"/>
           </a:p>
         </p:txBody>
       </p:sp>
@@ -5499,10 +5464,10 @@
           <a:p>
             <a:pPr algn="ctr"/>
             <a:r>
-              <a:rPr lang="en-GB" sz="1200" dirty="0" err="1" smtClean="0"/>
+              <a:rPr lang="en-GB" sz="1200" dirty="0" err="1"/>
               <a:t>MLSensor</a:t>
             </a:r>
-            <a:endParaRPr lang="en-GB" sz="1200" dirty="0" smtClean="0"/>
+            <a:endParaRPr lang="en-GB" sz="1200" dirty="0"/>
           </a:p>
         </p:txBody>
       </p:sp>
@@ -5554,10 +5519,10 @@
           <a:p>
             <a:pPr algn="ctr"/>
             <a:r>
-              <a:rPr lang="en-GB" sz="1200" dirty="0" err="1" smtClean="0"/>
+              <a:rPr lang="en-GB" sz="1200" dirty="0" err="1"/>
               <a:t>MLSensor</a:t>
             </a:r>
-            <a:endParaRPr lang="en-GB" sz="1200" dirty="0" smtClean="0"/>
+            <a:endParaRPr lang="en-GB" sz="1200" dirty="0"/>
           </a:p>
         </p:txBody>
       </p:sp>
@@ -5682,10 +5647,10 @@
           <a:p>
             <a:pPr algn="ctr"/>
             <a:r>
-              <a:rPr lang="en-GB" dirty="0" err="1" smtClean="0"/>
+              <a:rPr lang="en-GB" dirty="0" err="1"/>
               <a:t>Phedex</a:t>
             </a:r>
-            <a:endParaRPr lang="en-GB" dirty="0" smtClean="0"/>
+            <a:endParaRPr lang="en-GB" dirty="0"/>
           </a:p>
         </p:txBody>
       </p:sp>
@@ -5734,7 +5699,7 @@
           <a:p>
             <a:pPr algn="ctr"/>
             <a:r>
-              <a:rPr lang="en-GB" dirty="0" smtClean="0"/>
+              <a:rPr lang="en-GB" dirty="0"/>
               <a:t>ASO</a:t>
             </a:r>
           </a:p>
@@ -5785,7 +5750,7 @@
           <a:p>
             <a:pPr algn="ctr"/>
             <a:r>
-              <a:rPr lang="en-GB" dirty="0" smtClean="0"/>
+              <a:rPr lang="en-GB" dirty="0"/>
               <a:t>Batch</a:t>
             </a:r>
           </a:p>
@@ -5953,7 +5918,7 @@
           <a:p>
             <a:pPr algn="ctr"/>
             <a:r>
-              <a:rPr lang="en-GB" dirty="0" smtClean="0"/>
+              <a:rPr lang="en-GB" dirty="0"/>
               <a:t>ALTO</a:t>
             </a:r>
           </a:p>
@@ -6048,13 +6013,6 @@
   <p:clrMapOvr>
     <a:masterClrMapping/>
   </p:clrMapOvr>
-  <p:timing>
-    <p:tnLst>
-      <p:par>
-        <p:cTn id="1" dur="indefinite" restart="never" nodeType="tmRoot"/>
-      </p:par>
-    </p:tnLst>
-  </p:timing>
 </p:sld>
 </file>
 
@@ -6269,7 +6227,7 @@
               </a:spcBef>
             </a:pPr>
             <a:r>
-              <a:rPr lang="en-US" altLang="en-US" sz="2400" dirty="0" smtClean="0">
+              <a:rPr lang="en-US" altLang="en-US" sz="2400" dirty="0">
                 <a:latin typeface="+mn-lt"/>
               </a:rPr>
               <a:t>Dataset level scheduling</a:t>
@@ -6285,7 +6243,7 @@
               </a:spcBef>
             </a:pPr>
             <a:r>
-              <a:rPr lang="en-US" altLang="en-US" sz="2400" dirty="0" smtClean="0">
+              <a:rPr lang="en-US" altLang="en-US" sz="2400" dirty="0">
                 <a:latin typeface="+mn-lt"/>
               </a:rPr>
               <a:t>Decide sources for files all at once</a:t>
@@ -6301,7 +6259,7 @@
               </a:spcBef>
             </a:pPr>
             <a:r>
-              <a:rPr lang="en-US" altLang="en-US" sz="2400" dirty="0" smtClean="0">
+              <a:rPr lang="en-US" altLang="en-US" sz="2400" dirty="0">
                 <a:latin typeface="+mn-lt"/>
               </a:rPr>
               <a:t>Low flexibility</a:t>
@@ -6343,7 +6301,7 @@
               <a:defRPr/>
             </a:pPr>
             <a:r>
-              <a:rPr lang="en-US" altLang="en-US" sz="2400" dirty="0" smtClean="0"/>
+              <a:rPr lang="en-US" altLang="en-US" sz="2400" dirty="0"/>
               <a:t>File level scheduling</a:t>
             </a:r>
           </a:p>
@@ -6354,12 +6312,8 @@
               <a:defRPr/>
             </a:pPr>
             <a:r>
-              <a:rPr lang="en-US" altLang="en-US" sz="2400" dirty="0" smtClean="0"/>
-              <a:t>No rush in deciding sources</a:t>
-            </a:r>
-            <a:r>
-              <a:rPr lang="en-US" altLang="en-US" sz="2400" dirty="0" smtClean="0"/>
-              <a:t> all at once</a:t>
+              <a:rPr lang="en-US" altLang="en-US" sz="2400" dirty="0"/>
+              <a:t>No rush in deciding sources all at once</a:t>
             </a:r>
           </a:p>
           <a:p>
@@ -6369,7 +6323,7 @@
               <a:defRPr/>
             </a:pPr>
             <a:r>
-              <a:rPr lang="en-US" altLang="en-US" sz="2400" dirty="0" smtClean="0"/>
+              <a:rPr lang="en-US" altLang="en-US" sz="2400" dirty="0"/>
               <a:t>Leave room for better source selection</a:t>
             </a:r>
           </a:p>
@@ -6650,7 +6604,7 @@
           <a:lstStyle/>
           <a:p>
             <a:r>
-              <a:rPr lang="en-US" sz="3200" dirty="0" err="1" smtClean="0"/>
+              <a:rPr lang="en-US" sz="3200" dirty="0" err="1"/>
               <a:t>PhEDEx</a:t>
             </a:r>
             <a:endParaRPr lang="en-US" sz="3200" dirty="0"/>
@@ -6851,7 +6805,7 @@
               </a:spcBef>
             </a:pPr>
             <a:r>
-              <a:rPr lang="en-US" altLang="en-US" sz="2400" dirty="0" smtClean="0">
+              <a:rPr lang="en-US" altLang="en-US" sz="2400" dirty="0">
                 <a:latin typeface="+mn-lt"/>
               </a:rPr>
               <a:t>Destination sites are only consumers</a:t>
@@ -6867,7 +6821,7 @@
               </a:spcBef>
             </a:pPr>
             <a:r>
-              <a:rPr lang="en-US" altLang="en-US" sz="2400" dirty="0" smtClean="0">
+              <a:rPr lang="en-US" altLang="en-US" sz="2400" dirty="0">
                 <a:latin typeface="+mn-lt"/>
               </a:rPr>
               <a:t>Low concurrency</a:t>
@@ -6882,7 +6836,7 @@
                 <a:spcPct val="0"/>
               </a:spcBef>
             </a:pPr>
-            <a:endParaRPr lang="en-US" altLang="en-US" sz="2400" dirty="0" smtClean="0">
+            <a:endParaRPr lang="en-US" altLang="en-US" sz="2400" dirty="0">
               <a:latin typeface="+mn-lt"/>
             </a:endParaRPr>
           </a:p>
@@ -6922,7 +6876,7 @@
               <a:defRPr/>
             </a:pPr>
             <a:r>
-              <a:rPr lang="en-US" altLang="en-US" sz="2400" dirty="0" smtClean="0"/>
+              <a:rPr lang="en-US" altLang="en-US" sz="2400" dirty="0"/>
               <a:t>Allow destination sites to be suppliers after receiving files </a:t>
             </a:r>
           </a:p>
@@ -6933,10 +6887,9 @@
               <a:defRPr/>
             </a:pPr>
             <a:r>
-              <a:rPr lang="en-US" altLang="en-US" sz="2400" dirty="0" smtClean="0"/>
+              <a:rPr lang="en-US" altLang="en-US" sz="2400" dirty="0"/>
               <a:t>High concurrency</a:t>
             </a:r>
-            <a:endParaRPr lang="en-US" altLang="en-US" sz="2400" dirty="0" smtClean="0"/>
           </a:p>
         </p:txBody>
       </p:sp>
@@ -7346,24 +7299,16 @@
               </a:spcBef>
             </a:pPr>
             <a:r>
-              <a:rPr lang="en-US" altLang="en-US" sz="2400" dirty="0" smtClean="0">
+              <a:rPr lang="en-US" altLang="en-US" sz="2400" dirty="0">
                 <a:latin typeface="+mn-lt"/>
               </a:rPr>
               <a:t>No </a:t>
             </a:r>
             <a:r>
-              <a:rPr lang="en-US" sz="2400" dirty="0" smtClean="0"/>
-              <a:t>network </a:t>
-            </a:r>
-            <a:r>
               <a:rPr lang="en-US" sz="2400" dirty="0"/>
-              <a:t>resource </a:t>
-            </a:r>
-            <a:r>
-              <a:rPr lang="en-US" sz="2400" dirty="0" smtClean="0"/>
-              <a:t>allocation scheme </a:t>
-            </a:r>
-            <a:endParaRPr lang="en-US" altLang="en-US" sz="2400" dirty="0" smtClean="0">
+              <a:t>network resource allocation scheme </a:t>
+            </a:r>
+            <a:endParaRPr lang="en-US" altLang="en-US" sz="2400" dirty="0">
               <a:latin typeface="+mn-lt"/>
             </a:endParaRPr>
           </a:p>
@@ -7377,7 +7322,7 @@
               </a:spcBef>
             </a:pPr>
             <a:r>
-              <a:rPr lang="en-US" altLang="en-US" sz="2400" dirty="0" smtClean="0">
+              <a:rPr lang="en-US" altLang="en-US" sz="2400" dirty="0">
                 <a:latin typeface="+mn-lt"/>
               </a:rPr>
               <a:t>Low link utilization</a:t>
@@ -7445,14 +7390,10 @@
               <a:defRPr/>
             </a:pPr>
             <a:r>
-              <a:rPr lang="en-GB" sz="2400" dirty="0" smtClean="0"/>
-              <a:t>Collect real-time </a:t>
-            </a:r>
-            <a:r>
               <a:rPr lang="en-GB" sz="2400" dirty="0"/>
-              <a:t>network information</a:t>
-            </a:r>
-            <a:endParaRPr lang="en-US" altLang="en-US" sz="2400" dirty="0" smtClean="0"/>
+              <a:t>Collect real-time network information</a:t>
+            </a:r>
+            <a:endParaRPr lang="en-US" altLang="en-US" sz="2400" dirty="0"/>
           </a:p>
           <a:p>
             <a:pPr marL="285750" indent="-285750" eaLnBrk="1" hangingPunct="1">
@@ -7461,7 +7402,7 @@
               <a:defRPr/>
             </a:pPr>
             <a:r>
-              <a:rPr lang="en-US" altLang="en-US" sz="2400" dirty="0" smtClean="0"/>
+              <a:rPr lang="en-US" altLang="en-US" sz="2400" dirty="0"/>
               <a:t>Dynamic rate allocation among transfers</a:t>
             </a:r>
           </a:p>
@@ -7472,7 +7413,7 @@
               <a:defRPr/>
             </a:pPr>
             <a:r>
-              <a:rPr lang="en-US" altLang="en-US" sz="2400" dirty="0" smtClean="0"/>
+              <a:rPr lang="en-US" altLang="en-US" sz="2400" dirty="0"/>
               <a:t>End host rate limiting to enforce allocation</a:t>
             </a:r>
           </a:p>
@@ -7713,7 +7654,7 @@
           <a:lstStyle/>
           <a:p>
             <a:r>
-              <a:rPr lang="en-US" sz="3200" dirty="0" err="1" smtClean="0"/>
+              <a:rPr lang="en-US" sz="3200" dirty="0" err="1"/>
               <a:t>ExaO</a:t>
             </a:r>
             <a:endParaRPr lang="en-US" sz="3200" dirty="0"/>
@@ -7730,13 +7671,6 @@
   <p:clrMapOvr>
     <a:masterClrMapping/>
   </p:clrMapOvr>
-  <p:timing>
-    <p:tnLst>
-      <p:par>
-        <p:cTn id="1" dur="indefinite" restart="never" nodeType="tmRoot"/>
-      </p:par>
-    </p:tnLst>
-  </p:timing>
 </p:sld>
 </file>
 
@@ -7795,11 +7729,7 @@
             </a:r>
             <a:r>
               <a:rPr lang="en-GB" sz="2000" dirty="0"/>
-              <a:t>of data flows involving multiple host groups at different </a:t>
-            </a:r>
-            <a:r>
-              <a:rPr lang="en-GB" sz="2000" dirty="0" smtClean="0"/>
-              <a:t>domains,</a:t>
+              <a:t>of data flows involving multiple host groups at different domains,</a:t>
             </a:r>
           </a:p>
           <a:p>
@@ -7808,24 +7738,16 @@
               <a:buChar char="•"/>
             </a:pPr>
             <a:r>
-              <a:rPr lang="en-GB" sz="2000" b="1" dirty="0" err="1" smtClean="0"/>
+              <a:rPr lang="en-GB" sz="2000" b="1" dirty="0" err="1"/>
               <a:t>RESTFul</a:t>
             </a:r>
             <a:r>
-              <a:rPr lang="en-GB" sz="2000" b="1" dirty="0" smtClean="0"/>
-              <a:t>-API</a:t>
-            </a:r>
-            <a:r>
               <a:rPr lang="en-GB" sz="2000" b="1" dirty="0"/>
-              <a:t>: </a:t>
+              <a:t>-API: </a:t>
             </a:r>
             <a:r>
               <a:rPr lang="en-GB" sz="2000" dirty="0"/>
-              <a:t>allow users submit and manage transfer request through different </a:t>
-            </a:r>
-            <a:r>
-              <a:rPr lang="en-GB" sz="2000" dirty="0" smtClean="0"/>
-              <a:t>interface</a:t>
+              <a:t>allow users submit and manage transfer request through different interface</a:t>
             </a:r>
           </a:p>
           <a:p>
@@ -7834,20 +7756,12 @@
               <a:buChar char="•"/>
             </a:pPr>
             <a:r>
-              <a:rPr lang="en-GB" sz="2000" b="1" dirty="0" smtClean="0"/>
-              <a:t>ALTO</a:t>
-            </a:r>
-            <a:r>
               <a:rPr lang="en-GB" sz="2000" b="1" dirty="0"/>
-              <a:t>: </a:t>
+              <a:t>ALTO: </a:t>
             </a:r>
             <a:r>
               <a:rPr lang="en-GB" sz="2000" dirty="0"/>
-              <a:t>collect minimal, real-time network information from different </a:t>
-            </a:r>
-            <a:r>
-              <a:rPr lang="en-GB" sz="2000" dirty="0" smtClean="0"/>
-              <a:t>domains</a:t>
+              <a:t>collect minimal, real-time network information from different domains</a:t>
             </a:r>
           </a:p>
           <a:p>
@@ -7856,22 +7770,17 @@
               <a:buChar char="•"/>
             </a:pPr>
             <a:r>
-              <a:rPr lang="en-GB" sz="2000" b="1" dirty="0" err="1" smtClean="0"/>
+              <a:rPr lang="en-GB" sz="2000" b="1" dirty="0" err="1"/>
               <a:t>ExaO</a:t>
             </a:r>
             <a:r>
-              <a:rPr lang="en-GB" sz="2000" b="1" dirty="0" smtClean="0"/>
-              <a:t> </a:t>
-            </a:r>
-            <a:r>
               <a:rPr lang="en-GB" sz="2000" b="1" dirty="0"/>
-              <a:t>Scheduler: </a:t>
+              <a:t> Scheduler: </a:t>
             </a:r>
             <a:r>
               <a:rPr lang="en-GB" sz="2000" dirty="0"/>
               <a:t>centralized, efficient file-level source and rate co-scheduling </a:t>
             </a:r>
-            <a:endParaRPr lang="en-GB" sz="2000" dirty="0" smtClean="0"/>
           </a:p>
           <a:p>
             <a:pPr marL="800100" lvl="1" indent="-342900">
@@ -7879,20 +7788,12 @@
               <a:buChar char="•"/>
             </a:pPr>
             <a:r>
-              <a:rPr lang="en-GB" sz="2000" b="1" dirty="0" smtClean="0"/>
-              <a:t>FDT</a:t>
-            </a:r>
-            <a:r>
               <a:rPr lang="en-GB" sz="2000" b="1" dirty="0"/>
-              <a:t>: </a:t>
+              <a:t>FDT: </a:t>
             </a:r>
             <a:r>
               <a:rPr lang="en-GB" sz="2000" dirty="0"/>
-              <a:t>efficient data transfer tools on end </a:t>
-            </a:r>
-            <a:r>
-              <a:rPr lang="en-GB" sz="2000" dirty="0" smtClean="0"/>
-              <a:t>hosts</a:t>
+              <a:t>efficient data transfer tools on end hosts</a:t>
             </a:r>
           </a:p>
           <a:p>
@@ -7901,7 +7802,7 @@
               <a:buChar char="•"/>
             </a:pPr>
             <a:r>
-              <a:rPr lang="en-GB" sz="2000" b="1" dirty="0" err="1" smtClean="0"/>
+              <a:rPr lang="en-GB" sz="2000" b="1" dirty="0" err="1"/>
               <a:t>Monalisa</a:t>
             </a:r>
             <a:r>
@@ -7927,11 +7828,7 @@
             </a:pPr>
             <a:r>
               <a:rPr lang="en-GB" sz="2000" dirty="0"/>
-              <a:t>Minimally invasive change on end host </a:t>
-            </a:r>
-            <a:r>
-              <a:rPr lang="en-GB" sz="2000" dirty="0" smtClean="0"/>
-              <a:t>groups</a:t>
+              <a:t>Minimally invasive change on end host groups</a:t>
             </a:r>
           </a:p>
           <a:p>
@@ -7940,12 +7837,8 @@
               <a:buChar char="•"/>
             </a:pPr>
             <a:r>
-              <a:rPr lang="en-GB" sz="2000" dirty="0" smtClean="0"/>
-              <a:t>Real-time</a:t>
-            </a:r>
-            <a:r>
               <a:rPr lang="en-GB" sz="2000" dirty="0"/>
-              <a:t>, dynamic resource allocation under the existence of other network traffic</a:t>
+              <a:t>Real-time, dynamic resource allocation under the existence of other network traffic</a:t>
             </a:r>
           </a:p>
           <a:p>
@@ -7959,15 +7852,7 @@
             </a:r>
             <a:r>
               <a:rPr lang="en-GB" sz="2000" dirty="0"/>
-              <a:t>hence support any data </a:t>
-            </a:r>
-            <a:r>
-              <a:rPr lang="en-GB" sz="2000" dirty="0" smtClean="0"/>
-              <a:t>intensive </a:t>
-            </a:r>
-            <a:r>
-              <a:rPr lang="en-GB" sz="2000" dirty="0"/>
-              <a:t>sciences.</a:t>
+              <a:t>hence support any data intensive sciences.</a:t>
             </a:r>
           </a:p>
           <a:p>
@@ -7984,13 +7869,8 @@
             </a:pPr>
             <a:r>
               <a:rPr lang="en-GB" sz="2000" dirty="0"/>
-              <a:t>Dataset distribution </a:t>
-            </a:r>
-            <a:r>
-              <a:rPr lang="en-GB" sz="2000" dirty="0" smtClean="0"/>
-              <a:t>to N destination sites with M candidate source sites:</a:t>
-            </a:r>
-            <a:endParaRPr lang="en-GB" sz="2000" dirty="0" smtClean="0"/>
+              <a:t>Dataset distribution to N destination sites with M candidate source sites:</a:t>
+            </a:r>
           </a:p>
           <a:p>
             <a:pPr marL="800100" lvl="1" indent="-342900">
@@ -7998,12 +7878,8 @@
               <a:buChar char="•"/>
             </a:pPr>
             <a:r>
-              <a:rPr lang="en-GB" sz="2000" b="1" dirty="0" smtClean="0"/>
-              <a:t>Maximal link </a:t>
-            </a:r>
-            <a:r>
               <a:rPr lang="en-GB" sz="2000" b="1" dirty="0"/>
-              <a:t>utilization </a:t>
+              <a:t>Maximal link utilization </a:t>
             </a:r>
             <a:r>
               <a:rPr lang="en-GB" sz="2000" dirty="0"/>
@@ -8016,18 +7892,9 @@
               <a:buChar char="•"/>
             </a:pPr>
             <a:r>
-              <a:rPr lang="en-GB" sz="2000" b="1" dirty="0" smtClean="0"/>
-              <a:t>N/M times faster than dataset leve</a:t>
-            </a:r>
-            <a:r>
-              <a:rPr lang="en-GB" sz="2000" b="1" dirty="0" smtClean="0"/>
-              <a:t>l scheduling</a:t>
-            </a:r>
-            <a:r>
-              <a:rPr lang="en-GB" sz="2000" b="1" dirty="0" smtClean="0"/>
-              <a:t> </a:t>
-            </a:r>
-            <a:endParaRPr lang="en-GB" sz="2000" b="1" dirty="0"/>
+              <a:rPr lang="en-GB" sz="2000" b="1" dirty="0"/>
+              <a:t>N/M times faster than dataset level scheduling </a:t>
+            </a:r>
           </a:p>
         </p:txBody>
       </p:sp>
@@ -8081,13 +7948,6 @@
   <p:clrMapOvr>
     <a:masterClrMapping/>
   </p:clrMapOvr>
-  <p:timing>
-    <p:tnLst>
-      <p:par>
-        <p:cTn id="1" dur="indefinite" restart="never" nodeType="tmRoot"/>
-      </p:par>
-    </p:tnLst>
-  </p:timing>
 </p:sld>
 </file>
 
@@ -8130,31 +7990,31 @@
           <a:lstStyle/>
           <a:p>
             <a:r>
-              <a:rPr lang="en-US" altLang="zh-CN" sz="3200" dirty="0" smtClean="0"/>
+              <a:rPr lang="en-US" altLang="zh-CN" sz="3200" dirty="0"/>
               <a:t>Case</a:t>
             </a:r>
             <a:r>
-              <a:rPr lang="zh-CN" altLang="en-US" sz="3200" dirty="0" smtClean="0"/>
+              <a:rPr lang="zh-CN" altLang="en-US" sz="3200" dirty="0"/>
               <a:t> </a:t>
             </a:r>
             <a:r>
-              <a:rPr lang="en-US" altLang="zh-CN" sz="3200" dirty="0" smtClean="0"/>
+              <a:rPr lang="en-US" altLang="zh-CN" sz="3200" dirty="0"/>
               <a:t>Study:</a:t>
             </a:r>
             <a:r>
-              <a:rPr lang="zh-CN" altLang="en-US" sz="3200" dirty="0" smtClean="0"/>
+              <a:rPr lang="zh-CN" altLang="en-US" sz="3200" dirty="0"/>
               <a:t> </a:t>
             </a:r>
             <a:r>
-              <a:rPr lang="en-US" altLang="zh-CN" sz="3200" dirty="0" smtClean="0"/>
+              <a:rPr lang="en-US" altLang="zh-CN" sz="3200" dirty="0"/>
               <a:t>Dataset</a:t>
             </a:r>
             <a:r>
-              <a:rPr lang="zh-CN" altLang="en-US" sz="3200" dirty="0" smtClean="0"/>
+              <a:rPr lang="zh-CN" altLang="en-US" sz="3200" dirty="0"/>
               <a:t> </a:t>
             </a:r>
             <a:r>
-              <a:rPr lang="en-US" altLang="zh-CN" sz="3200" dirty="0" smtClean="0"/>
+              <a:rPr lang="en-US" altLang="zh-CN" sz="3200" dirty="0"/>
               <a:t>Distribution</a:t>
             </a:r>
             <a:endParaRPr lang="en-GB" sz="3200" dirty="0"/>
@@ -8163,1554 +8023,28 @@
       </p:sp>
       <p:pic>
         <p:nvPicPr>
-          <p:cNvPr id="59" name="Picture 58"/>
+          <p:cNvPr id="3" name="Picture 2"/>
           <p:cNvPicPr>
             <a:picLocks noChangeAspect="1"/>
           </p:cNvPicPr>
           <p:nvPr/>
         </p:nvPicPr>
         <p:blipFill>
-          <a:blip r:embed="rId3">
-            <a:duotone>
-              <a:schemeClr val="accent2">
-                <a:shade val="45000"/>
-                <a:satMod val="135000"/>
-              </a:schemeClr>
-              <a:prstClr val="white"/>
-            </a:duotone>
-          </a:blip>
+          <a:blip r:embed="rId3"/>
           <a:stretch>
             <a:fillRect/>
           </a:stretch>
         </p:blipFill>
         <p:spPr>
           <a:xfrm>
-            <a:off x="9984338" y="5651862"/>
-            <a:ext cx="457906" cy="448561"/>
+            <a:off x="866775" y="889286"/>
+            <a:ext cx="10738750" cy="5692490"/>
           </a:xfrm>
           <a:prstGeom prst="rect">
             <a:avLst/>
           </a:prstGeom>
         </p:spPr>
       </p:pic>
-      <p:pic>
-        <p:nvPicPr>
-          <p:cNvPr id="60" name="Picture 59"/>
-          <p:cNvPicPr>
-            <a:picLocks noChangeAspect="1"/>
-          </p:cNvPicPr>
-          <p:nvPr/>
-        </p:nvPicPr>
-        <p:blipFill>
-          <a:blip r:embed="rId3">
-            <a:duotone>
-              <a:schemeClr val="accent6">
-                <a:shade val="45000"/>
-                <a:satMod val="135000"/>
-              </a:schemeClr>
-              <a:prstClr val="white"/>
-            </a:duotone>
-          </a:blip>
-          <a:stretch>
-            <a:fillRect/>
-          </a:stretch>
-        </p:blipFill>
-        <p:spPr>
-          <a:xfrm>
-            <a:off x="8398154" y="5649679"/>
-            <a:ext cx="457906" cy="448561"/>
-          </a:xfrm>
-          <a:prstGeom prst="rect">
-            <a:avLst/>
-          </a:prstGeom>
-        </p:spPr>
-      </p:pic>
-      <p:sp>
-        <p:nvSpPr>
-          <p:cNvPr id="61" name="TextBox 60"/>
-          <p:cNvSpPr txBox="1"/>
-          <p:nvPr/>
-        </p:nvSpPr>
-        <p:spPr>
-          <a:xfrm>
-            <a:off x="8627107" y="5675142"/>
-            <a:ext cx="1325580" cy="369332"/>
-          </a:xfrm>
-          <a:prstGeom prst="rect">
-            <a:avLst/>
-          </a:prstGeom>
-          <a:noFill/>
-        </p:spPr>
-        <p:txBody>
-          <a:bodyPr wrap="square" rtlCol="0">
-            <a:spAutoFit/>
-          </a:bodyPr>
-          <a:lstStyle/>
-          <a:p>
-            <a:pPr algn="ctr"/>
-            <a:r>
-              <a:rPr lang="en-US" b="1" dirty="0" smtClean="0"/>
-              <a:t>Source</a:t>
-            </a:r>
-            <a:endParaRPr lang="en-US" b="1" dirty="0"/>
-          </a:p>
-        </p:txBody>
-      </p:sp>
-      <p:sp>
-        <p:nvSpPr>
-          <p:cNvPr id="63" name="TextBox 62"/>
-          <p:cNvSpPr txBox="1"/>
-          <p:nvPr/>
-        </p:nvSpPr>
-        <p:spPr>
-          <a:xfrm>
-            <a:off x="10436139" y="5691476"/>
-            <a:ext cx="1325580" cy="369332"/>
-          </a:xfrm>
-          <a:prstGeom prst="rect">
-            <a:avLst/>
-          </a:prstGeom>
-          <a:noFill/>
-        </p:spPr>
-        <p:txBody>
-          <a:bodyPr wrap="square" rtlCol="0">
-            <a:spAutoFit/>
-          </a:bodyPr>
-          <a:lstStyle/>
-          <a:p>
-            <a:pPr algn="ctr"/>
-            <a:r>
-              <a:rPr lang="en-US" b="1" dirty="0" smtClean="0"/>
-              <a:t>Destination</a:t>
-            </a:r>
-            <a:endParaRPr lang="en-US" b="1" dirty="0"/>
-          </a:p>
-        </p:txBody>
-      </p:sp>
-      <p:cxnSp>
-        <p:nvCxnSpPr>
-          <p:cNvPr id="64" name="Straight Connector 63"/>
-          <p:cNvCxnSpPr/>
-          <p:nvPr/>
-        </p:nvCxnSpPr>
-        <p:spPr>
-          <a:xfrm>
-            <a:off x="8398154" y="6450650"/>
-            <a:ext cx="943520" cy="2"/>
-          </a:xfrm>
-          <a:prstGeom prst="line">
-            <a:avLst/>
-          </a:prstGeom>
-          <a:ln w="38100">
-            <a:solidFill>
-              <a:schemeClr val="tx1"/>
-            </a:solidFill>
-          </a:ln>
-        </p:spPr>
-        <p:style>
-          <a:lnRef idx="1">
-            <a:schemeClr val="accent1"/>
-          </a:lnRef>
-          <a:fillRef idx="0">
-            <a:schemeClr val="accent1"/>
-          </a:fillRef>
-          <a:effectRef idx="0">
-            <a:schemeClr val="accent1"/>
-          </a:effectRef>
-          <a:fontRef idx="minor">
-            <a:schemeClr val="tx1"/>
-          </a:fontRef>
-        </p:style>
-      </p:cxnSp>
-      <p:sp>
-        <p:nvSpPr>
-          <p:cNvPr id="65" name="TextBox 64"/>
-          <p:cNvSpPr txBox="1"/>
-          <p:nvPr/>
-        </p:nvSpPr>
-        <p:spPr>
-          <a:xfrm>
-            <a:off x="9358509" y="6300031"/>
-            <a:ext cx="2553777" cy="369332"/>
-          </a:xfrm>
-          <a:prstGeom prst="rect">
-            <a:avLst/>
-          </a:prstGeom>
-          <a:noFill/>
-        </p:spPr>
-        <p:txBody>
-          <a:bodyPr wrap="square" rtlCol="0">
-            <a:spAutoFit/>
-          </a:bodyPr>
-          <a:lstStyle/>
-          <a:p>
-            <a:pPr algn="ctr"/>
-            <a:r>
-              <a:rPr lang="en-US" b="1" dirty="0" smtClean="0"/>
-              <a:t>100GB/s </a:t>
-            </a:r>
-            <a:r>
-              <a:rPr lang="en-US" b="1" smtClean="0"/>
-              <a:t>full duplex link</a:t>
-            </a:r>
-            <a:endParaRPr lang="en-US" b="1" dirty="0"/>
-          </a:p>
-        </p:txBody>
-      </p:sp>
-      <p:grpSp>
-        <p:nvGrpSpPr>
-          <p:cNvPr id="81" name="Group 80"/>
-          <p:cNvGrpSpPr/>
-          <p:nvPr/>
-        </p:nvGrpSpPr>
-        <p:grpSpPr>
-          <a:xfrm>
-            <a:off x="535712" y="894021"/>
-            <a:ext cx="10648437" cy="5075378"/>
-            <a:chOff x="1113282" y="969096"/>
-            <a:chExt cx="9863853" cy="4706046"/>
-          </a:xfrm>
-        </p:grpSpPr>
-        <p:pic>
-          <p:nvPicPr>
-            <p:cNvPr id="9" name="Shape 276"/>
-            <p:cNvPicPr preferRelativeResize="0"/>
-            <p:nvPr/>
-          </p:nvPicPr>
-          <p:blipFill rotWithShape="1">
-            <a:blip r:embed="rId4">
-              <a:alphaModFix/>
-            </a:blip>
-            <a:srcRect/>
-            <a:stretch/>
-          </p:blipFill>
-          <p:spPr>
-            <a:xfrm>
-              <a:off x="3210416" y="2364800"/>
-              <a:ext cx="889388" cy="303635"/>
-            </a:xfrm>
-            <a:prstGeom prst="rect">
-              <a:avLst/>
-            </a:prstGeom>
-            <a:noFill/>
-            <a:ln>
-              <a:noFill/>
-            </a:ln>
-          </p:spPr>
-        </p:pic>
-        <p:pic>
-          <p:nvPicPr>
-            <p:cNvPr id="7" name="Shape 276"/>
-            <p:cNvPicPr preferRelativeResize="0"/>
-            <p:nvPr/>
-          </p:nvPicPr>
-          <p:blipFill rotWithShape="1">
-            <a:blip r:embed="rId4">
-              <a:alphaModFix/>
-            </a:blip>
-            <a:srcRect/>
-            <a:stretch/>
-          </p:blipFill>
-          <p:spPr>
-            <a:xfrm>
-              <a:off x="3210416" y="4054715"/>
-              <a:ext cx="889388" cy="303635"/>
-            </a:xfrm>
-            <a:prstGeom prst="rect">
-              <a:avLst/>
-            </a:prstGeom>
-            <a:noFill/>
-            <a:ln>
-              <a:noFill/>
-            </a:ln>
-          </p:spPr>
-        </p:pic>
-        <p:pic>
-          <p:nvPicPr>
-            <p:cNvPr id="8" name="Shape 276"/>
-            <p:cNvPicPr preferRelativeResize="0"/>
-            <p:nvPr/>
-          </p:nvPicPr>
-          <p:blipFill rotWithShape="1">
-            <a:blip r:embed="rId4">
-              <a:alphaModFix/>
-            </a:blip>
-            <a:srcRect/>
-            <a:stretch/>
-          </p:blipFill>
-          <p:spPr>
-            <a:xfrm>
-              <a:off x="3210416" y="3192611"/>
-              <a:ext cx="889388" cy="303635"/>
-            </a:xfrm>
-            <a:prstGeom prst="rect">
-              <a:avLst/>
-            </a:prstGeom>
-            <a:noFill/>
-            <a:ln>
-              <a:noFill/>
-            </a:ln>
-          </p:spPr>
-        </p:pic>
-        <p:pic>
-          <p:nvPicPr>
-            <p:cNvPr id="10" name="Shape 276"/>
-            <p:cNvPicPr preferRelativeResize="0"/>
-            <p:nvPr/>
-          </p:nvPicPr>
-          <p:blipFill rotWithShape="1">
-            <a:blip r:embed="rId4">
-              <a:alphaModFix/>
-            </a:blip>
-            <a:srcRect/>
-            <a:stretch/>
-          </p:blipFill>
-          <p:spPr>
-            <a:xfrm>
-              <a:off x="5598112" y="3144319"/>
-              <a:ext cx="889388" cy="303635"/>
-            </a:xfrm>
-            <a:prstGeom prst="rect">
-              <a:avLst/>
-            </a:prstGeom>
-            <a:noFill/>
-            <a:ln>
-              <a:noFill/>
-            </a:ln>
-          </p:spPr>
-        </p:pic>
-        <p:pic>
-          <p:nvPicPr>
-            <p:cNvPr id="11" name="Shape 276"/>
-            <p:cNvPicPr preferRelativeResize="0"/>
-            <p:nvPr/>
-          </p:nvPicPr>
-          <p:blipFill rotWithShape="1">
-            <a:blip r:embed="rId4">
-              <a:alphaModFix/>
-            </a:blip>
-            <a:srcRect/>
-            <a:stretch/>
-          </p:blipFill>
-          <p:spPr>
-            <a:xfrm>
-              <a:off x="7867182" y="2516618"/>
-              <a:ext cx="889388" cy="303635"/>
-            </a:xfrm>
-            <a:prstGeom prst="rect">
-              <a:avLst/>
-            </a:prstGeom>
-            <a:noFill/>
-            <a:ln>
-              <a:noFill/>
-            </a:ln>
-          </p:spPr>
-        </p:pic>
-        <p:pic>
-          <p:nvPicPr>
-            <p:cNvPr id="12" name="Shape 276"/>
-            <p:cNvPicPr preferRelativeResize="0"/>
-            <p:nvPr/>
-          </p:nvPicPr>
-          <p:blipFill rotWithShape="1">
-            <a:blip r:embed="rId4">
-              <a:alphaModFix/>
-            </a:blip>
-            <a:srcRect/>
-            <a:stretch/>
-          </p:blipFill>
-          <p:spPr>
-            <a:xfrm>
-              <a:off x="7867182" y="3647840"/>
-              <a:ext cx="889388" cy="303635"/>
-            </a:xfrm>
-            <a:prstGeom prst="rect">
-              <a:avLst/>
-            </a:prstGeom>
-            <a:noFill/>
-            <a:ln>
-              <a:noFill/>
-            </a:ln>
-          </p:spPr>
-        </p:pic>
-        <p:pic>
-          <p:nvPicPr>
-            <p:cNvPr id="13" name="Picture 12"/>
-            <p:cNvPicPr>
-              <a:picLocks noChangeAspect="1"/>
-            </p:cNvPicPr>
-            <p:nvPr/>
-          </p:nvPicPr>
-          <p:blipFill>
-            <a:blip r:embed="rId3">
-              <a:duotone>
-                <a:schemeClr val="accent2">
-                  <a:shade val="45000"/>
-                  <a:satMod val="135000"/>
-                </a:schemeClr>
-                <a:prstClr val="white"/>
-              </a:duotone>
-            </a:blip>
-            <a:stretch>
-              <a:fillRect/>
-            </a:stretch>
-          </p:blipFill>
-          <p:spPr>
-            <a:xfrm>
-              <a:off x="1974380" y="2264699"/>
-              <a:ext cx="457906" cy="448561"/>
-            </a:xfrm>
-            <a:prstGeom prst="rect">
-              <a:avLst/>
-            </a:prstGeom>
-          </p:spPr>
-        </p:pic>
-        <p:pic>
-          <p:nvPicPr>
-            <p:cNvPr id="15" name="Picture 14"/>
-            <p:cNvPicPr>
-              <a:picLocks noChangeAspect="1"/>
-            </p:cNvPicPr>
-            <p:nvPr/>
-          </p:nvPicPr>
-          <p:blipFill>
-            <a:blip r:embed="rId3">
-              <a:duotone>
-                <a:schemeClr val="accent2">
-                  <a:shade val="45000"/>
-                  <a:satMod val="135000"/>
-                </a:schemeClr>
-                <a:prstClr val="white"/>
-              </a:duotone>
-            </a:blip>
-            <a:stretch>
-              <a:fillRect/>
-            </a:stretch>
-          </p:blipFill>
-          <p:spPr>
-            <a:xfrm>
-              <a:off x="1974380" y="3071855"/>
-              <a:ext cx="457906" cy="448561"/>
-            </a:xfrm>
-            <a:prstGeom prst="rect">
-              <a:avLst/>
-            </a:prstGeom>
-          </p:spPr>
-        </p:pic>
-        <p:pic>
-          <p:nvPicPr>
-            <p:cNvPr id="16" name="Picture 15"/>
-            <p:cNvPicPr>
-              <a:picLocks noChangeAspect="1"/>
-            </p:cNvPicPr>
-            <p:nvPr/>
-          </p:nvPicPr>
-          <p:blipFill>
-            <a:blip r:embed="rId3">
-              <a:duotone>
-                <a:schemeClr val="accent2">
-                  <a:shade val="45000"/>
-                  <a:satMod val="135000"/>
-                </a:schemeClr>
-                <a:prstClr val="white"/>
-              </a:duotone>
-            </a:blip>
-            <a:stretch>
-              <a:fillRect/>
-            </a:stretch>
-          </p:blipFill>
-          <p:spPr>
-            <a:xfrm>
-              <a:off x="1974380" y="3951475"/>
-              <a:ext cx="457906" cy="448561"/>
-            </a:xfrm>
-            <a:prstGeom prst="rect">
-              <a:avLst/>
-            </a:prstGeom>
-          </p:spPr>
-        </p:pic>
-        <p:pic>
-          <p:nvPicPr>
-            <p:cNvPr id="17" name="Picture 16"/>
-            <p:cNvPicPr>
-              <a:picLocks noChangeAspect="1"/>
-            </p:cNvPicPr>
-            <p:nvPr/>
-          </p:nvPicPr>
-          <p:blipFill>
-            <a:blip r:embed="rId3">
-              <a:duotone>
-                <a:schemeClr val="accent2">
-                  <a:shade val="45000"/>
-                  <a:satMod val="135000"/>
-                </a:schemeClr>
-                <a:prstClr val="white"/>
-              </a:duotone>
-            </a:blip>
-            <a:stretch>
-              <a:fillRect/>
-            </a:stretch>
-          </p:blipFill>
-          <p:spPr>
-            <a:xfrm>
-              <a:off x="9645958" y="2416517"/>
-              <a:ext cx="457906" cy="448561"/>
-            </a:xfrm>
-            <a:prstGeom prst="rect">
-              <a:avLst/>
-            </a:prstGeom>
-          </p:spPr>
-        </p:pic>
-        <p:pic>
-          <p:nvPicPr>
-            <p:cNvPr id="18" name="Picture 17"/>
-            <p:cNvPicPr>
-              <a:picLocks noChangeAspect="1"/>
-            </p:cNvPicPr>
-            <p:nvPr/>
-          </p:nvPicPr>
-          <p:blipFill>
-            <a:blip r:embed="rId3">
-              <a:duotone>
-                <a:schemeClr val="accent2">
-                  <a:shade val="45000"/>
-                  <a:satMod val="135000"/>
-                </a:schemeClr>
-                <a:prstClr val="white"/>
-              </a:duotone>
-            </a:blip>
-            <a:stretch>
-              <a:fillRect/>
-            </a:stretch>
-          </p:blipFill>
-          <p:spPr>
-            <a:xfrm>
-              <a:off x="9642041" y="3583087"/>
-              <a:ext cx="457906" cy="448561"/>
-            </a:xfrm>
-            <a:prstGeom prst="rect">
-              <a:avLst/>
-            </a:prstGeom>
-          </p:spPr>
-        </p:pic>
-        <p:pic>
-          <p:nvPicPr>
-            <p:cNvPr id="19" name="Picture 18"/>
-            <p:cNvPicPr>
-              <a:picLocks noChangeAspect="1"/>
-            </p:cNvPicPr>
-            <p:nvPr/>
-          </p:nvPicPr>
-          <p:blipFill>
-            <a:blip r:embed="rId3">
-              <a:duotone>
-                <a:schemeClr val="accent6">
-                  <a:shade val="45000"/>
-                  <a:satMod val="135000"/>
-                </a:schemeClr>
-                <a:prstClr val="white"/>
-              </a:duotone>
-            </a:blip>
-            <a:stretch>
-              <a:fillRect/>
-            </a:stretch>
-          </p:blipFill>
-          <p:spPr>
-            <a:xfrm>
-              <a:off x="5798396" y="1475674"/>
-              <a:ext cx="457906" cy="448561"/>
-            </a:xfrm>
-            <a:prstGeom prst="rect">
-              <a:avLst/>
-            </a:prstGeom>
-          </p:spPr>
-        </p:pic>
-        <p:pic>
-          <p:nvPicPr>
-            <p:cNvPr id="20" name="Picture 19"/>
-            <p:cNvPicPr>
-              <a:picLocks noChangeAspect="1"/>
-            </p:cNvPicPr>
-            <p:nvPr/>
-          </p:nvPicPr>
-          <p:blipFill>
-            <a:blip r:embed="rId3">
-              <a:duotone>
-                <a:schemeClr val="accent6">
-                  <a:shade val="45000"/>
-                  <a:satMod val="135000"/>
-                </a:schemeClr>
-                <a:prstClr val="white"/>
-              </a:duotone>
-            </a:blip>
-            <a:stretch>
-              <a:fillRect/>
-            </a:stretch>
-          </p:blipFill>
-          <p:spPr>
-            <a:xfrm>
-              <a:off x="5813853" y="4725551"/>
-              <a:ext cx="457906" cy="448561"/>
-            </a:xfrm>
-            <a:prstGeom prst="rect">
-              <a:avLst/>
-            </a:prstGeom>
-          </p:spPr>
-        </p:pic>
-        <p:cxnSp>
-          <p:nvCxnSpPr>
-            <p:cNvPr id="22" name="Straight Connector 21"/>
-            <p:cNvCxnSpPr/>
-            <p:nvPr/>
-          </p:nvCxnSpPr>
-          <p:spPr>
-            <a:xfrm>
-              <a:off x="2374237" y="2465030"/>
-              <a:ext cx="943520" cy="2"/>
-            </a:xfrm>
-            <a:prstGeom prst="line">
-              <a:avLst/>
-            </a:prstGeom>
-            <a:ln w="38100">
-              <a:solidFill>
-                <a:schemeClr val="tx1"/>
-              </a:solidFill>
-            </a:ln>
-          </p:spPr>
-          <p:style>
-            <a:lnRef idx="1">
-              <a:schemeClr val="accent1"/>
-            </a:lnRef>
-            <a:fillRef idx="0">
-              <a:schemeClr val="accent1"/>
-            </a:fillRef>
-            <a:effectRef idx="0">
-              <a:schemeClr val="accent1"/>
-            </a:effectRef>
-            <a:fontRef idx="minor">
-              <a:schemeClr val="tx1"/>
-            </a:fontRef>
-          </p:style>
-        </p:cxnSp>
-        <p:cxnSp>
-          <p:nvCxnSpPr>
-            <p:cNvPr id="25" name="Straight Connector 24"/>
-            <p:cNvCxnSpPr/>
-            <p:nvPr/>
-          </p:nvCxnSpPr>
-          <p:spPr>
-            <a:xfrm>
-              <a:off x="2365321" y="3296135"/>
-              <a:ext cx="943520" cy="2"/>
-            </a:xfrm>
-            <a:prstGeom prst="line">
-              <a:avLst/>
-            </a:prstGeom>
-            <a:ln w="38100">
-              <a:solidFill>
-                <a:schemeClr val="tx1"/>
-              </a:solidFill>
-            </a:ln>
-          </p:spPr>
-          <p:style>
-            <a:lnRef idx="1">
-              <a:schemeClr val="accent1"/>
-            </a:lnRef>
-            <a:fillRef idx="0">
-              <a:schemeClr val="accent1"/>
-            </a:fillRef>
-            <a:effectRef idx="0">
-              <a:schemeClr val="accent1"/>
-            </a:effectRef>
-            <a:fontRef idx="minor">
-              <a:schemeClr val="tx1"/>
-            </a:fontRef>
-          </p:style>
-        </p:cxnSp>
-        <p:cxnSp>
-          <p:nvCxnSpPr>
-            <p:cNvPr id="26" name="Straight Connector 25"/>
-            <p:cNvCxnSpPr/>
-            <p:nvPr/>
-          </p:nvCxnSpPr>
-          <p:spPr>
-            <a:xfrm>
-              <a:off x="2362948" y="4127240"/>
-              <a:ext cx="943520" cy="2"/>
-            </a:xfrm>
-            <a:prstGeom prst="line">
-              <a:avLst/>
-            </a:prstGeom>
-            <a:ln w="38100">
-              <a:solidFill>
-                <a:schemeClr val="tx1"/>
-              </a:solidFill>
-            </a:ln>
-          </p:spPr>
-          <p:style>
-            <a:lnRef idx="1">
-              <a:schemeClr val="accent1"/>
-            </a:lnRef>
-            <a:fillRef idx="0">
-              <a:schemeClr val="accent1"/>
-            </a:fillRef>
-            <a:effectRef idx="0">
-              <a:schemeClr val="accent1"/>
-            </a:effectRef>
-            <a:fontRef idx="minor">
-              <a:schemeClr val="tx1"/>
-            </a:fontRef>
-          </p:style>
-        </p:cxnSp>
-        <p:cxnSp>
-          <p:nvCxnSpPr>
-            <p:cNvPr id="27" name="Straight Connector 26"/>
-            <p:cNvCxnSpPr/>
-            <p:nvPr/>
-          </p:nvCxnSpPr>
-          <p:spPr>
-            <a:xfrm>
-              <a:off x="8756570" y="2668433"/>
-              <a:ext cx="943520" cy="2"/>
-            </a:xfrm>
-            <a:prstGeom prst="line">
-              <a:avLst/>
-            </a:prstGeom>
-            <a:ln w="38100">
-              <a:solidFill>
-                <a:schemeClr val="tx1"/>
-              </a:solidFill>
-            </a:ln>
-          </p:spPr>
-          <p:style>
-            <a:lnRef idx="1">
-              <a:schemeClr val="accent1"/>
-            </a:lnRef>
-            <a:fillRef idx="0">
-              <a:schemeClr val="accent1"/>
-            </a:fillRef>
-            <a:effectRef idx="0">
-              <a:schemeClr val="accent1"/>
-            </a:effectRef>
-            <a:fontRef idx="minor">
-              <a:schemeClr val="tx1"/>
-            </a:fontRef>
-          </p:style>
-        </p:cxnSp>
-        <p:cxnSp>
-          <p:nvCxnSpPr>
-            <p:cNvPr id="28" name="Straight Connector 27"/>
-            <p:cNvCxnSpPr/>
-            <p:nvPr/>
-          </p:nvCxnSpPr>
-          <p:spPr>
-            <a:xfrm>
-              <a:off x="8761492" y="3807367"/>
-              <a:ext cx="943520" cy="2"/>
-            </a:xfrm>
-            <a:prstGeom prst="line">
-              <a:avLst/>
-            </a:prstGeom>
-            <a:ln w="38100">
-              <a:solidFill>
-                <a:schemeClr val="tx1"/>
-              </a:solidFill>
-            </a:ln>
-          </p:spPr>
-          <p:style>
-            <a:lnRef idx="1">
-              <a:schemeClr val="accent1"/>
-            </a:lnRef>
-            <a:fillRef idx="0">
-              <a:schemeClr val="accent1"/>
-            </a:fillRef>
-            <a:effectRef idx="0">
-              <a:schemeClr val="accent1"/>
-            </a:effectRef>
-            <a:fontRef idx="minor">
-              <a:schemeClr val="tx1"/>
-            </a:fontRef>
-          </p:style>
-        </p:cxnSp>
-        <p:cxnSp>
-          <p:nvCxnSpPr>
-            <p:cNvPr id="29" name="Straight Connector 28"/>
-            <p:cNvCxnSpPr/>
-            <p:nvPr/>
-          </p:nvCxnSpPr>
-          <p:spPr>
-            <a:xfrm>
-              <a:off x="4067528" y="2509016"/>
-              <a:ext cx="1654763" cy="717888"/>
-            </a:xfrm>
-            <a:prstGeom prst="line">
-              <a:avLst/>
-            </a:prstGeom>
-            <a:ln w="38100">
-              <a:solidFill>
-                <a:schemeClr val="tx1"/>
-              </a:solidFill>
-            </a:ln>
-          </p:spPr>
-          <p:style>
-            <a:lnRef idx="1">
-              <a:schemeClr val="accent1"/>
-            </a:lnRef>
-            <a:fillRef idx="0">
-              <a:schemeClr val="accent1"/>
-            </a:fillRef>
-            <a:effectRef idx="0">
-              <a:schemeClr val="accent1"/>
-            </a:effectRef>
-            <a:fontRef idx="minor">
-              <a:schemeClr val="tx1"/>
-            </a:fontRef>
-          </p:style>
-        </p:cxnSp>
-        <p:cxnSp>
-          <p:nvCxnSpPr>
-            <p:cNvPr id="31" name="Straight Connector 30"/>
-            <p:cNvCxnSpPr>
-              <a:stCxn id="8" idx="3"/>
-            </p:cNvCxnSpPr>
-            <p:nvPr/>
-          </p:nvCxnSpPr>
-          <p:spPr>
-            <a:xfrm flipV="1">
-              <a:off x="4099804" y="3281865"/>
-              <a:ext cx="1622487" cy="62564"/>
-            </a:xfrm>
-            <a:prstGeom prst="line">
-              <a:avLst/>
-            </a:prstGeom>
-            <a:ln w="38100">
-              <a:solidFill>
-                <a:schemeClr val="tx1"/>
-              </a:solidFill>
-            </a:ln>
-          </p:spPr>
-          <p:style>
-            <a:lnRef idx="1">
-              <a:schemeClr val="accent1"/>
-            </a:lnRef>
-            <a:fillRef idx="0">
-              <a:schemeClr val="accent1"/>
-            </a:fillRef>
-            <a:effectRef idx="0">
-              <a:schemeClr val="accent1"/>
-            </a:effectRef>
-            <a:fontRef idx="minor">
-              <a:schemeClr val="tx1"/>
-            </a:fontRef>
-          </p:style>
-        </p:cxnSp>
-        <p:cxnSp>
-          <p:nvCxnSpPr>
-            <p:cNvPr id="33" name="Straight Connector 32"/>
-            <p:cNvCxnSpPr/>
-            <p:nvPr/>
-          </p:nvCxnSpPr>
-          <p:spPr>
-            <a:xfrm flipV="1">
-              <a:off x="4064861" y="3368245"/>
-              <a:ext cx="1748992" cy="830686"/>
-            </a:xfrm>
-            <a:prstGeom prst="line">
-              <a:avLst/>
-            </a:prstGeom>
-            <a:ln w="38100">
-              <a:solidFill>
-                <a:schemeClr val="tx1"/>
-              </a:solidFill>
-            </a:ln>
-          </p:spPr>
-          <p:style>
-            <a:lnRef idx="1">
-              <a:schemeClr val="accent1"/>
-            </a:lnRef>
-            <a:fillRef idx="0">
-              <a:schemeClr val="accent1"/>
-            </a:fillRef>
-            <a:effectRef idx="0">
-              <a:schemeClr val="accent1"/>
-            </a:effectRef>
-            <a:fontRef idx="minor">
-              <a:schemeClr val="tx1"/>
-            </a:fontRef>
-          </p:style>
-        </p:cxnSp>
-        <p:cxnSp>
-          <p:nvCxnSpPr>
-            <p:cNvPr id="36" name="Straight Connector 35"/>
-            <p:cNvCxnSpPr/>
-            <p:nvPr/>
-          </p:nvCxnSpPr>
-          <p:spPr>
-            <a:xfrm flipV="1">
-              <a:off x="6320317" y="2640798"/>
-              <a:ext cx="1665491" cy="551813"/>
-            </a:xfrm>
-            <a:prstGeom prst="line">
-              <a:avLst/>
-            </a:prstGeom>
-            <a:ln w="38100">
-              <a:solidFill>
-                <a:schemeClr val="tx1"/>
-              </a:solidFill>
-            </a:ln>
-          </p:spPr>
-          <p:style>
-            <a:lnRef idx="1">
-              <a:schemeClr val="accent1"/>
-            </a:lnRef>
-            <a:fillRef idx="0">
-              <a:schemeClr val="accent1"/>
-            </a:fillRef>
-            <a:effectRef idx="0">
-              <a:schemeClr val="accent1"/>
-            </a:effectRef>
-            <a:fontRef idx="minor">
-              <a:schemeClr val="tx1"/>
-            </a:fontRef>
-          </p:style>
-        </p:cxnSp>
-        <p:cxnSp>
-          <p:nvCxnSpPr>
-            <p:cNvPr id="38" name="Straight Connector 37"/>
-            <p:cNvCxnSpPr/>
-            <p:nvPr/>
-          </p:nvCxnSpPr>
-          <p:spPr>
-            <a:xfrm>
-              <a:off x="6425493" y="3339983"/>
-              <a:ext cx="1592591" cy="435021"/>
-            </a:xfrm>
-            <a:prstGeom prst="line">
-              <a:avLst/>
-            </a:prstGeom>
-            <a:ln w="38100">
-              <a:solidFill>
-                <a:schemeClr val="tx1"/>
-              </a:solidFill>
-            </a:ln>
-          </p:spPr>
-          <p:style>
-            <a:lnRef idx="1">
-              <a:schemeClr val="accent1"/>
-            </a:lnRef>
-            <a:fillRef idx="0">
-              <a:schemeClr val="accent1"/>
-            </a:fillRef>
-            <a:effectRef idx="0">
-              <a:schemeClr val="accent1"/>
-            </a:effectRef>
-            <a:fontRef idx="minor">
-              <a:schemeClr val="tx1"/>
-            </a:fontRef>
-          </p:style>
-        </p:cxnSp>
-        <p:cxnSp>
-          <p:nvCxnSpPr>
-            <p:cNvPr id="41" name="Straight Connector 40"/>
-            <p:cNvCxnSpPr>
-              <a:endCxn id="10" idx="0"/>
-            </p:cNvCxnSpPr>
-            <p:nvPr/>
-          </p:nvCxnSpPr>
-          <p:spPr>
-            <a:xfrm>
-              <a:off x="6023912" y="1901657"/>
-              <a:ext cx="18894" cy="1242662"/>
-            </a:xfrm>
-            <a:prstGeom prst="line">
-              <a:avLst/>
-            </a:prstGeom>
-            <a:ln w="38100">
-              <a:solidFill>
-                <a:schemeClr val="tx1"/>
-              </a:solidFill>
-            </a:ln>
-          </p:spPr>
-          <p:style>
-            <a:lnRef idx="1">
-              <a:schemeClr val="accent1"/>
-            </a:lnRef>
-            <a:fillRef idx="0">
-              <a:schemeClr val="accent1"/>
-            </a:fillRef>
-            <a:effectRef idx="0">
-              <a:schemeClr val="accent1"/>
-            </a:effectRef>
-            <a:fontRef idx="minor">
-              <a:schemeClr val="tx1"/>
-            </a:fontRef>
-          </p:style>
-        </p:cxnSp>
-        <p:cxnSp>
-          <p:nvCxnSpPr>
-            <p:cNvPr id="44" name="Straight Connector 43"/>
-            <p:cNvCxnSpPr>
-              <a:endCxn id="20" idx="0"/>
-            </p:cNvCxnSpPr>
-            <p:nvPr/>
-          </p:nvCxnSpPr>
-          <p:spPr>
-            <a:xfrm>
-              <a:off x="6042806" y="3403762"/>
-              <a:ext cx="0" cy="1321789"/>
-            </a:xfrm>
-            <a:prstGeom prst="line">
-              <a:avLst/>
-            </a:prstGeom>
-            <a:ln w="38100">
-              <a:solidFill>
-                <a:schemeClr val="tx1"/>
-              </a:solidFill>
-            </a:ln>
-          </p:spPr>
-          <p:style>
-            <a:lnRef idx="1">
-              <a:schemeClr val="accent1"/>
-            </a:lnRef>
-            <a:fillRef idx="0">
-              <a:schemeClr val="accent1"/>
-            </a:fillRef>
-            <a:effectRef idx="0">
-              <a:schemeClr val="accent1"/>
-            </a:effectRef>
-            <a:fontRef idx="minor">
-              <a:schemeClr val="tx1"/>
-            </a:fontRef>
-          </p:style>
-        </p:cxnSp>
-        <p:sp>
-          <p:nvSpPr>
-            <p:cNvPr id="46" name="TextBox 45"/>
-            <p:cNvSpPr txBox="1"/>
-            <p:nvPr/>
-          </p:nvSpPr>
-          <p:spPr>
-            <a:xfrm>
-              <a:off x="6256302" y="1506213"/>
-              <a:ext cx="1012567" cy="369332"/>
-            </a:xfrm>
-            <a:prstGeom prst="rect">
-              <a:avLst/>
-            </a:prstGeom>
-            <a:noFill/>
-          </p:spPr>
-          <p:txBody>
-            <a:bodyPr wrap="square" rtlCol="0">
-              <a:spAutoFit/>
-            </a:bodyPr>
-            <a:lstStyle/>
-            <a:p>
-              <a:pPr algn="ctr"/>
-              <a:r>
-                <a:rPr lang="en-US" b="1" dirty="0" smtClean="0"/>
-                <a:t>Site 1</a:t>
-              </a:r>
-              <a:endParaRPr lang="en-US" b="1" dirty="0"/>
-            </a:p>
-          </p:txBody>
-        </p:sp>
-        <p:sp>
-          <p:nvSpPr>
-            <p:cNvPr id="48" name="TextBox 47"/>
-            <p:cNvSpPr txBox="1"/>
-            <p:nvPr/>
-          </p:nvSpPr>
-          <p:spPr>
-            <a:xfrm>
-              <a:off x="6256302" y="4716728"/>
-              <a:ext cx="1012567" cy="369332"/>
-            </a:xfrm>
-            <a:prstGeom prst="rect">
-              <a:avLst/>
-            </a:prstGeom>
-            <a:noFill/>
-          </p:spPr>
-          <p:txBody>
-            <a:bodyPr wrap="square" rtlCol="0">
-              <a:spAutoFit/>
-            </a:bodyPr>
-            <a:lstStyle/>
-            <a:p>
-              <a:pPr algn="ctr"/>
-              <a:r>
-                <a:rPr lang="en-US" b="1" dirty="0" smtClean="0"/>
-                <a:t>Site 2</a:t>
-              </a:r>
-              <a:endParaRPr lang="en-US" b="1" dirty="0"/>
-            </a:p>
-          </p:txBody>
-        </p:sp>
-        <p:sp>
-          <p:nvSpPr>
-            <p:cNvPr id="52" name="TextBox 51"/>
-            <p:cNvSpPr txBox="1"/>
-            <p:nvPr/>
-          </p:nvSpPr>
-          <p:spPr>
-            <a:xfrm>
-              <a:off x="1115323" y="2318860"/>
-              <a:ext cx="1012567" cy="369332"/>
-            </a:xfrm>
-            <a:prstGeom prst="rect">
-              <a:avLst/>
-            </a:prstGeom>
-            <a:noFill/>
-          </p:spPr>
-          <p:txBody>
-            <a:bodyPr wrap="square" rtlCol="0">
-              <a:spAutoFit/>
-            </a:bodyPr>
-            <a:lstStyle/>
-            <a:p>
-              <a:pPr algn="ctr"/>
-              <a:r>
-                <a:rPr lang="en-US" b="1" dirty="0" smtClean="0"/>
-                <a:t>Site 3</a:t>
-              </a:r>
-              <a:endParaRPr lang="en-US" b="1" dirty="0"/>
-            </a:p>
-          </p:txBody>
-        </p:sp>
-        <p:sp>
-          <p:nvSpPr>
-            <p:cNvPr id="53" name="TextBox 52"/>
-            <p:cNvSpPr txBox="1"/>
-            <p:nvPr/>
-          </p:nvSpPr>
-          <p:spPr>
-            <a:xfrm>
-              <a:off x="1113282" y="3097199"/>
-              <a:ext cx="1012567" cy="369332"/>
-            </a:xfrm>
-            <a:prstGeom prst="rect">
-              <a:avLst/>
-            </a:prstGeom>
-            <a:noFill/>
-          </p:spPr>
-          <p:txBody>
-            <a:bodyPr wrap="square" rtlCol="0">
-              <a:spAutoFit/>
-            </a:bodyPr>
-            <a:lstStyle/>
-            <a:p>
-              <a:pPr algn="ctr"/>
-              <a:r>
-                <a:rPr lang="en-US" b="1" dirty="0" smtClean="0"/>
-                <a:t>Site 4</a:t>
-              </a:r>
-              <a:endParaRPr lang="en-US" b="1" dirty="0"/>
-            </a:p>
-          </p:txBody>
-        </p:sp>
-        <p:sp>
-          <p:nvSpPr>
-            <p:cNvPr id="54" name="TextBox 53"/>
-            <p:cNvSpPr txBox="1"/>
-            <p:nvPr/>
-          </p:nvSpPr>
-          <p:spPr>
-            <a:xfrm>
-              <a:off x="1121428" y="3955151"/>
-              <a:ext cx="1012567" cy="369332"/>
-            </a:xfrm>
-            <a:prstGeom prst="rect">
-              <a:avLst/>
-            </a:prstGeom>
-            <a:noFill/>
-          </p:spPr>
-          <p:txBody>
-            <a:bodyPr wrap="square" rtlCol="0">
-              <a:spAutoFit/>
-            </a:bodyPr>
-            <a:lstStyle/>
-            <a:p>
-              <a:pPr algn="ctr"/>
-              <a:r>
-                <a:rPr lang="en-US" b="1" dirty="0" smtClean="0"/>
-                <a:t>Site 5</a:t>
-              </a:r>
-              <a:endParaRPr lang="en-US" b="1" dirty="0"/>
-            </a:p>
-          </p:txBody>
-        </p:sp>
-        <p:sp>
-          <p:nvSpPr>
-            <p:cNvPr id="55" name="TextBox 54"/>
-            <p:cNvSpPr txBox="1"/>
-            <p:nvPr/>
-          </p:nvSpPr>
-          <p:spPr>
-            <a:xfrm>
-              <a:off x="9964568" y="2456131"/>
-              <a:ext cx="1012567" cy="369332"/>
-            </a:xfrm>
-            <a:prstGeom prst="rect">
-              <a:avLst/>
-            </a:prstGeom>
-            <a:noFill/>
-          </p:spPr>
-          <p:txBody>
-            <a:bodyPr wrap="square" rtlCol="0">
-              <a:spAutoFit/>
-            </a:bodyPr>
-            <a:lstStyle/>
-            <a:p>
-              <a:pPr algn="ctr"/>
-              <a:r>
-                <a:rPr lang="en-US" b="1" dirty="0" smtClean="0"/>
-                <a:t>Site 6</a:t>
-              </a:r>
-              <a:endParaRPr lang="en-US" b="1" dirty="0"/>
-            </a:p>
-          </p:txBody>
-        </p:sp>
-        <p:sp>
-          <p:nvSpPr>
-            <p:cNvPr id="56" name="TextBox 55"/>
-            <p:cNvSpPr txBox="1"/>
-            <p:nvPr/>
-          </p:nvSpPr>
-          <p:spPr>
-            <a:xfrm>
-              <a:off x="9964568" y="3563231"/>
-              <a:ext cx="1012567" cy="369332"/>
-            </a:xfrm>
-            <a:prstGeom prst="rect">
-              <a:avLst/>
-            </a:prstGeom>
-            <a:noFill/>
-          </p:spPr>
-          <p:txBody>
-            <a:bodyPr wrap="square" rtlCol="0">
-              <a:spAutoFit/>
-            </a:bodyPr>
-            <a:lstStyle/>
-            <a:p>
-              <a:pPr algn="ctr"/>
-              <a:r>
-                <a:rPr lang="en-US" b="1" dirty="0" smtClean="0"/>
-                <a:t>Site 7</a:t>
-              </a:r>
-              <a:endParaRPr lang="en-US" b="1" dirty="0"/>
-            </a:p>
-          </p:txBody>
-        </p:sp>
-        <p:sp>
-          <p:nvSpPr>
-            <p:cNvPr id="70" name="TextBox 69"/>
-            <p:cNvSpPr txBox="1"/>
-            <p:nvPr/>
-          </p:nvSpPr>
-          <p:spPr>
-            <a:xfrm>
-              <a:off x="5393450" y="2755245"/>
-              <a:ext cx="630462" cy="369332"/>
-            </a:xfrm>
-            <a:prstGeom prst="rect">
-              <a:avLst/>
-            </a:prstGeom>
-            <a:noFill/>
-          </p:spPr>
-          <p:txBody>
-            <a:bodyPr wrap="square" rtlCol="0">
-              <a:spAutoFit/>
-            </a:bodyPr>
-            <a:lstStyle/>
-            <a:p>
-              <a:pPr algn="ctr"/>
-              <a:r>
-                <a:rPr lang="en-US" altLang="zh-CN" b="1" smtClean="0"/>
-                <a:t>SW4</a:t>
-              </a:r>
-              <a:endParaRPr lang="en-US" b="1" dirty="0"/>
-            </a:p>
-          </p:txBody>
-        </p:sp>
-        <p:sp>
-          <p:nvSpPr>
-            <p:cNvPr id="71" name="TextBox 70"/>
-            <p:cNvSpPr txBox="1"/>
-            <p:nvPr/>
-          </p:nvSpPr>
-          <p:spPr>
-            <a:xfrm>
-              <a:off x="3312826" y="2015382"/>
-              <a:ext cx="630462" cy="369332"/>
-            </a:xfrm>
-            <a:prstGeom prst="rect">
-              <a:avLst/>
-            </a:prstGeom>
-            <a:noFill/>
-          </p:spPr>
-          <p:txBody>
-            <a:bodyPr wrap="square" rtlCol="0">
-              <a:spAutoFit/>
-            </a:bodyPr>
-            <a:lstStyle/>
-            <a:p>
-              <a:pPr algn="ctr"/>
-              <a:r>
-                <a:rPr lang="en-US" altLang="zh-CN" b="1" dirty="0" smtClean="0"/>
-                <a:t>SW1</a:t>
-              </a:r>
-              <a:endParaRPr lang="en-US" b="1" dirty="0"/>
-            </a:p>
-          </p:txBody>
-        </p:sp>
-        <p:sp>
-          <p:nvSpPr>
-            <p:cNvPr id="72" name="TextBox 71"/>
-            <p:cNvSpPr txBox="1"/>
-            <p:nvPr/>
-          </p:nvSpPr>
-          <p:spPr>
-            <a:xfrm>
-              <a:off x="3308926" y="2850090"/>
-              <a:ext cx="630462" cy="369332"/>
-            </a:xfrm>
-            <a:prstGeom prst="rect">
-              <a:avLst/>
-            </a:prstGeom>
-            <a:noFill/>
-          </p:spPr>
-          <p:txBody>
-            <a:bodyPr wrap="square" rtlCol="0">
-              <a:spAutoFit/>
-            </a:bodyPr>
-            <a:lstStyle/>
-            <a:p>
-              <a:pPr algn="ctr"/>
-              <a:r>
-                <a:rPr lang="en-US" altLang="zh-CN" b="1" dirty="0" smtClean="0"/>
-                <a:t>SW2</a:t>
-              </a:r>
-              <a:endParaRPr lang="en-US" b="1" dirty="0"/>
-            </a:p>
-          </p:txBody>
-        </p:sp>
-        <p:sp>
-          <p:nvSpPr>
-            <p:cNvPr id="73" name="TextBox 72"/>
-            <p:cNvSpPr txBox="1"/>
-            <p:nvPr/>
-          </p:nvSpPr>
-          <p:spPr>
-            <a:xfrm>
-              <a:off x="3308926" y="3721835"/>
-              <a:ext cx="630462" cy="369332"/>
-            </a:xfrm>
-            <a:prstGeom prst="rect">
-              <a:avLst/>
-            </a:prstGeom>
-            <a:noFill/>
-          </p:spPr>
-          <p:txBody>
-            <a:bodyPr wrap="square" rtlCol="0">
-              <a:spAutoFit/>
-            </a:bodyPr>
-            <a:lstStyle/>
-            <a:p>
-              <a:pPr algn="ctr"/>
-              <a:r>
-                <a:rPr lang="en-US" altLang="zh-CN" b="1" dirty="0" smtClean="0"/>
-                <a:t>SW3</a:t>
-              </a:r>
-              <a:endParaRPr lang="en-US" b="1" dirty="0"/>
-            </a:p>
-          </p:txBody>
-        </p:sp>
-        <p:sp>
-          <p:nvSpPr>
-            <p:cNvPr id="74" name="TextBox 73"/>
-            <p:cNvSpPr txBox="1"/>
-            <p:nvPr/>
-          </p:nvSpPr>
-          <p:spPr>
-            <a:xfrm>
-              <a:off x="7996645" y="2163432"/>
-              <a:ext cx="630462" cy="369332"/>
-            </a:xfrm>
-            <a:prstGeom prst="rect">
-              <a:avLst/>
-            </a:prstGeom>
-            <a:noFill/>
-          </p:spPr>
-          <p:txBody>
-            <a:bodyPr wrap="square" rtlCol="0">
-              <a:spAutoFit/>
-            </a:bodyPr>
-            <a:lstStyle/>
-            <a:p>
-              <a:pPr algn="ctr"/>
-              <a:r>
-                <a:rPr lang="en-US" altLang="zh-CN" b="1" dirty="0" smtClean="0"/>
-                <a:t>SW5</a:t>
-              </a:r>
-              <a:endParaRPr lang="en-US" b="1" dirty="0"/>
-            </a:p>
-          </p:txBody>
-        </p:sp>
-        <p:sp>
-          <p:nvSpPr>
-            <p:cNvPr id="75" name="TextBox 74"/>
-            <p:cNvSpPr txBox="1"/>
-            <p:nvPr/>
-          </p:nvSpPr>
-          <p:spPr>
-            <a:xfrm>
-              <a:off x="7962409" y="3315195"/>
-              <a:ext cx="630462" cy="369332"/>
-            </a:xfrm>
-            <a:prstGeom prst="rect">
-              <a:avLst/>
-            </a:prstGeom>
-            <a:noFill/>
-          </p:spPr>
-          <p:txBody>
-            <a:bodyPr wrap="square" rtlCol="0">
-              <a:spAutoFit/>
-            </a:bodyPr>
-            <a:lstStyle/>
-            <a:p>
-              <a:pPr algn="ctr"/>
-              <a:r>
-                <a:rPr lang="en-US" altLang="zh-CN" b="1" dirty="0" smtClean="0"/>
-                <a:t>SW6</a:t>
-              </a:r>
-              <a:endParaRPr lang="en-US" b="1" dirty="0"/>
-            </a:p>
-          </p:txBody>
-        </p:sp>
-        <p:sp>
-          <p:nvSpPr>
-            <p:cNvPr id="79" name="TextBox 78"/>
-            <p:cNvSpPr txBox="1"/>
-            <p:nvPr/>
-          </p:nvSpPr>
-          <p:spPr>
-            <a:xfrm>
-              <a:off x="4939357" y="969096"/>
-              <a:ext cx="2649582" cy="369332"/>
-            </a:xfrm>
-            <a:prstGeom prst="rect">
-              <a:avLst/>
-            </a:prstGeom>
-            <a:noFill/>
-          </p:spPr>
-          <p:txBody>
-            <a:bodyPr wrap="square" rtlCol="0">
-              <a:spAutoFit/>
-            </a:bodyPr>
-            <a:lstStyle/>
-            <a:p>
-              <a:r>
-                <a:rPr lang="en-US" altLang="zh-CN" b="1" dirty="0" smtClean="0"/>
-                <a:t>Dataset</a:t>
-              </a:r>
-              <a:r>
-                <a:rPr lang="zh-CN" altLang="en-US" b="1" dirty="0" smtClean="0"/>
-                <a:t> </a:t>
-              </a:r>
-              <a:r>
-                <a:rPr lang="en-US" altLang="zh-CN" b="1" dirty="0" smtClean="0"/>
-                <a:t>A</a:t>
-              </a:r>
-              <a:r>
-                <a:rPr lang="zh-CN" altLang="en-US" b="1" dirty="0" smtClean="0"/>
-                <a:t> </a:t>
-              </a:r>
-              <a:r>
-                <a:rPr lang="en-US" altLang="zh-CN" b="1" dirty="0" smtClean="0"/>
-                <a:t>with</a:t>
-              </a:r>
-              <a:r>
-                <a:rPr lang="zh-CN" altLang="en-US" b="1" dirty="0" smtClean="0"/>
-                <a:t> </a:t>
-              </a:r>
-              <a:r>
-                <a:rPr lang="en-US" altLang="zh-CN" b="1" dirty="0" smtClean="0"/>
-                <a:t>1000</a:t>
-              </a:r>
-              <a:r>
-                <a:rPr lang="zh-CN" altLang="en-US" b="1" dirty="0" smtClean="0"/>
-                <a:t> </a:t>
-              </a:r>
-              <a:r>
-                <a:rPr lang="en-US" altLang="zh-CN" b="1" dirty="0" smtClean="0"/>
-                <a:t>files</a:t>
-              </a:r>
-              <a:endParaRPr lang="en-US" b="1" dirty="0"/>
-            </a:p>
-          </p:txBody>
-        </p:sp>
-        <p:sp>
-          <p:nvSpPr>
-            <p:cNvPr id="80" name="TextBox 79"/>
-            <p:cNvSpPr txBox="1"/>
-            <p:nvPr/>
-          </p:nvSpPr>
-          <p:spPr>
-            <a:xfrm>
-              <a:off x="4995526" y="5305810"/>
-              <a:ext cx="2649582" cy="369332"/>
-            </a:xfrm>
-            <a:prstGeom prst="rect">
-              <a:avLst/>
-            </a:prstGeom>
-            <a:noFill/>
-          </p:spPr>
-          <p:txBody>
-            <a:bodyPr wrap="square" rtlCol="0">
-              <a:spAutoFit/>
-            </a:bodyPr>
-            <a:lstStyle/>
-            <a:p>
-              <a:r>
-                <a:rPr lang="en-US" altLang="zh-CN" b="1" dirty="0" smtClean="0"/>
-                <a:t>Dataset</a:t>
-              </a:r>
-              <a:r>
-                <a:rPr lang="zh-CN" altLang="en-US" b="1" dirty="0" smtClean="0"/>
-                <a:t> </a:t>
-              </a:r>
-              <a:r>
-                <a:rPr lang="en-US" altLang="zh-CN" b="1" dirty="0" smtClean="0"/>
-                <a:t>A</a:t>
-              </a:r>
-              <a:r>
-                <a:rPr lang="zh-CN" altLang="en-US" b="1" dirty="0" smtClean="0"/>
-                <a:t> </a:t>
-              </a:r>
-              <a:r>
-                <a:rPr lang="en-US" altLang="zh-CN" b="1" dirty="0" smtClean="0"/>
-                <a:t>with</a:t>
-              </a:r>
-              <a:r>
-                <a:rPr lang="zh-CN" altLang="en-US" b="1" dirty="0" smtClean="0"/>
-                <a:t> </a:t>
-              </a:r>
-              <a:r>
-                <a:rPr lang="en-US" altLang="zh-CN" b="1" dirty="0" smtClean="0"/>
-                <a:t>1000</a:t>
-              </a:r>
-              <a:r>
-                <a:rPr lang="zh-CN" altLang="en-US" b="1" dirty="0" smtClean="0"/>
-                <a:t> </a:t>
-              </a:r>
-              <a:r>
-                <a:rPr lang="en-US" altLang="zh-CN" b="1" dirty="0" smtClean="0"/>
-                <a:t>files</a:t>
-              </a:r>
-              <a:endParaRPr lang="en-US" b="1" dirty="0"/>
-            </a:p>
-          </p:txBody>
-        </p:sp>
-      </p:grpSp>
     </p:spTree>
     <p:extLst>
       <p:ext uri="{BB962C8B-B14F-4D97-AF65-F5344CB8AC3E}">
@@ -9721,13 +8055,6 @@
   <p:clrMapOvr>
     <a:masterClrMapping/>
   </p:clrMapOvr>
-  <p:timing>
-    <p:tnLst>
-      <p:par>
-        <p:cTn id="1" dur="indefinite" restart="never" nodeType="tmRoot"/>
-      </p:par>
-    </p:tnLst>
-  </p:timing>
 </p:sld>
 </file>
 
@@ -9756,7 +8083,7 @@
         </p:nvSpPr>
         <p:spPr>
           <a:xfrm>
-            <a:off x="403016" y="3424905"/>
+            <a:off x="400050" y="2800350"/>
             <a:ext cx="4948855" cy="584775"/>
           </a:xfrm>
           <a:prstGeom prst="rect">
@@ -9764,25 +8091,77 @@
           </a:prstGeom>
         </p:spPr>
         <p:txBody>
+          <a:bodyPr wrap="none" anchor="t">
+            <a:spAutoFit/>
+          </a:bodyPr>
+          <a:lstStyle/>
+          <a:p>
+            <a:r>
+              <a:rPr lang="EN-US" altLang="ZH-CN" sz="3200" dirty="0"/>
+              <a:t>File-Level</a:t>
+            </a:r>
+            <a:r>
+              <a:rPr lang="ZH-CN" altLang="EN-US" sz="3200" dirty="0"/>
+              <a:t> </a:t>
+            </a:r>
+            <a:r>
+              <a:rPr lang="EN-US" altLang="ZH-CN" sz="3200" dirty="0"/>
+              <a:t>Scheduling</a:t>
+            </a:r>
+            <a:r>
+              <a:rPr lang="ZH-CN" altLang="EN-US" sz="3200" dirty="0"/>
+              <a:t> </a:t>
+            </a:r>
+            <a:r>
+              <a:rPr lang="EN-US" altLang="ZH-CN" sz="3200" dirty="0"/>
+              <a:t>(</a:t>
+            </a:r>
+            <a:r>
+              <a:rPr lang="EN-US" altLang="ZH-CN" sz="3200" dirty="0" err="1"/>
+              <a:t>ExaO</a:t>
+            </a:r>
+            <a:r>
+              <a:rPr lang="EN-US" altLang="ZH-CN" sz="3200" dirty="0"/>
+              <a:t>):</a:t>
+            </a:r>
+          </a:p>
+        </p:txBody>
+      </p:sp>
+      <p:sp>
+        <p:nvSpPr>
+          <p:cNvPr id="76" name="Rectangle 75"/>
+          <p:cNvSpPr/>
+          <p:nvPr/>
+        </p:nvSpPr>
+        <p:spPr>
+          <a:xfrm>
+            <a:off x="359265" y="198371"/>
+            <a:ext cx="6050502" cy="584775"/>
+          </a:xfrm>
+          <a:prstGeom prst="rect">
+            <a:avLst/>
+          </a:prstGeom>
+        </p:spPr>
+        <p:txBody>
           <a:bodyPr wrap="none">
             <a:spAutoFit/>
           </a:bodyPr>
           <a:lstStyle/>
           <a:p>
             <a:r>
-              <a:rPr lang="en-US" altLang="zh-CN" sz="3200" dirty="0" smtClean="0"/>
-              <a:t>File-Level</a:t>
-            </a:r>
-            <a:r>
-              <a:rPr lang="zh-CN" altLang="en-US" sz="3200" dirty="0" smtClean="0"/>
+              <a:rPr lang="en-US" altLang="zh-CN" sz="3200" dirty="0"/>
+              <a:t>Dataset-Level</a:t>
+            </a:r>
+            <a:r>
+              <a:rPr lang="zh-CN" altLang="en-US" sz="3200" dirty="0"/>
               <a:t> </a:t>
             </a:r>
             <a:r>
-              <a:rPr lang="en-US" altLang="zh-CN" sz="3200" dirty="0" smtClean="0"/>
+              <a:rPr lang="en-US" altLang="zh-CN" sz="3200" dirty="0"/>
               <a:t>Scheduling</a:t>
             </a:r>
             <a:r>
-              <a:rPr lang="zh-CN" altLang="en-US" sz="3200" dirty="0" smtClean="0"/>
+              <a:rPr lang="zh-CN" altLang="en-US" sz="3200" dirty="0"/>
               <a:t> </a:t>
             </a:r>
             <a:r>
@@ -9790,712 +8169,11 @@
               <a:t>(</a:t>
             </a:r>
             <a:r>
-              <a:rPr lang="en-US" altLang="zh-CN" sz="3200" dirty="0" err="1" smtClean="0"/>
-              <a:t>ExaO</a:t>
-            </a:r>
-            <a:r>
-              <a:rPr lang="en-US" altLang="zh-CN" sz="3200" dirty="0" smtClean="0"/>
-              <a:t>):</a:t>
-            </a:r>
-            <a:endParaRPr lang="en-GB" sz="3200" dirty="0"/>
-          </a:p>
-        </p:txBody>
-      </p:sp>
-      <p:grpSp>
-        <p:nvGrpSpPr>
-          <p:cNvPr id="50" name="Group 49"/>
-          <p:cNvGrpSpPr/>
-          <p:nvPr/>
-        </p:nvGrpSpPr>
-        <p:grpSpPr>
-          <a:xfrm>
-            <a:off x="835913" y="4083413"/>
-            <a:ext cx="6203667" cy="2055517"/>
-            <a:chOff x="1093088" y="1411651"/>
-            <a:chExt cx="6203667" cy="2055517"/>
-          </a:xfrm>
-        </p:grpSpPr>
-        <p:pic>
-          <p:nvPicPr>
-            <p:cNvPr id="13" name="Picture 12"/>
-            <p:cNvPicPr>
-              <a:picLocks noChangeAspect="1"/>
-            </p:cNvPicPr>
-            <p:nvPr/>
-          </p:nvPicPr>
-          <p:blipFill>
-            <a:blip r:embed="rId3">
-              <a:duotone>
-                <a:schemeClr val="accent2">
-                  <a:shade val="45000"/>
-                  <a:satMod val="135000"/>
-                </a:schemeClr>
-                <a:prstClr val="white"/>
-              </a:duotone>
-            </a:blip>
-            <a:stretch>
-              <a:fillRect/>
-            </a:stretch>
-          </p:blipFill>
-          <p:spPr>
-            <a:xfrm>
-              <a:off x="3066502" y="1761372"/>
-              <a:ext cx="457906" cy="448561"/>
-            </a:xfrm>
-            <a:prstGeom prst="rect">
-              <a:avLst/>
-            </a:prstGeom>
-          </p:spPr>
-        </p:pic>
-        <p:pic>
-          <p:nvPicPr>
-            <p:cNvPr id="15" name="Picture 14"/>
-            <p:cNvPicPr>
-              <a:picLocks noChangeAspect="1"/>
-            </p:cNvPicPr>
-            <p:nvPr/>
-          </p:nvPicPr>
-          <p:blipFill>
-            <a:blip r:embed="rId3">
-              <a:duotone>
-                <a:schemeClr val="accent2">
-                  <a:shade val="45000"/>
-                  <a:satMod val="135000"/>
-                </a:schemeClr>
-                <a:prstClr val="white"/>
-              </a:duotone>
-            </a:blip>
-            <a:stretch>
-              <a:fillRect/>
-            </a:stretch>
-          </p:blipFill>
-          <p:spPr>
-            <a:xfrm>
-              <a:off x="4785163" y="1761372"/>
-              <a:ext cx="457906" cy="448561"/>
-            </a:xfrm>
-            <a:prstGeom prst="rect">
-              <a:avLst/>
-            </a:prstGeom>
-          </p:spPr>
-        </p:pic>
-        <p:pic>
-          <p:nvPicPr>
-            <p:cNvPr id="16" name="Picture 15"/>
-            <p:cNvPicPr>
-              <a:picLocks noChangeAspect="1"/>
-            </p:cNvPicPr>
-            <p:nvPr/>
-          </p:nvPicPr>
-          <p:blipFill>
-            <a:blip r:embed="rId3">
-              <a:duotone>
-                <a:schemeClr val="accent2">
-                  <a:shade val="45000"/>
-                  <a:satMod val="135000"/>
-                </a:schemeClr>
-                <a:prstClr val="white"/>
-              </a:duotone>
-            </a:blip>
-            <a:stretch>
-              <a:fillRect/>
-            </a:stretch>
-          </p:blipFill>
-          <p:spPr>
-            <a:xfrm>
-              <a:off x="6526402" y="1756514"/>
-              <a:ext cx="457906" cy="448561"/>
-            </a:xfrm>
-            <a:prstGeom prst="rect">
-              <a:avLst/>
-            </a:prstGeom>
-          </p:spPr>
-        </p:pic>
-        <p:pic>
-          <p:nvPicPr>
-            <p:cNvPr id="19" name="Picture 18"/>
-            <p:cNvPicPr>
-              <a:picLocks noChangeAspect="1"/>
-            </p:cNvPicPr>
-            <p:nvPr/>
-          </p:nvPicPr>
-          <p:blipFill>
-            <a:blip r:embed="rId3">
-              <a:duotone>
-                <a:schemeClr val="accent6">
-                  <a:shade val="45000"/>
-                  <a:satMod val="135000"/>
-                </a:schemeClr>
-                <a:prstClr val="white"/>
-              </a:duotone>
-            </a:blip>
-            <a:stretch>
-              <a:fillRect/>
-            </a:stretch>
-          </p:blipFill>
-          <p:spPr>
-            <a:xfrm>
-              <a:off x="1325263" y="1768460"/>
-              <a:ext cx="457906" cy="448561"/>
-            </a:xfrm>
-            <a:prstGeom prst="rect">
-              <a:avLst/>
-            </a:prstGeom>
-          </p:spPr>
-        </p:pic>
-        <p:cxnSp>
-          <p:nvCxnSpPr>
-            <p:cNvPr id="29" name="Straight Connector 28"/>
-            <p:cNvCxnSpPr/>
-            <p:nvPr/>
-          </p:nvCxnSpPr>
-          <p:spPr>
-            <a:xfrm>
-              <a:off x="1728671" y="1970015"/>
-              <a:ext cx="1387062" cy="7633"/>
-            </a:xfrm>
-            <a:prstGeom prst="line">
-              <a:avLst/>
-            </a:prstGeom>
-            <a:ln w="38100">
-              <a:solidFill>
-                <a:schemeClr val="tx1"/>
-              </a:solidFill>
-              <a:tailEnd type="triangle"/>
-            </a:ln>
-          </p:spPr>
-          <p:style>
-            <a:lnRef idx="1">
-              <a:schemeClr val="accent1"/>
-            </a:lnRef>
-            <a:fillRef idx="0">
-              <a:schemeClr val="accent1"/>
-            </a:fillRef>
-            <a:effectRef idx="0">
-              <a:schemeClr val="accent1"/>
-            </a:effectRef>
-            <a:fontRef idx="minor">
-              <a:schemeClr val="tx1"/>
-            </a:fontRef>
-          </p:style>
-        </p:cxnSp>
-        <p:sp>
-          <p:nvSpPr>
-            <p:cNvPr id="46" name="TextBox 45"/>
-            <p:cNvSpPr txBox="1"/>
-            <p:nvPr/>
-          </p:nvSpPr>
-          <p:spPr>
-            <a:xfrm>
-              <a:off x="1093088" y="1417147"/>
-              <a:ext cx="1012567" cy="369332"/>
-            </a:xfrm>
-            <a:prstGeom prst="rect">
-              <a:avLst/>
-            </a:prstGeom>
-            <a:noFill/>
-          </p:spPr>
-          <p:txBody>
-            <a:bodyPr wrap="square" rtlCol="0">
-              <a:spAutoFit/>
-            </a:bodyPr>
-            <a:lstStyle/>
-            <a:p>
-              <a:pPr algn="ctr"/>
-              <a:r>
-                <a:rPr lang="en-US" b="1" dirty="0" smtClean="0"/>
-                <a:t>Site 1</a:t>
-              </a:r>
-              <a:endParaRPr lang="en-US" b="1" dirty="0"/>
-            </a:p>
-          </p:txBody>
-        </p:sp>
-        <p:sp>
-          <p:nvSpPr>
-            <p:cNvPr id="52" name="TextBox 51"/>
-            <p:cNvSpPr txBox="1"/>
-            <p:nvPr/>
-          </p:nvSpPr>
-          <p:spPr>
-            <a:xfrm>
-              <a:off x="2835225" y="1411651"/>
-              <a:ext cx="1012567" cy="369332"/>
-            </a:xfrm>
-            <a:prstGeom prst="rect">
-              <a:avLst/>
-            </a:prstGeom>
-            <a:noFill/>
-          </p:spPr>
-          <p:txBody>
-            <a:bodyPr wrap="square" rtlCol="0">
-              <a:spAutoFit/>
-            </a:bodyPr>
-            <a:lstStyle/>
-            <a:p>
-              <a:pPr algn="ctr"/>
-              <a:r>
-                <a:rPr lang="en-US" b="1" dirty="0" smtClean="0"/>
-                <a:t>Site 3</a:t>
-              </a:r>
-              <a:endParaRPr lang="en-US" b="1" dirty="0"/>
-            </a:p>
-          </p:txBody>
-        </p:sp>
-        <p:sp>
-          <p:nvSpPr>
-            <p:cNvPr id="53" name="TextBox 52"/>
-            <p:cNvSpPr txBox="1"/>
-            <p:nvPr/>
-          </p:nvSpPr>
-          <p:spPr>
-            <a:xfrm>
-              <a:off x="4547748" y="1419745"/>
-              <a:ext cx="1012567" cy="369332"/>
-            </a:xfrm>
-            <a:prstGeom prst="rect">
-              <a:avLst/>
-            </a:prstGeom>
-            <a:noFill/>
-          </p:spPr>
-          <p:txBody>
-            <a:bodyPr wrap="square" rtlCol="0">
-              <a:spAutoFit/>
-            </a:bodyPr>
-            <a:lstStyle/>
-            <a:p>
-              <a:pPr algn="ctr"/>
-              <a:r>
-                <a:rPr lang="en-US" b="1" dirty="0" smtClean="0"/>
-                <a:t>Site 4</a:t>
-              </a:r>
-              <a:endParaRPr lang="en-US" b="1" dirty="0"/>
-            </a:p>
-          </p:txBody>
-        </p:sp>
-        <p:sp>
-          <p:nvSpPr>
-            <p:cNvPr id="54" name="TextBox 53"/>
-            <p:cNvSpPr txBox="1"/>
-            <p:nvPr/>
-          </p:nvSpPr>
-          <p:spPr>
-            <a:xfrm>
-              <a:off x="6284188" y="1411651"/>
-              <a:ext cx="1012567" cy="369332"/>
-            </a:xfrm>
-            <a:prstGeom prst="rect">
-              <a:avLst/>
-            </a:prstGeom>
-            <a:noFill/>
-          </p:spPr>
-          <p:txBody>
-            <a:bodyPr wrap="square" rtlCol="0">
-              <a:spAutoFit/>
-            </a:bodyPr>
-            <a:lstStyle/>
-            <a:p>
-              <a:pPr algn="ctr"/>
-              <a:r>
-                <a:rPr lang="en-US" b="1" dirty="0" smtClean="0"/>
-                <a:t>Site 5</a:t>
-              </a:r>
-              <a:endParaRPr lang="en-US" b="1" dirty="0"/>
-            </a:p>
-          </p:txBody>
-        </p:sp>
-        <p:cxnSp>
-          <p:nvCxnSpPr>
-            <p:cNvPr id="62" name="Straight Connector 61"/>
-            <p:cNvCxnSpPr/>
-            <p:nvPr/>
-          </p:nvCxnSpPr>
-          <p:spPr>
-            <a:xfrm>
-              <a:off x="3438677" y="1985652"/>
-              <a:ext cx="1387062" cy="7633"/>
-            </a:xfrm>
-            <a:prstGeom prst="line">
-              <a:avLst/>
-            </a:prstGeom>
-            <a:ln w="38100">
-              <a:solidFill>
-                <a:schemeClr val="tx1"/>
-              </a:solidFill>
-              <a:tailEnd type="triangle"/>
-            </a:ln>
-          </p:spPr>
-          <p:style>
-            <a:lnRef idx="1">
-              <a:schemeClr val="accent1"/>
-            </a:lnRef>
-            <a:fillRef idx="0">
-              <a:schemeClr val="accent1"/>
-            </a:fillRef>
-            <a:effectRef idx="0">
-              <a:schemeClr val="accent1"/>
-            </a:effectRef>
-            <a:fontRef idx="minor">
-              <a:schemeClr val="tx1"/>
-            </a:fontRef>
-          </p:style>
-        </p:cxnSp>
-        <p:cxnSp>
-          <p:nvCxnSpPr>
-            <p:cNvPr id="66" name="Straight Connector 65"/>
-            <p:cNvCxnSpPr/>
-            <p:nvPr/>
-          </p:nvCxnSpPr>
-          <p:spPr>
-            <a:xfrm>
-              <a:off x="5181062" y="1985651"/>
-              <a:ext cx="1387062" cy="7633"/>
-            </a:xfrm>
-            <a:prstGeom prst="line">
-              <a:avLst/>
-            </a:prstGeom>
-            <a:ln w="38100">
-              <a:solidFill>
-                <a:schemeClr val="tx1"/>
-              </a:solidFill>
-              <a:tailEnd type="triangle"/>
-            </a:ln>
-          </p:spPr>
-          <p:style>
-            <a:lnRef idx="1">
-              <a:schemeClr val="accent1"/>
-            </a:lnRef>
-            <a:fillRef idx="0">
-              <a:schemeClr val="accent1"/>
-            </a:fillRef>
-            <a:effectRef idx="0">
-              <a:schemeClr val="accent1"/>
-            </a:effectRef>
-            <a:fontRef idx="minor">
-              <a:schemeClr val="tx1"/>
-            </a:fontRef>
-          </p:style>
-        </p:cxnSp>
-        <p:pic>
-          <p:nvPicPr>
-            <p:cNvPr id="67" name="Picture 66"/>
-            <p:cNvPicPr>
-              <a:picLocks noChangeAspect="1"/>
-            </p:cNvPicPr>
-            <p:nvPr/>
-          </p:nvPicPr>
-          <p:blipFill>
-            <a:blip r:embed="rId3">
-              <a:duotone>
-                <a:schemeClr val="accent2">
-                  <a:shade val="45000"/>
-                  <a:satMod val="135000"/>
-                </a:schemeClr>
-                <a:prstClr val="white"/>
-              </a:duotone>
-            </a:blip>
-            <a:stretch>
-              <a:fillRect/>
-            </a:stretch>
-          </p:blipFill>
-          <p:spPr>
-            <a:xfrm>
-              <a:off x="3066502" y="3011519"/>
-              <a:ext cx="457906" cy="448561"/>
-            </a:xfrm>
-            <a:prstGeom prst="rect">
-              <a:avLst/>
-            </a:prstGeom>
-          </p:spPr>
-        </p:pic>
-        <p:pic>
-          <p:nvPicPr>
-            <p:cNvPr id="69" name="Picture 68"/>
-            <p:cNvPicPr>
-              <a:picLocks noChangeAspect="1"/>
-            </p:cNvPicPr>
-            <p:nvPr/>
-          </p:nvPicPr>
-          <p:blipFill>
-            <a:blip r:embed="rId3">
-              <a:duotone>
-                <a:schemeClr val="accent2">
-                  <a:shade val="45000"/>
-                  <a:satMod val="135000"/>
-                </a:schemeClr>
-                <a:prstClr val="white"/>
-              </a:duotone>
-            </a:blip>
-            <a:stretch>
-              <a:fillRect/>
-            </a:stretch>
-          </p:blipFill>
-          <p:spPr>
-            <a:xfrm>
-              <a:off x="4785163" y="3011519"/>
-              <a:ext cx="457906" cy="448561"/>
-            </a:xfrm>
-            <a:prstGeom prst="rect">
-              <a:avLst/>
-            </a:prstGeom>
-          </p:spPr>
-        </p:pic>
-        <p:pic>
-          <p:nvPicPr>
-            <p:cNvPr id="70" name="Picture 69"/>
-            <p:cNvPicPr>
-              <a:picLocks noChangeAspect="1"/>
-            </p:cNvPicPr>
-            <p:nvPr/>
-          </p:nvPicPr>
-          <p:blipFill>
-            <a:blip r:embed="rId3">
-              <a:duotone>
-                <a:schemeClr val="accent6">
-                  <a:shade val="45000"/>
-                  <a:satMod val="135000"/>
-                </a:schemeClr>
-                <a:prstClr val="white"/>
-              </a:duotone>
-            </a:blip>
-            <a:stretch>
-              <a:fillRect/>
-            </a:stretch>
-          </p:blipFill>
-          <p:spPr>
-            <a:xfrm>
-              <a:off x="1325263" y="3018607"/>
-              <a:ext cx="457906" cy="448561"/>
-            </a:xfrm>
-            <a:prstGeom prst="rect">
-              <a:avLst/>
-            </a:prstGeom>
-          </p:spPr>
-        </p:pic>
-        <p:cxnSp>
-          <p:nvCxnSpPr>
-            <p:cNvPr id="71" name="Straight Connector 70"/>
-            <p:cNvCxnSpPr/>
-            <p:nvPr/>
-          </p:nvCxnSpPr>
-          <p:spPr>
-            <a:xfrm>
-              <a:off x="1728671" y="3220162"/>
-              <a:ext cx="1387062" cy="7633"/>
-            </a:xfrm>
-            <a:prstGeom prst="line">
-              <a:avLst/>
-            </a:prstGeom>
-            <a:ln w="38100">
-              <a:solidFill>
-                <a:schemeClr val="tx1"/>
-              </a:solidFill>
-              <a:tailEnd type="triangle"/>
-            </a:ln>
-          </p:spPr>
-          <p:style>
-            <a:lnRef idx="1">
-              <a:schemeClr val="accent1"/>
-            </a:lnRef>
-            <a:fillRef idx="0">
-              <a:schemeClr val="accent1"/>
-            </a:fillRef>
-            <a:effectRef idx="0">
-              <a:schemeClr val="accent1"/>
-            </a:effectRef>
-            <a:fontRef idx="minor">
-              <a:schemeClr val="tx1"/>
-            </a:fontRef>
-          </p:style>
-        </p:cxnSp>
-        <p:sp>
-          <p:nvSpPr>
-            <p:cNvPr id="72" name="TextBox 71"/>
-            <p:cNvSpPr txBox="1"/>
-            <p:nvPr/>
-          </p:nvSpPr>
-          <p:spPr>
-            <a:xfrm>
-              <a:off x="1093088" y="2667294"/>
-              <a:ext cx="1012567" cy="369332"/>
-            </a:xfrm>
-            <a:prstGeom prst="rect">
-              <a:avLst/>
-            </a:prstGeom>
-            <a:noFill/>
-          </p:spPr>
-          <p:txBody>
-            <a:bodyPr wrap="square" rtlCol="0">
-              <a:spAutoFit/>
-            </a:bodyPr>
-            <a:lstStyle/>
-            <a:p>
-              <a:pPr algn="ctr"/>
-              <a:r>
-                <a:rPr lang="en-US" b="1" dirty="0" smtClean="0"/>
-                <a:t>Site </a:t>
-              </a:r>
-              <a:r>
-                <a:rPr lang="en-US" altLang="zh-CN" b="1" dirty="0" smtClean="0"/>
-                <a:t>2</a:t>
-              </a:r>
-              <a:endParaRPr lang="en-US" b="1" dirty="0"/>
-            </a:p>
-          </p:txBody>
-        </p:sp>
-        <p:sp>
-          <p:nvSpPr>
-            <p:cNvPr id="73" name="TextBox 72"/>
-            <p:cNvSpPr txBox="1"/>
-            <p:nvPr/>
-          </p:nvSpPr>
-          <p:spPr>
-            <a:xfrm>
-              <a:off x="2835225" y="2661798"/>
-              <a:ext cx="1012567" cy="369332"/>
-            </a:xfrm>
-            <a:prstGeom prst="rect">
-              <a:avLst/>
-            </a:prstGeom>
-            <a:noFill/>
-          </p:spPr>
-          <p:txBody>
-            <a:bodyPr wrap="square" rtlCol="0">
-              <a:spAutoFit/>
-            </a:bodyPr>
-            <a:lstStyle/>
-            <a:p>
-              <a:pPr algn="ctr"/>
-              <a:r>
-                <a:rPr lang="en-US" b="1" dirty="0" smtClean="0"/>
-                <a:t>Site </a:t>
-              </a:r>
-              <a:r>
-                <a:rPr lang="en-US" altLang="zh-CN" b="1" dirty="0" smtClean="0"/>
-                <a:t>6</a:t>
-              </a:r>
-              <a:endParaRPr lang="en-US" b="1" dirty="0"/>
-            </a:p>
-          </p:txBody>
-        </p:sp>
-        <p:sp>
-          <p:nvSpPr>
-            <p:cNvPr id="74" name="TextBox 73"/>
-            <p:cNvSpPr txBox="1"/>
-            <p:nvPr/>
-          </p:nvSpPr>
-          <p:spPr>
-            <a:xfrm>
-              <a:off x="4547748" y="2669892"/>
-              <a:ext cx="1012567" cy="369332"/>
-            </a:xfrm>
-            <a:prstGeom prst="rect">
-              <a:avLst/>
-            </a:prstGeom>
-            <a:noFill/>
-          </p:spPr>
-          <p:txBody>
-            <a:bodyPr wrap="square" rtlCol="0">
-              <a:spAutoFit/>
-            </a:bodyPr>
-            <a:lstStyle/>
-            <a:p>
-              <a:pPr algn="ctr"/>
-              <a:r>
-                <a:rPr lang="en-US" b="1" dirty="0" smtClean="0"/>
-                <a:t>Site </a:t>
-              </a:r>
-              <a:r>
-                <a:rPr lang="en-US" altLang="zh-CN" b="1" dirty="0" smtClean="0"/>
-                <a:t>7</a:t>
-              </a:r>
-              <a:endParaRPr lang="en-US" b="1" dirty="0"/>
-            </a:p>
-          </p:txBody>
-        </p:sp>
-        <p:cxnSp>
-          <p:nvCxnSpPr>
-            <p:cNvPr id="75" name="Straight Connector 74"/>
-            <p:cNvCxnSpPr/>
-            <p:nvPr/>
-          </p:nvCxnSpPr>
-          <p:spPr>
-            <a:xfrm>
-              <a:off x="3438677" y="3235799"/>
-              <a:ext cx="1387062" cy="7633"/>
-            </a:xfrm>
-            <a:prstGeom prst="line">
-              <a:avLst/>
-            </a:prstGeom>
-            <a:ln w="38100">
-              <a:solidFill>
-                <a:schemeClr val="tx1"/>
-              </a:solidFill>
-              <a:tailEnd type="triangle"/>
-            </a:ln>
-          </p:spPr>
-          <p:style>
-            <a:lnRef idx="1">
-              <a:schemeClr val="accent1"/>
-            </a:lnRef>
-            <a:fillRef idx="0">
-              <a:schemeClr val="accent1"/>
-            </a:fillRef>
-            <a:effectRef idx="0">
-              <a:schemeClr val="accent1"/>
-            </a:effectRef>
-            <a:fontRef idx="minor">
-              <a:schemeClr val="tx1"/>
-            </a:fontRef>
-          </p:style>
-        </p:cxnSp>
-      </p:grpSp>
-      <p:sp>
-        <p:nvSpPr>
-          <p:cNvPr id="76" name="Rectangle 75"/>
-          <p:cNvSpPr/>
-          <p:nvPr/>
-        </p:nvSpPr>
-        <p:spPr>
-          <a:xfrm>
-            <a:off x="359265" y="198371"/>
-            <a:ext cx="6050502" cy="584775"/>
-          </a:xfrm>
-          <a:prstGeom prst="rect">
-            <a:avLst/>
-          </a:prstGeom>
-        </p:spPr>
-        <p:txBody>
-          <a:bodyPr wrap="none">
-            <a:spAutoFit/>
-          </a:bodyPr>
-          <a:lstStyle/>
-          <a:p>
-            <a:r>
-              <a:rPr lang="en-US" altLang="zh-CN" sz="3200" dirty="0" smtClean="0"/>
-              <a:t>Dataset-Level</a:t>
-            </a:r>
-            <a:r>
-              <a:rPr lang="zh-CN" altLang="en-US" sz="3200" dirty="0" smtClean="0"/>
-              <a:t> </a:t>
-            </a:r>
-            <a:r>
-              <a:rPr lang="en-US" altLang="zh-CN" sz="3200" dirty="0" smtClean="0"/>
-              <a:t>Scheduling</a:t>
-            </a:r>
-            <a:r>
-              <a:rPr lang="zh-CN" altLang="en-US" sz="3200" dirty="0" smtClean="0"/>
-              <a:t> </a:t>
+              <a:rPr lang="en-US" altLang="zh-CN" sz="3200" dirty="0" err="1"/>
+              <a:t>PhEDEx</a:t>
             </a:r>
             <a:r>
               <a:rPr lang="en-US" altLang="zh-CN" sz="3200" dirty="0"/>
-              <a:t>(</a:t>
-            </a:r>
-            <a:r>
-              <a:rPr lang="en-US" altLang="zh-CN" sz="3200" dirty="0" err="1" smtClean="0"/>
-              <a:t>PhEDEx</a:t>
-            </a:r>
-            <a:r>
-              <a:rPr lang="en-US" altLang="zh-CN" sz="3200" dirty="0" smtClean="0"/>
               <a:t>):</a:t>
             </a:r>
             <a:endParaRPr lang="en-GB" sz="3200" dirty="0"/>
@@ -10504,1074 +8182,163 @@
       </p:sp>
       <p:pic>
         <p:nvPicPr>
-          <p:cNvPr id="78" name="Picture 77"/>
+          <p:cNvPr id="2" name="Picture 1"/>
           <p:cNvPicPr>
             <a:picLocks noChangeAspect="1"/>
           </p:cNvPicPr>
           <p:nvPr/>
         </p:nvPicPr>
         <p:blipFill>
-          <a:blip r:embed="rId3">
-            <a:duotone>
-              <a:schemeClr val="accent2">
-                <a:shade val="45000"/>
-                <a:satMod val="135000"/>
-              </a:schemeClr>
-              <a:prstClr val="white"/>
-            </a:duotone>
-          </a:blip>
+          <a:blip r:embed="rId3"/>
           <a:stretch>
             <a:fillRect/>
           </a:stretch>
         </p:blipFill>
         <p:spPr>
           <a:xfrm>
-            <a:off x="2765576" y="1206600"/>
-            <a:ext cx="457906" cy="448561"/>
+            <a:off x="904875" y="787843"/>
+            <a:ext cx="7749996" cy="1586249"/>
           </a:xfrm>
           <a:prstGeom prst="rect">
             <a:avLst/>
           </a:prstGeom>
         </p:spPr>
       </p:pic>
+      <p:sp>
+        <p:nvSpPr>
+          <p:cNvPr id="3" name="TextBox 2"/>
+          <p:cNvSpPr txBox="1"/>
+          <p:nvPr/>
+        </p:nvSpPr>
+        <p:spPr>
+          <a:xfrm>
+            <a:off x="7391400" y="2505075"/>
+            <a:ext cx="3951288" cy="461665"/>
+          </a:xfrm>
+          <a:prstGeom prst="rect">
+            <a:avLst/>
+          </a:prstGeom>
+        </p:spPr>
+        <p:txBody>
+          <a:bodyPr wrap="none" anchor="t">
+            <a:spAutoFit/>
+          </a:bodyPr>
+          <a:lstStyle/>
+          <a:p>
+            <a:r>
+              <a:rPr lang="EN-US" sz="2400" dirty="0"/>
+              <a:t>Link Utilization: 1/7 = 14.29%</a:t>
+            </a:r>
+            <a:endParaRPr lang="en-US" sz="2400" dirty="0"/>
+          </a:p>
+        </p:txBody>
+      </p:sp>
+      <p:sp>
+        <p:nvSpPr>
+          <p:cNvPr id="55" name="TextBox 54"/>
+          <p:cNvSpPr txBox="1"/>
+          <p:nvPr/>
+        </p:nvSpPr>
+        <p:spPr>
+          <a:xfrm>
+            <a:off x="7391401" y="3695700"/>
+            <a:ext cx="3815468" cy="461665"/>
+          </a:xfrm>
+          <a:prstGeom prst="rect">
+            <a:avLst/>
+          </a:prstGeom>
+        </p:spPr>
+        <p:txBody>
+          <a:bodyPr wrap="none" anchor="t">
+            <a:spAutoFit/>
+          </a:bodyPr>
+          <a:lstStyle/>
+          <a:p>
+            <a:r>
+              <a:rPr lang="EN-US" sz="2400" dirty="0"/>
+              <a:t>Link Utilization: 6/7 = 85.71%</a:t>
+            </a:r>
+            <a:endParaRPr lang="en-US" sz="2400" dirty="0"/>
+          </a:p>
+        </p:txBody>
+      </p:sp>
       <p:pic>
         <p:nvPicPr>
-          <p:cNvPr id="81" name="Picture 80"/>
+          <p:cNvPr id="4" name="Picture 3"/>
           <p:cNvPicPr>
             <a:picLocks noChangeAspect="1"/>
           </p:cNvPicPr>
           <p:nvPr/>
         </p:nvPicPr>
         <p:blipFill>
-          <a:blip r:embed="rId3">
-            <a:duotone>
-              <a:schemeClr val="accent6">
-                <a:shade val="45000"/>
-                <a:satMod val="135000"/>
-              </a:schemeClr>
-              <a:prstClr val="white"/>
-            </a:duotone>
-          </a:blip>
+          <a:blip r:embed="rId4"/>
           <a:stretch>
             <a:fillRect/>
           </a:stretch>
         </p:blipFill>
         <p:spPr>
           <a:xfrm>
-            <a:off x="1024337" y="1213688"/>
-            <a:ext cx="457906" cy="448561"/>
+            <a:off x="262926" y="3581400"/>
+            <a:ext cx="3853463" cy="2720431"/>
           </a:xfrm>
           <a:prstGeom prst="rect">
             <a:avLst/>
           </a:prstGeom>
         </p:spPr>
       </p:pic>
-      <p:cxnSp>
-        <p:nvCxnSpPr>
-          <p:cNvPr id="82" name="Straight Connector 81"/>
-          <p:cNvCxnSpPr/>
-          <p:nvPr/>
-        </p:nvCxnSpPr>
-        <p:spPr>
-          <a:xfrm>
-            <a:off x="1427745" y="1415243"/>
-            <a:ext cx="1387062" cy="7633"/>
-          </a:xfrm>
-          <a:prstGeom prst="line">
-            <a:avLst/>
-          </a:prstGeom>
-          <a:ln w="38100">
-            <a:solidFill>
-              <a:schemeClr val="tx1"/>
-            </a:solidFill>
-            <a:tailEnd type="triangle"/>
-          </a:ln>
-        </p:spPr>
-        <p:style>
-          <a:lnRef idx="1">
-            <a:schemeClr val="accent1"/>
-          </a:lnRef>
-          <a:fillRef idx="0">
-            <a:schemeClr val="accent1"/>
-          </a:fillRef>
-          <a:effectRef idx="0">
-            <a:schemeClr val="accent1"/>
-          </a:effectRef>
-          <a:fontRef idx="minor">
-            <a:schemeClr val="tx1"/>
-          </a:fontRef>
-        </p:style>
-      </p:cxnSp>
-      <p:sp>
-        <p:nvSpPr>
-          <p:cNvPr id="83" name="TextBox 82"/>
-          <p:cNvSpPr txBox="1"/>
-          <p:nvPr/>
-        </p:nvSpPr>
-        <p:spPr>
-          <a:xfrm>
-            <a:off x="792162" y="862375"/>
-            <a:ext cx="1012567" cy="369332"/>
-          </a:xfrm>
-          <a:prstGeom prst="rect">
-            <a:avLst/>
-          </a:prstGeom>
-          <a:noFill/>
-        </p:spPr>
-        <p:txBody>
-          <a:bodyPr wrap="square" rtlCol="0">
-            <a:spAutoFit/>
-          </a:bodyPr>
-          <a:lstStyle/>
-          <a:p>
-            <a:pPr algn="ctr"/>
-            <a:r>
-              <a:rPr lang="en-US" b="1" dirty="0" smtClean="0"/>
-              <a:t>Site 1</a:t>
-            </a:r>
-            <a:endParaRPr lang="en-US" b="1" dirty="0"/>
-          </a:p>
-        </p:txBody>
-      </p:sp>
-      <p:sp>
-        <p:nvSpPr>
-          <p:cNvPr id="84" name="TextBox 83"/>
-          <p:cNvSpPr txBox="1"/>
-          <p:nvPr/>
-        </p:nvSpPr>
-        <p:spPr>
-          <a:xfrm>
-            <a:off x="2534299" y="856879"/>
-            <a:ext cx="1012567" cy="369332"/>
-          </a:xfrm>
-          <a:prstGeom prst="rect">
-            <a:avLst/>
-          </a:prstGeom>
-          <a:noFill/>
-        </p:spPr>
-        <p:txBody>
-          <a:bodyPr wrap="square" rtlCol="0">
-            <a:spAutoFit/>
-          </a:bodyPr>
-          <a:lstStyle/>
-          <a:p>
-            <a:pPr algn="ctr"/>
-            <a:r>
-              <a:rPr lang="en-US" b="1" dirty="0" smtClean="0"/>
-              <a:t>Site 3</a:t>
-            </a:r>
-            <a:endParaRPr lang="en-US" b="1" dirty="0"/>
-          </a:p>
-        </p:txBody>
-      </p:sp>
       <p:pic>
         <p:nvPicPr>
-          <p:cNvPr id="89" name="Picture 88"/>
+          <p:cNvPr id="6" name="Picture 5"/>
           <p:cNvPicPr>
             <a:picLocks noChangeAspect="1"/>
           </p:cNvPicPr>
           <p:nvPr/>
         </p:nvPicPr>
         <p:blipFill>
-          <a:blip r:embed="rId3">
-            <a:duotone>
-              <a:schemeClr val="accent2">
-                <a:shade val="45000"/>
-                <a:satMod val="135000"/>
-              </a:schemeClr>
-              <a:prstClr val="white"/>
-            </a:duotone>
-          </a:blip>
+          <a:blip r:embed="rId5"/>
           <a:stretch>
             <a:fillRect/>
           </a:stretch>
         </p:blipFill>
         <p:spPr>
           <a:xfrm>
-            <a:off x="2765576" y="2456747"/>
-            <a:ext cx="457906" cy="448561"/>
+            <a:off x="4876800" y="3657600"/>
+            <a:ext cx="3733024" cy="2644355"/>
           </a:xfrm>
           <a:prstGeom prst="rect">
             <a:avLst/>
           </a:prstGeom>
         </p:spPr>
       </p:pic>
-      <p:pic>
-        <p:nvPicPr>
-          <p:cNvPr id="91" name="Picture 90"/>
-          <p:cNvPicPr>
-            <a:picLocks noChangeAspect="1"/>
-          </p:cNvPicPr>
+      <p:sp>
+        <p:nvSpPr>
+          <p:cNvPr id="57" name="TextBox 56"/>
+          <p:cNvSpPr txBox="1"/>
           <p:nvPr/>
-        </p:nvPicPr>
-        <p:blipFill>
-          <a:blip r:embed="rId3">
-            <a:duotone>
-              <a:schemeClr val="accent6">
-                <a:shade val="45000"/>
-                <a:satMod val="135000"/>
-              </a:schemeClr>
-              <a:prstClr val="white"/>
-            </a:duotone>
-          </a:blip>
-          <a:stretch>
-            <a:fillRect/>
-          </a:stretch>
-        </p:blipFill>
-        <p:spPr>
-          <a:xfrm>
-            <a:off x="1024337" y="2463835"/>
-            <a:ext cx="457906" cy="448561"/>
+        </p:nvSpPr>
+        <p:spPr>
+          <a:xfrm flipH="1">
+            <a:off x="4086225" y="3996055"/>
+            <a:ext cx="1166095" cy="1015663"/>
           </a:xfrm>
           <a:prstGeom prst="rect">
             <a:avLst/>
           </a:prstGeom>
         </p:spPr>
-      </p:pic>
-      <p:cxnSp>
-        <p:nvCxnSpPr>
-          <p:cNvPr id="92" name="Straight Connector 91"/>
-          <p:cNvCxnSpPr/>
-          <p:nvPr/>
-        </p:nvCxnSpPr>
-        <p:spPr>
-          <a:xfrm>
-            <a:off x="1427745" y="2665390"/>
-            <a:ext cx="1387062" cy="7633"/>
-          </a:xfrm>
-          <a:prstGeom prst="line">
-            <a:avLst/>
-          </a:prstGeom>
-          <a:ln w="38100">
-            <a:solidFill>
-              <a:schemeClr val="tx1"/>
-            </a:solidFill>
-            <a:tailEnd type="triangle"/>
-          </a:ln>
-        </p:spPr>
-        <p:style>
-          <a:lnRef idx="1">
-            <a:schemeClr val="accent1"/>
-          </a:lnRef>
-          <a:fillRef idx="0">
-            <a:schemeClr val="accent1"/>
-          </a:fillRef>
-          <a:effectRef idx="0">
-            <a:schemeClr val="accent1"/>
-          </a:effectRef>
-          <a:fontRef idx="minor">
-            <a:schemeClr val="tx1"/>
-          </a:fontRef>
-        </p:style>
-      </p:cxnSp>
-      <p:sp>
-        <p:nvSpPr>
-          <p:cNvPr id="93" name="TextBox 92"/>
-          <p:cNvSpPr txBox="1"/>
-          <p:nvPr/>
-        </p:nvSpPr>
-        <p:spPr>
-          <a:xfrm>
-            <a:off x="792162" y="2112522"/>
-            <a:ext cx="1012567" cy="369332"/>
-          </a:xfrm>
-          <a:prstGeom prst="rect">
-            <a:avLst/>
-          </a:prstGeom>
-          <a:noFill/>
-        </p:spPr>
-        <p:txBody>
-          <a:bodyPr wrap="square" rtlCol="0">
+        <p:txBody>
+          <a:bodyPr wrap="square" anchor="t">
             <a:spAutoFit/>
           </a:bodyPr>
           <a:lstStyle/>
           <a:p>
-            <a:pPr algn="ctr"/>
-            <a:r>
-              <a:rPr lang="en-US" b="1" dirty="0" smtClean="0"/>
-              <a:t>Site </a:t>
-            </a:r>
-            <a:r>
-              <a:rPr lang="en-US" altLang="zh-CN" b="1" dirty="0" smtClean="0"/>
-              <a:t>2</a:t>
-            </a:r>
-            <a:endParaRPr lang="en-US" b="1" dirty="0"/>
-          </a:p>
-        </p:txBody>
-      </p:sp>
-      <p:sp>
-        <p:nvSpPr>
-          <p:cNvPr id="94" name="TextBox 93"/>
-          <p:cNvSpPr txBox="1"/>
-          <p:nvPr/>
-        </p:nvSpPr>
-        <p:spPr>
-          <a:xfrm>
-            <a:off x="2534299" y="2107026"/>
-            <a:ext cx="1012567" cy="369332"/>
-          </a:xfrm>
-          <a:prstGeom prst="rect">
-            <a:avLst/>
-          </a:prstGeom>
-          <a:noFill/>
-        </p:spPr>
-        <p:txBody>
-          <a:bodyPr wrap="square" rtlCol="0">
-            <a:spAutoFit/>
-          </a:bodyPr>
-          <a:lstStyle/>
-          <a:p>
-            <a:pPr algn="ctr"/>
-            <a:r>
-              <a:rPr lang="en-US" b="1" dirty="0" smtClean="0"/>
-              <a:t>Site </a:t>
-            </a:r>
-            <a:r>
-              <a:rPr lang="en-US" altLang="zh-CN" b="1" dirty="0" smtClean="0"/>
-              <a:t>6</a:t>
-            </a:r>
-            <a:endParaRPr lang="en-US" b="1" dirty="0"/>
-          </a:p>
-        </p:txBody>
-      </p:sp>
-      <p:pic>
-        <p:nvPicPr>
-          <p:cNvPr id="100" name="Picture 99"/>
-          <p:cNvPicPr>
-            <a:picLocks noChangeAspect="1"/>
-          </p:cNvPicPr>
-          <p:nvPr/>
-        </p:nvPicPr>
-        <p:blipFill>
-          <a:blip r:embed="rId3">
-            <a:duotone>
-              <a:schemeClr val="accent2">
-                <a:shade val="45000"/>
-                <a:satMod val="135000"/>
-              </a:schemeClr>
-              <a:prstClr val="white"/>
-            </a:duotone>
-          </a:blip>
-          <a:stretch>
-            <a:fillRect/>
-          </a:stretch>
-        </p:blipFill>
-        <p:spPr>
-          <a:xfrm>
-            <a:off x="5713952" y="1215803"/>
-            <a:ext cx="457906" cy="448561"/>
-          </a:xfrm>
-          <a:prstGeom prst="rect">
-            <a:avLst/>
-          </a:prstGeom>
-        </p:spPr>
-      </p:pic>
-      <p:pic>
-        <p:nvPicPr>
-          <p:cNvPr id="101" name="Picture 100"/>
-          <p:cNvPicPr>
-            <a:picLocks noChangeAspect="1"/>
-          </p:cNvPicPr>
-          <p:nvPr/>
-        </p:nvPicPr>
-        <p:blipFill>
-          <a:blip r:embed="rId3">
-            <a:duotone>
-              <a:schemeClr val="accent6">
-                <a:shade val="45000"/>
-                <a:satMod val="135000"/>
-              </a:schemeClr>
-              <a:prstClr val="white"/>
-            </a:duotone>
-          </a:blip>
-          <a:stretch>
-            <a:fillRect/>
-          </a:stretch>
-        </p:blipFill>
-        <p:spPr>
-          <a:xfrm>
-            <a:off x="3972713" y="1222891"/>
-            <a:ext cx="457906" cy="448561"/>
-          </a:xfrm>
-          <a:prstGeom prst="rect">
-            <a:avLst/>
-          </a:prstGeom>
-        </p:spPr>
-      </p:pic>
-      <p:cxnSp>
-        <p:nvCxnSpPr>
-          <p:cNvPr id="102" name="Straight Connector 101"/>
-          <p:cNvCxnSpPr/>
-          <p:nvPr/>
-        </p:nvCxnSpPr>
-        <p:spPr>
-          <a:xfrm>
-            <a:off x="4376121" y="1424446"/>
-            <a:ext cx="1387062" cy="7633"/>
-          </a:xfrm>
-          <a:prstGeom prst="line">
-            <a:avLst/>
-          </a:prstGeom>
-          <a:ln w="38100">
-            <a:solidFill>
-              <a:schemeClr val="tx1"/>
-            </a:solidFill>
-            <a:tailEnd type="triangle"/>
-          </a:ln>
-        </p:spPr>
-        <p:style>
-          <a:lnRef idx="1">
-            <a:schemeClr val="accent1"/>
-          </a:lnRef>
-          <a:fillRef idx="0">
-            <a:schemeClr val="accent1"/>
-          </a:fillRef>
-          <a:effectRef idx="0">
-            <a:schemeClr val="accent1"/>
-          </a:effectRef>
-          <a:fontRef idx="minor">
-            <a:schemeClr val="tx1"/>
-          </a:fontRef>
-        </p:style>
-      </p:cxnSp>
-      <p:sp>
-        <p:nvSpPr>
-          <p:cNvPr id="103" name="TextBox 102"/>
-          <p:cNvSpPr txBox="1"/>
-          <p:nvPr/>
-        </p:nvSpPr>
-        <p:spPr>
-          <a:xfrm>
-            <a:off x="3740538" y="871578"/>
-            <a:ext cx="1012567" cy="369332"/>
-          </a:xfrm>
-          <a:prstGeom prst="rect">
-            <a:avLst/>
-          </a:prstGeom>
-          <a:noFill/>
-        </p:spPr>
-        <p:txBody>
-          <a:bodyPr wrap="square" rtlCol="0">
-            <a:spAutoFit/>
-          </a:bodyPr>
-          <a:lstStyle/>
-          <a:p>
-            <a:pPr algn="ctr"/>
-            <a:r>
-              <a:rPr lang="en-US" b="1" dirty="0" smtClean="0"/>
-              <a:t>Site 1</a:t>
-            </a:r>
-            <a:endParaRPr lang="en-US" b="1" dirty="0"/>
-          </a:p>
-        </p:txBody>
-      </p:sp>
-      <p:sp>
-        <p:nvSpPr>
-          <p:cNvPr id="104" name="TextBox 103"/>
-          <p:cNvSpPr txBox="1"/>
-          <p:nvPr/>
-        </p:nvSpPr>
-        <p:spPr>
-          <a:xfrm>
-            <a:off x="5482675" y="866082"/>
-            <a:ext cx="1012567" cy="369332"/>
-          </a:xfrm>
-          <a:prstGeom prst="rect">
-            <a:avLst/>
-          </a:prstGeom>
-          <a:noFill/>
-        </p:spPr>
-        <p:txBody>
-          <a:bodyPr wrap="square" rtlCol="0">
-            <a:spAutoFit/>
-          </a:bodyPr>
-          <a:lstStyle/>
-          <a:p>
-            <a:pPr algn="ctr"/>
-            <a:r>
-              <a:rPr lang="en-US" b="1" dirty="0" smtClean="0"/>
-              <a:t>Site </a:t>
-            </a:r>
-            <a:r>
-              <a:rPr lang="en-US" altLang="zh-CN" b="1" dirty="0" smtClean="0"/>
-              <a:t>4</a:t>
-            </a:r>
-            <a:endParaRPr lang="en-US" b="1" dirty="0"/>
-          </a:p>
-        </p:txBody>
-      </p:sp>
-      <p:pic>
-        <p:nvPicPr>
-          <p:cNvPr id="105" name="Picture 104"/>
-          <p:cNvPicPr>
-            <a:picLocks noChangeAspect="1"/>
-          </p:cNvPicPr>
-          <p:nvPr/>
-        </p:nvPicPr>
-        <p:blipFill>
-          <a:blip r:embed="rId3">
-            <a:duotone>
-              <a:schemeClr val="accent2">
-                <a:shade val="45000"/>
-                <a:satMod val="135000"/>
-              </a:schemeClr>
-              <a:prstClr val="white"/>
-            </a:duotone>
-          </a:blip>
-          <a:stretch>
-            <a:fillRect/>
-          </a:stretch>
-        </p:blipFill>
-        <p:spPr>
-          <a:xfrm>
-            <a:off x="8894503" y="1181493"/>
-            <a:ext cx="457906" cy="448561"/>
-          </a:xfrm>
-          <a:prstGeom prst="rect">
-            <a:avLst/>
-          </a:prstGeom>
-        </p:spPr>
-      </p:pic>
-      <p:pic>
-        <p:nvPicPr>
-          <p:cNvPr id="106" name="Picture 105"/>
-          <p:cNvPicPr>
-            <a:picLocks noChangeAspect="1"/>
-          </p:cNvPicPr>
-          <p:nvPr/>
-        </p:nvPicPr>
-        <p:blipFill>
-          <a:blip r:embed="rId3">
-            <a:duotone>
-              <a:schemeClr val="accent6">
-                <a:shade val="45000"/>
-                <a:satMod val="135000"/>
-              </a:schemeClr>
-              <a:prstClr val="white"/>
-            </a:duotone>
-          </a:blip>
-          <a:stretch>
-            <a:fillRect/>
-          </a:stretch>
-        </p:blipFill>
-        <p:spPr>
-          <a:xfrm>
-            <a:off x="7153264" y="1188581"/>
-            <a:ext cx="457906" cy="448561"/>
-          </a:xfrm>
-          <a:prstGeom prst="rect">
-            <a:avLst/>
-          </a:prstGeom>
-        </p:spPr>
-      </p:pic>
-      <p:cxnSp>
-        <p:nvCxnSpPr>
-          <p:cNvPr id="107" name="Straight Connector 106"/>
-          <p:cNvCxnSpPr/>
-          <p:nvPr/>
-        </p:nvCxnSpPr>
-        <p:spPr>
-          <a:xfrm>
-            <a:off x="7556672" y="1390136"/>
-            <a:ext cx="1387062" cy="7633"/>
-          </a:xfrm>
-          <a:prstGeom prst="line">
-            <a:avLst/>
-          </a:prstGeom>
-          <a:ln w="38100">
-            <a:solidFill>
-              <a:schemeClr val="tx1"/>
-            </a:solidFill>
-            <a:tailEnd type="triangle"/>
-          </a:ln>
-        </p:spPr>
-        <p:style>
-          <a:lnRef idx="1">
-            <a:schemeClr val="accent1"/>
-          </a:lnRef>
-          <a:fillRef idx="0">
-            <a:schemeClr val="accent1"/>
-          </a:fillRef>
-          <a:effectRef idx="0">
-            <a:schemeClr val="accent1"/>
-          </a:effectRef>
-          <a:fontRef idx="minor">
-            <a:schemeClr val="tx1"/>
-          </a:fontRef>
-        </p:style>
-      </p:cxnSp>
-      <p:sp>
-        <p:nvSpPr>
-          <p:cNvPr id="108" name="TextBox 107"/>
-          <p:cNvSpPr txBox="1"/>
-          <p:nvPr/>
-        </p:nvSpPr>
-        <p:spPr>
-          <a:xfrm>
-            <a:off x="6921089" y="837268"/>
-            <a:ext cx="1012567" cy="369332"/>
-          </a:xfrm>
-          <a:prstGeom prst="rect">
-            <a:avLst/>
-          </a:prstGeom>
-          <a:noFill/>
-        </p:spPr>
-        <p:txBody>
-          <a:bodyPr wrap="square" rtlCol="0">
-            <a:spAutoFit/>
-          </a:bodyPr>
-          <a:lstStyle/>
-          <a:p>
-            <a:pPr algn="ctr"/>
-            <a:r>
-              <a:rPr lang="en-US" b="1" dirty="0" smtClean="0"/>
-              <a:t>Site 1</a:t>
-            </a:r>
-            <a:endParaRPr lang="en-US" b="1" dirty="0"/>
-          </a:p>
-        </p:txBody>
-      </p:sp>
-      <p:sp>
-        <p:nvSpPr>
-          <p:cNvPr id="109" name="TextBox 108"/>
-          <p:cNvSpPr txBox="1"/>
-          <p:nvPr/>
-        </p:nvSpPr>
-        <p:spPr>
-          <a:xfrm>
-            <a:off x="8663226" y="831772"/>
-            <a:ext cx="1012567" cy="369332"/>
-          </a:xfrm>
-          <a:prstGeom prst="rect">
-            <a:avLst/>
-          </a:prstGeom>
-          <a:noFill/>
-        </p:spPr>
-        <p:txBody>
-          <a:bodyPr wrap="square" rtlCol="0">
-            <a:spAutoFit/>
-          </a:bodyPr>
-          <a:lstStyle/>
-          <a:p>
-            <a:pPr algn="ctr"/>
-            <a:r>
-              <a:rPr lang="en-US" b="1" dirty="0" smtClean="0"/>
-              <a:t>Site </a:t>
-            </a:r>
-            <a:r>
-              <a:rPr lang="en-US" altLang="zh-CN" b="1" dirty="0" smtClean="0"/>
-              <a:t>5</a:t>
-            </a:r>
-            <a:endParaRPr lang="en-US" b="1" dirty="0"/>
-          </a:p>
-        </p:txBody>
-      </p:sp>
-      <p:pic>
-        <p:nvPicPr>
-          <p:cNvPr id="110" name="Picture 109"/>
-          <p:cNvPicPr>
-            <a:picLocks noChangeAspect="1"/>
-          </p:cNvPicPr>
-          <p:nvPr/>
-        </p:nvPicPr>
-        <p:blipFill>
-          <a:blip r:embed="rId3">
-            <a:duotone>
-              <a:schemeClr val="accent2">
-                <a:shade val="45000"/>
-                <a:satMod val="135000"/>
-              </a:schemeClr>
-              <a:prstClr val="white"/>
-            </a:duotone>
-          </a:blip>
-          <a:stretch>
-            <a:fillRect/>
-          </a:stretch>
-        </p:blipFill>
-        <p:spPr>
-          <a:xfrm>
-            <a:off x="5713952" y="2450168"/>
-            <a:ext cx="457906" cy="448561"/>
-          </a:xfrm>
-          <a:prstGeom prst="rect">
-            <a:avLst/>
-          </a:prstGeom>
-        </p:spPr>
-      </p:pic>
-      <p:pic>
-        <p:nvPicPr>
-          <p:cNvPr id="111" name="Picture 110"/>
-          <p:cNvPicPr>
-            <a:picLocks noChangeAspect="1"/>
-          </p:cNvPicPr>
-          <p:nvPr/>
-        </p:nvPicPr>
-        <p:blipFill>
-          <a:blip r:embed="rId3">
-            <a:duotone>
-              <a:schemeClr val="accent6">
-                <a:shade val="45000"/>
-                <a:satMod val="135000"/>
-              </a:schemeClr>
-              <a:prstClr val="white"/>
-            </a:duotone>
-          </a:blip>
-          <a:stretch>
-            <a:fillRect/>
-          </a:stretch>
-        </p:blipFill>
-        <p:spPr>
-          <a:xfrm>
-            <a:off x="3972713" y="2457256"/>
-            <a:ext cx="457906" cy="448561"/>
-          </a:xfrm>
-          <a:prstGeom prst="rect">
-            <a:avLst/>
-          </a:prstGeom>
-        </p:spPr>
-      </p:pic>
-      <p:cxnSp>
-        <p:nvCxnSpPr>
-          <p:cNvPr id="112" name="Straight Connector 111"/>
-          <p:cNvCxnSpPr/>
-          <p:nvPr/>
-        </p:nvCxnSpPr>
-        <p:spPr>
-          <a:xfrm>
-            <a:off x="4376121" y="2658811"/>
-            <a:ext cx="1387062" cy="7633"/>
-          </a:xfrm>
-          <a:prstGeom prst="line">
-            <a:avLst/>
-          </a:prstGeom>
-          <a:ln w="38100">
-            <a:solidFill>
-              <a:schemeClr val="tx1"/>
-            </a:solidFill>
-            <a:tailEnd type="triangle"/>
-          </a:ln>
-        </p:spPr>
-        <p:style>
-          <a:lnRef idx="1">
-            <a:schemeClr val="accent1"/>
-          </a:lnRef>
-          <a:fillRef idx="0">
-            <a:schemeClr val="accent1"/>
-          </a:fillRef>
-          <a:effectRef idx="0">
-            <a:schemeClr val="accent1"/>
-          </a:effectRef>
-          <a:fontRef idx="minor">
-            <a:schemeClr val="tx1"/>
-          </a:fontRef>
-        </p:style>
-      </p:cxnSp>
-      <p:sp>
-        <p:nvSpPr>
-          <p:cNvPr id="113" name="TextBox 112"/>
-          <p:cNvSpPr txBox="1"/>
-          <p:nvPr/>
-        </p:nvSpPr>
-        <p:spPr>
-          <a:xfrm>
-            <a:off x="3740538" y="2105943"/>
-            <a:ext cx="1012567" cy="369332"/>
-          </a:xfrm>
-          <a:prstGeom prst="rect">
-            <a:avLst/>
-          </a:prstGeom>
-          <a:noFill/>
-        </p:spPr>
-        <p:txBody>
-          <a:bodyPr wrap="square" rtlCol="0">
-            <a:spAutoFit/>
-          </a:bodyPr>
-          <a:lstStyle/>
-          <a:p>
-            <a:pPr algn="ctr"/>
-            <a:r>
-              <a:rPr lang="en-US" b="1" dirty="0" smtClean="0"/>
-              <a:t>Site </a:t>
-            </a:r>
-            <a:r>
-              <a:rPr lang="en-US" altLang="zh-CN" b="1" dirty="0" smtClean="0"/>
-              <a:t>2</a:t>
-            </a:r>
-            <a:endParaRPr lang="en-US" b="1" dirty="0"/>
-          </a:p>
-        </p:txBody>
-      </p:sp>
-      <p:sp>
-        <p:nvSpPr>
-          <p:cNvPr id="114" name="TextBox 113"/>
-          <p:cNvSpPr txBox="1"/>
-          <p:nvPr/>
-        </p:nvSpPr>
-        <p:spPr>
-          <a:xfrm>
-            <a:off x="5482675" y="2100447"/>
-            <a:ext cx="1012567" cy="369332"/>
-          </a:xfrm>
-          <a:prstGeom prst="rect">
-            <a:avLst/>
-          </a:prstGeom>
-          <a:noFill/>
-        </p:spPr>
-        <p:txBody>
-          <a:bodyPr wrap="square" rtlCol="0">
-            <a:spAutoFit/>
-          </a:bodyPr>
-          <a:lstStyle/>
-          <a:p>
-            <a:pPr algn="ctr"/>
-            <a:r>
-              <a:rPr lang="en-US" b="1" dirty="0" smtClean="0"/>
-              <a:t>Site </a:t>
-            </a:r>
-            <a:r>
-              <a:rPr lang="en-US" altLang="zh-CN" b="1" dirty="0" smtClean="0"/>
-              <a:t>7</a:t>
-            </a:r>
-            <a:endParaRPr lang="en-US" b="1" dirty="0"/>
-          </a:p>
-        </p:txBody>
-      </p:sp>
-      <mc:AlternateContent xmlns:mc="http://schemas.openxmlformats.org/markup-compatibility/2006">
-        <mc:Choice xmlns:a14="http://schemas.microsoft.com/office/drawing/2010/main" Requires="a14">
-          <p:sp>
-            <p:nvSpPr>
-              <p:cNvPr id="115" name="Rectangle 114"/>
-              <p:cNvSpPr/>
-              <p:nvPr/>
-            </p:nvSpPr>
-            <p:spPr>
-              <a:xfrm>
-                <a:off x="7153263" y="5518439"/>
-                <a:ext cx="3722237" cy="620491"/>
-              </a:xfrm>
-              <a:prstGeom prst="rect">
-                <a:avLst/>
-              </a:prstGeom>
-            </p:spPr>
-            <p:txBody>
-              <a:bodyPr wrap="none">
-                <a:spAutoFit/>
-              </a:bodyPr>
-              <a:lstStyle/>
-              <a:p>
-                <a:r>
-                  <a:rPr lang="en-US" altLang="zh-CN" sz="2400" dirty="0" smtClean="0"/>
-                  <a:t>Link</a:t>
-                </a:r>
-                <a:r>
-                  <a:rPr lang="zh-CN" altLang="en-US" sz="2400" dirty="0" smtClean="0"/>
-                  <a:t> </a:t>
-                </a:r>
-                <a:r>
-                  <a:rPr lang="en-US" altLang="zh-CN" sz="2400" dirty="0" smtClean="0"/>
-                  <a:t>Utilization:</a:t>
-                </a:r>
-                <a:r>
-                  <a:rPr lang="zh-CN" altLang="en-US" sz="2400" dirty="0" smtClean="0"/>
-                  <a:t> </a:t>
-                </a:r>
-                <a14:m>
-                  <m:oMath xmlns:m="http://schemas.openxmlformats.org/officeDocument/2006/math">
-                    <m:f>
-                      <m:fPr>
-                        <m:ctrlPr>
-                          <a:rPr lang="bg-BG" altLang="zh-CN" sz="2400" i="1" dirty="0" smtClean="0">
-                            <a:latin typeface="Cambria Math" charset="0"/>
-                          </a:rPr>
-                        </m:ctrlPr>
-                      </m:fPr>
-                      <m:num>
-                        <m:r>
-                          <a:rPr lang="en-US" altLang="zh-CN" sz="2400" b="0" i="1" dirty="0" smtClean="0">
-                            <a:latin typeface="Cambria Math" charset="0"/>
-                          </a:rPr>
-                          <m:t>5</m:t>
-                        </m:r>
-                      </m:num>
-                      <m:den>
-                        <m:r>
-                          <a:rPr lang="en-US" altLang="zh-CN" sz="2400" b="0" i="1" dirty="0" smtClean="0">
-                            <a:latin typeface="Cambria Math" charset="0"/>
-                          </a:rPr>
-                          <m:t>7</m:t>
-                        </m:r>
-                      </m:den>
-                    </m:f>
-                    <m:r>
-                      <a:rPr lang="en-US" altLang="zh-CN" sz="2400" b="0" i="1" dirty="0" smtClean="0">
-                        <a:latin typeface="Cambria Math" charset="0"/>
-                      </a:rPr>
-                      <m:t>=71.43%</m:t>
-                    </m:r>
-                  </m:oMath>
-                </a14:m>
-                <a:endParaRPr lang="en-GB" sz="2400" dirty="0"/>
-              </a:p>
-            </p:txBody>
-          </p:sp>
-        </mc:Choice>
-        <mc:Fallback>
-          <p:sp>
-            <p:nvSpPr>
-              <p:cNvPr id="115" name="Rectangle 114"/>
-              <p:cNvSpPr>
-                <a:spLocks noRot="1" noChangeAspect="1" noMove="1" noResize="1" noEditPoints="1" noAdjustHandles="1" noChangeArrowheads="1" noChangeShapeType="1" noTextEdit="1"/>
-              </p:cNvSpPr>
-              <p:nvPr/>
-            </p:nvSpPr>
-            <p:spPr>
-              <a:xfrm>
-                <a:off x="7153263" y="5518439"/>
-                <a:ext cx="3722237" cy="620491"/>
-              </a:xfrm>
-              <a:prstGeom prst="rect">
-                <a:avLst/>
-              </a:prstGeom>
-              <a:blipFill rotWithShape="0">
-                <a:blip r:embed="rId4"/>
-                <a:stretch>
-                  <a:fillRect l="-2455" b="-9804"/>
-                </a:stretch>
-              </a:blipFill>
-            </p:spPr>
-            <p:txBody>
-              <a:bodyPr/>
-              <a:lstStyle/>
-              <a:p>
-                <a:r>
-                  <a:rPr lang="en-US">
-                    <a:noFill/>
-                  </a:rPr>
-                  <a:t> </a:t>
-                </a:r>
-              </a:p>
-            </p:txBody>
-          </p:sp>
-        </mc:Fallback>
-      </mc:AlternateContent>
-      <mc:AlternateContent xmlns:mc="http://schemas.openxmlformats.org/markup-compatibility/2006">
-        <mc:Choice xmlns:a14="http://schemas.microsoft.com/office/drawing/2010/main" Requires="a14">
-          <p:sp>
-            <p:nvSpPr>
-              <p:cNvPr id="116" name="Rectangle 115"/>
-              <p:cNvSpPr/>
-              <p:nvPr/>
-            </p:nvSpPr>
-            <p:spPr>
-              <a:xfrm>
-                <a:off x="7153263" y="2456747"/>
-                <a:ext cx="3722237" cy="615233"/>
-              </a:xfrm>
-              <a:prstGeom prst="rect">
-                <a:avLst/>
-              </a:prstGeom>
-            </p:spPr>
-            <p:txBody>
-              <a:bodyPr wrap="none">
-                <a:spAutoFit/>
-              </a:bodyPr>
-              <a:lstStyle/>
-              <a:p>
-                <a:r>
-                  <a:rPr lang="en-US" altLang="zh-CN" sz="2400" dirty="0" smtClean="0"/>
-                  <a:t>Link</a:t>
-                </a:r>
-                <a:r>
-                  <a:rPr lang="zh-CN" altLang="en-US" sz="2400" dirty="0" smtClean="0"/>
-                  <a:t> </a:t>
-                </a:r>
-                <a:r>
-                  <a:rPr lang="en-US" altLang="zh-CN" sz="2400" dirty="0" smtClean="0"/>
-                  <a:t>Utilization:</a:t>
-                </a:r>
-                <a:r>
-                  <a:rPr lang="zh-CN" altLang="en-US" sz="2400" dirty="0" smtClean="0"/>
-                  <a:t> </a:t>
-                </a:r>
-                <a14:m>
-                  <m:oMath xmlns:m="http://schemas.openxmlformats.org/officeDocument/2006/math">
-                    <m:f>
-                      <m:fPr>
-                        <m:ctrlPr>
-                          <a:rPr lang="bg-BG" altLang="zh-CN" sz="2400" i="1" dirty="0" smtClean="0">
-                            <a:latin typeface="Cambria Math" charset="0"/>
-                          </a:rPr>
-                        </m:ctrlPr>
-                      </m:fPr>
-                      <m:num>
-                        <m:r>
-                          <a:rPr lang="en-US" altLang="zh-CN" sz="2400" b="0" i="1" dirty="0" smtClean="0">
-                            <a:latin typeface="Cambria Math" charset="0"/>
-                          </a:rPr>
-                          <m:t>2</m:t>
-                        </m:r>
-                      </m:num>
-                      <m:den>
-                        <m:r>
-                          <a:rPr lang="en-US" altLang="zh-CN" sz="2400" b="0" i="1" dirty="0" smtClean="0">
-                            <a:latin typeface="Cambria Math" charset="0"/>
-                          </a:rPr>
-                          <m:t>7</m:t>
-                        </m:r>
-                      </m:den>
-                    </m:f>
-                    <m:r>
-                      <a:rPr lang="en-US" altLang="zh-CN" sz="2400" b="0" i="1" dirty="0" smtClean="0">
-                        <a:latin typeface="Cambria Math" charset="0"/>
-                      </a:rPr>
-                      <m:t>=28.57%</m:t>
-                    </m:r>
-                  </m:oMath>
-                </a14:m>
-                <a:endParaRPr lang="en-GB" sz="2400" dirty="0"/>
-              </a:p>
-            </p:txBody>
-          </p:sp>
-        </mc:Choice>
-        <mc:Fallback>
-          <p:sp>
-            <p:nvSpPr>
-              <p:cNvPr id="116" name="Rectangle 115"/>
-              <p:cNvSpPr>
-                <a:spLocks noRot="1" noChangeAspect="1" noMove="1" noResize="1" noEditPoints="1" noAdjustHandles="1" noChangeArrowheads="1" noChangeShapeType="1" noTextEdit="1"/>
-              </p:cNvSpPr>
-              <p:nvPr/>
-            </p:nvSpPr>
-            <p:spPr>
-              <a:xfrm>
-                <a:off x="7153263" y="2456747"/>
-                <a:ext cx="3722237" cy="615233"/>
-              </a:xfrm>
-              <a:prstGeom prst="rect">
-                <a:avLst/>
-              </a:prstGeom>
-              <a:blipFill rotWithShape="0">
-                <a:blip r:embed="rId5"/>
-                <a:stretch>
-                  <a:fillRect l="-2455" b="-9901"/>
-                </a:stretch>
-              </a:blipFill>
-            </p:spPr>
-            <p:txBody>
-              <a:bodyPr/>
-              <a:lstStyle/>
-              <a:p>
-                <a:r>
-                  <a:rPr lang="en-US">
-                    <a:noFill/>
-                  </a:rPr>
-                  <a:t> </a:t>
-                </a:r>
-              </a:p>
-            </p:txBody>
-          </p:sp>
-        </mc:Fallback>
-      </mc:AlternateContent>
+            <a:r>
+              <a:rPr lang="EN-US" sz="6000" dirty="0"/>
+              <a:t>...</a:t>
+            </a:r>
+            <a:endParaRPr lang="en-US" sz="6000" dirty="0"/>
+          </a:p>
+        </p:txBody>
+      </p:sp>
     </p:spTree>
     <p:extLst>
       <p:ext uri="{BB962C8B-B14F-4D97-AF65-F5344CB8AC3E}">
@@ -11582,13 +8349,6 @@
   <p:clrMapOvr>
     <a:masterClrMapping/>
   </p:clrMapOvr>
-  <p:timing>
-    <p:tnLst>
-      <p:par>
-        <p:cTn id="1" dur="indefinite" restart="never" nodeType="tmRoot"/>
-      </p:par>
-    </p:tnLst>
-  </p:timing>
 </p:sld>
 </file>
 
@@ -11625,31 +8385,31 @@
           <a:lstStyle/>
           <a:p>
             <a:r>
-              <a:rPr lang="en-US" altLang="zh-CN" dirty="0" smtClean="0"/>
+              <a:rPr lang="en-US" altLang="zh-CN" dirty="0"/>
               <a:t>User</a:t>
             </a:r>
             <a:r>
-              <a:rPr lang="zh-CN" altLang="en-US" dirty="0" smtClean="0"/>
+              <a:rPr lang="zh-CN" altLang="en-US" dirty="0"/>
               <a:t> </a:t>
             </a:r>
             <a:r>
-              <a:rPr lang="en-US" altLang="zh-CN" dirty="0" smtClean="0"/>
+              <a:rPr lang="en-US" altLang="zh-CN" dirty="0"/>
               <a:t>submits</a:t>
             </a:r>
             <a:r>
-              <a:rPr lang="zh-CN" altLang="en-US" dirty="0" smtClean="0"/>
+              <a:rPr lang="zh-CN" altLang="en-US" dirty="0"/>
               <a:t> </a:t>
             </a:r>
             <a:r>
-              <a:rPr lang="en-US" altLang="zh-CN" dirty="0" smtClean="0"/>
+              <a:rPr lang="en-US" altLang="zh-CN" dirty="0"/>
               <a:t>a</a:t>
             </a:r>
             <a:r>
-              <a:rPr lang="zh-CN" altLang="en-US" dirty="0" smtClean="0"/>
+              <a:rPr lang="zh-CN" altLang="en-US" dirty="0"/>
               <a:t> </a:t>
             </a:r>
             <a:r>
-              <a:rPr lang="en-US" altLang="zh-CN" dirty="0" smtClean="0"/>
+              <a:rPr lang="en-US" altLang="zh-CN" dirty="0"/>
               <a:t>request:</a:t>
             </a:r>
           </a:p>
@@ -11658,7 +8418,7 @@
               <a:buNone/>
             </a:pPr>
             <a:r>
-              <a:rPr lang="en-US" altLang="zh-CN" dirty="0" smtClean="0"/>
+              <a:rPr lang="en-US" altLang="zh-CN" dirty="0"/>
               <a:t>	{</a:t>
             </a:r>
           </a:p>
@@ -11668,26 +8428,22 @@
             </a:pPr>
             <a:r>
               <a:rPr lang="en-US" altLang="zh-CN" dirty="0"/>
-              <a:t>	</a:t>
-            </a:r>
-            <a:r>
-              <a:rPr lang="en-US" altLang="zh-CN" dirty="0" smtClean="0"/>
-              <a:t>	“</a:t>
-            </a:r>
-            <a:r>
-              <a:rPr lang="en-US" altLang="zh-CN" dirty="0" err="1" smtClean="0"/>
+              <a:t>		“</a:t>
+            </a:r>
+            <a:r>
+              <a:rPr lang="en-US" altLang="zh-CN" dirty="0" err="1"/>
               <a:t>DatasetName</a:t>
             </a:r>
             <a:r>
-              <a:rPr lang="en-US" altLang="zh-CN" dirty="0" smtClean="0"/>
+              <a:rPr lang="en-US" altLang="zh-CN" dirty="0"/>
               <a:t>”:</a:t>
             </a:r>
             <a:r>
-              <a:rPr lang="zh-CN" altLang="en-US" dirty="0" smtClean="0"/>
+              <a:rPr lang="zh-CN" altLang="en-US" dirty="0"/>
               <a:t> </a:t>
             </a:r>
             <a:r>
-              <a:rPr lang="en-US" altLang="zh-CN" dirty="0" smtClean="0"/>
+              <a:rPr lang="en-US" altLang="zh-CN" dirty="0"/>
               <a:t>“A”,</a:t>
             </a:r>
           </a:p>
@@ -11697,19 +8453,7 @@
             </a:pPr>
             <a:r>
               <a:rPr lang="en-US" altLang="zh-CN" dirty="0"/>
-              <a:t>	</a:t>
-            </a:r>
-            <a:r>
-              <a:rPr lang="en-US" altLang="zh-CN" dirty="0" smtClean="0"/>
-              <a:t> 	“Destination”: {“Site 3”, </a:t>
-            </a:r>
-            <a:r>
-              <a:rPr lang="en-US" altLang="zh-CN" dirty="0" smtClean="0"/>
-              <a:t>“Site 4”, “Site 5”, “Site 6”, “Site 7”</a:t>
-            </a:r>
-            <a:r>
-              <a:rPr lang="en-US" altLang="zh-CN" dirty="0" smtClean="0"/>
-              <a:t>}</a:t>
+              <a:t>	 	“Destination”: {“Site 3”, “Site 4”, “Site 5”, “Site 6”, “Site 7”}</a:t>
             </a:r>
           </a:p>
           <a:p>
@@ -11718,11 +8462,7 @@
             </a:pPr>
             <a:r>
               <a:rPr lang="en-US" altLang="zh-CN" dirty="0"/>
-              <a:t>	</a:t>
-            </a:r>
-            <a:r>
-              <a:rPr lang="en-US" altLang="zh-CN" dirty="0" smtClean="0"/>
-              <a:t>}</a:t>
+              <a:t>	}</a:t>
             </a:r>
           </a:p>
           <a:p>
@@ -11731,11 +8471,11 @@
               <a:buChar char="•"/>
             </a:pPr>
             <a:r>
-              <a:rPr lang="en-US" dirty="0" err="1" smtClean="0"/>
+              <a:rPr lang="en-US" dirty="0" err="1"/>
               <a:t>ExaO</a:t>
             </a:r>
             <a:r>
-              <a:rPr lang="en-US" dirty="0" smtClean="0"/>
+              <a:rPr lang="en-US" dirty="0"/>
               <a:t> receives this requests and makes online file-level scheduling decisions to maximize network utilization</a:t>
             </a:r>
           </a:p>
@@ -11745,18 +8485,17 @@
               <a:buChar char="•"/>
             </a:pPr>
             <a:r>
-              <a:rPr lang="en-US" dirty="0" smtClean="0"/>
+              <a:rPr lang="en-US" dirty="0"/>
               <a:t>Audience visualize the status of file transfers through </a:t>
             </a:r>
             <a:r>
-              <a:rPr lang="en-US" dirty="0" err="1" smtClean="0"/>
+              <a:rPr lang="en-US" dirty="0" err="1"/>
               <a:t>Monalisa</a:t>
             </a:r>
             <a:r>
-              <a:rPr lang="en-US" dirty="0" smtClean="0"/>
+              <a:rPr lang="en-US" dirty="0"/>
               <a:t> and high link utilization through testbed UI </a:t>
             </a:r>
-            <a:endParaRPr lang="en-US" dirty="0"/>
           </a:p>
         </p:txBody>
       </p:sp>
@@ -11782,7 +8521,7 @@
           <a:lstStyle/>
           <a:p>
             <a:r>
-              <a:rPr lang="en-US" altLang="zh-CN" sz="3200" dirty="0" smtClean="0"/>
+              <a:rPr lang="en-US" altLang="zh-CN" sz="3200" dirty="0"/>
               <a:t>Demo:</a:t>
             </a:r>
             <a:endParaRPr lang="en-GB" sz="3200" dirty="0"/>
@@ -11799,13 +8538,6 @@
   <p:clrMapOvr>
     <a:masterClrMapping/>
   </p:clrMapOvr>
-  <p:timing>
-    <p:tnLst>
-      <p:par>
-        <p:cTn id="1" dur="indefinite" restart="never" nodeType="tmRoot"/>
-      </p:par>
-    </p:tnLst>
-  </p:timing>
 </p:sld>
 </file>
 

--- a/slides/cms-demo-v0.pptx
+++ b/slides/cms-demo-v0.pptx
@@ -8381,35 +8381,37 @@
         </p:nvSpPr>
         <p:spPr/>
         <p:txBody>
-          <a:bodyPr/>
-          <a:lstStyle/>
-          <a:p>
-            <a:r>
-              <a:rPr lang="en-US" altLang="zh-CN" dirty="0"/>
+          <a:bodyPr vert="horz" lIns="91440" tIns="45720" rIns="91440" bIns="45720" rtlCol="0" anchor="t">
+            <a:normAutofit/>
+          </a:bodyPr>
+          <a:lstStyle/>
+          <a:p>
+            <a:r>
+              <a:rPr lang="EN-US" altLang="zh-CN" dirty="0"/>
               <a:t>User</a:t>
             </a:r>
             <a:r>
-              <a:rPr lang="zh-CN" altLang="en-US" dirty="0"/>
+              <a:rPr lang="ZH-CN" altLang="en-US" dirty="0"/>
               <a:t> </a:t>
             </a:r>
             <a:r>
-              <a:rPr lang="en-US" altLang="zh-CN" dirty="0"/>
+              <a:rPr lang="EN-US" altLang="zh-CN" dirty="0"/>
               <a:t>submits</a:t>
             </a:r>
             <a:r>
-              <a:rPr lang="zh-CN" altLang="en-US" dirty="0"/>
+              <a:rPr lang="ZH-CN" altLang="en-US" dirty="0"/>
               <a:t> </a:t>
             </a:r>
             <a:r>
-              <a:rPr lang="en-US" altLang="zh-CN" dirty="0"/>
+              <a:rPr lang="EN-US" altLang="zh-CN" dirty="0"/>
               <a:t>a</a:t>
             </a:r>
             <a:r>
-              <a:rPr lang="zh-CN" altLang="en-US" dirty="0"/>
+              <a:rPr lang="ZH-CN" altLang="en-US" dirty="0"/>
               <a:t> </a:t>
             </a:r>
             <a:r>
-              <a:rPr lang="en-US" altLang="zh-CN" dirty="0"/>
+              <a:rPr lang="EN-US" altLang="zh-CN" dirty="0"/>
               <a:t>request:</a:t>
             </a:r>
           </a:p>
@@ -8418,7 +8420,7 @@
               <a:buNone/>
             </a:pPr>
             <a:r>
-              <a:rPr lang="en-US" altLang="zh-CN" dirty="0"/>
+              <a:rPr lang="EN-US" altLang="zh-CN" dirty="0"/>
               <a:t>	{</a:t>
             </a:r>
           </a:p>
@@ -8427,23 +8429,23 @@
               <a:buNone/>
             </a:pPr>
             <a:r>
-              <a:rPr lang="en-US" altLang="zh-CN" dirty="0"/>
+              <a:rPr lang="EN-US" altLang="zh-CN" dirty="0"/>
               <a:t>		“</a:t>
             </a:r>
             <a:r>
-              <a:rPr lang="en-US" altLang="zh-CN" dirty="0" err="1"/>
+              <a:rPr lang="EN-US" altLang="ZH-CN" dirty="0"/>
               <a:t>DatasetName</a:t>
             </a:r>
             <a:r>
-              <a:rPr lang="en-US" altLang="zh-CN" dirty="0"/>
+              <a:rPr lang="EN-US" altLang="zh-CN" dirty="0"/>
               <a:t>”:</a:t>
             </a:r>
             <a:r>
-              <a:rPr lang="zh-CN" altLang="en-US" dirty="0"/>
+              <a:rPr lang="ZH-CN" altLang="en-US" dirty="0"/>
               <a:t> </a:t>
             </a:r>
             <a:r>
-              <a:rPr lang="en-US" altLang="zh-CN" dirty="0"/>
+              <a:rPr lang="EN-US" altLang="zh-CN" dirty="0"/>
               <a:t>“A”,</a:t>
             </a:r>
           </a:p>
@@ -8452,8 +8454,8 @@
               <a:buNone/>
             </a:pPr>
             <a:r>
-              <a:rPr lang="en-US" altLang="zh-CN" dirty="0"/>
-              <a:t>	 	“Destination”: {“Site 3”, “Site 4”, “Site 5”, “Site 6”, “Site 7”}</a:t>
+              <a:rPr lang="EN-US" altLang="ZH-CN" dirty="0"/>
+              <a:t>	 	“Destination”: {“Site 2”, “Site 3”, “Site 4”, “Site 5”, “Site 6”, “Site 7”}</a:t>
             </a:r>
           </a:p>
           <a:p>
@@ -8461,7 +8463,7 @@
               <a:buNone/>
             </a:pPr>
             <a:r>
-              <a:rPr lang="en-US" altLang="zh-CN" dirty="0"/>
+              <a:rPr lang="EN-US" altLang="zh-CN" dirty="0"/>
               <a:t>	}</a:t>
             </a:r>
           </a:p>
@@ -8471,12 +8473,8 @@
               <a:buChar char="•"/>
             </a:pPr>
             <a:r>
-              <a:rPr lang="en-US" dirty="0" err="1"/>
-              <a:t>ExaO</a:t>
-            </a:r>
-            <a:r>
-              <a:rPr lang="en-US" dirty="0"/>
-              <a:t> receives this requests and makes online file-level scheduling decisions to maximize network utilization</a:t>
+              <a:rPr lang="EN-US" dirty="0"/>
+              <a:t>ExaO receives this requests and makes online file-level scheduling decisions to maximize network utilization</a:t>
             </a:r>
           </a:p>
           <a:p>
@@ -8485,15 +8483,15 @@
               <a:buChar char="•"/>
             </a:pPr>
             <a:r>
-              <a:rPr lang="en-US" dirty="0"/>
+              <a:rPr lang="EN-US" dirty="0"/>
               <a:t>Audience visualize the status of file transfers through </a:t>
             </a:r>
             <a:r>
-              <a:rPr lang="en-US" dirty="0" err="1"/>
+              <a:rPr lang="EN-US" dirty="0" err="1"/>
               <a:t>Monalisa</a:t>
             </a:r>
             <a:r>
-              <a:rPr lang="en-US" dirty="0"/>
+              <a:rPr lang="EN-US" dirty="0"/>
               <a:t> and high link utilization through testbed UI </a:t>
             </a:r>
           </a:p>

--- a/slides/cms-demo-v0.pptx
+++ b/slides/cms-demo-v0.pptx
@@ -5,16 +5,17 @@
     <p:sldMasterId id="2147483648" r:id="rId1"/>
   </p:sldMasterIdLst>
   <p:notesMasterIdLst>
-    <p:notesMasterId r:id="rId9"/>
+    <p:notesMasterId r:id="rId10"/>
   </p:notesMasterIdLst>
   <p:sldIdLst>
     <p:sldId id="262" r:id="rId2"/>
     <p:sldId id="258" r:id="rId3"/>
     <p:sldId id="264" r:id="rId4"/>
-    <p:sldId id="259" r:id="rId5"/>
-    <p:sldId id="257" r:id="rId6"/>
-    <p:sldId id="260" r:id="rId7"/>
-    <p:sldId id="261" r:id="rId8"/>
+    <p:sldId id="265" r:id="rId5"/>
+    <p:sldId id="259" r:id="rId6"/>
+    <p:sldId id="257" r:id="rId7"/>
+    <p:sldId id="260" r:id="rId8"/>
+    <p:sldId id="261" r:id="rId9"/>
   </p:sldIdLst>
   <p:sldSz cx="12192000" cy="6858000"/>
   <p:notesSz cx="6858000" cy="9144000"/>
@@ -203,7 +204,7 @@
           <a:p>
             <a:fld id="{E3E45DF1-CECB-1E40-91F0-C10778717205}" type="datetimeFigureOut">
               <a:rPr lang="en-US" smtClean="0"/>
-              <a:t>11/10/2016</a:t>
+              <a:t>11/11/16</a:t>
             </a:fld>
             <a:endParaRPr lang="en-US"/>
           </a:p>
@@ -535,7 +536,7 @@
           <a:p>
             <a:fld id="{944A6B44-1E9C-2545-8E07-1DC035330460}" type="slidenum">
               <a:rPr lang="en-US" smtClean="0"/>
-              <a:t>5</a:t>
+              <a:t>6</a:t>
             </a:fld>
             <a:endParaRPr lang="en-US"/>
           </a:p>
@@ -619,7 +620,7 @@
           <a:p>
             <a:fld id="{944A6B44-1E9C-2545-8E07-1DC035330460}" type="slidenum">
               <a:rPr lang="en-US" smtClean="0"/>
-              <a:t>6</a:t>
+              <a:t>7</a:t>
             </a:fld>
             <a:endParaRPr lang="en-US"/>
           </a:p>
@@ -767,7 +768,7 @@
           <a:p>
             <a:fld id="{248163CF-BA54-D549-9D5C-B7FFE81D7A99}" type="datetimeFigureOut">
               <a:rPr lang="en-US" smtClean="0"/>
-              <a:t>11/10/2016</a:t>
+              <a:t>11/11/16</a:t>
             </a:fld>
             <a:endParaRPr lang="en-US"/>
           </a:p>
@@ -935,7 +936,7 @@
           <a:p>
             <a:fld id="{248163CF-BA54-D549-9D5C-B7FFE81D7A99}" type="datetimeFigureOut">
               <a:rPr lang="en-US" smtClean="0"/>
-              <a:t>11/10/2016</a:t>
+              <a:t>11/11/16</a:t>
             </a:fld>
             <a:endParaRPr lang="en-US"/>
           </a:p>
@@ -1113,7 +1114,7 @@
           <a:p>
             <a:fld id="{248163CF-BA54-D549-9D5C-B7FFE81D7A99}" type="datetimeFigureOut">
               <a:rPr lang="en-US" smtClean="0"/>
-              <a:t>11/10/2016</a:t>
+              <a:t>11/11/16</a:t>
             </a:fld>
             <a:endParaRPr lang="en-US"/>
           </a:p>
@@ -1281,7 +1282,7 @@
           <a:p>
             <a:fld id="{248163CF-BA54-D549-9D5C-B7FFE81D7A99}" type="datetimeFigureOut">
               <a:rPr lang="en-US" smtClean="0"/>
-              <a:t>11/10/2016</a:t>
+              <a:t>11/11/16</a:t>
             </a:fld>
             <a:endParaRPr lang="en-US"/>
           </a:p>
@@ -1526,7 +1527,7 @@
           <a:p>
             <a:fld id="{248163CF-BA54-D549-9D5C-B7FFE81D7A99}" type="datetimeFigureOut">
               <a:rPr lang="en-US" smtClean="0"/>
-              <a:t>11/10/2016</a:t>
+              <a:t>11/11/16</a:t>
             </a:fld>
             <a:endParaRPr lang="en-US"/>
           </a:p>
@@ -1755,7 +1756,7 @@
           <a:p>
             <a:fld id="{248163CF-BA54-D549-9D5C-B7FFE81D7A99}" type="datetimeFigureOut">
               <a:rPr lang="en-US" smtClean="0"/>
-              <a:t>11/10/2016</a:t>
+              <a:t>11/11/16</a:t>
             </a:fld>
             <a:endParaRPr lang="en-US"/>
           </a:p>
@@ -2119,7 +2120,7 @@
           <a:p>
             <a:fld id="{248163CF-BA54-D549-9D5C-B7FFE81D7A99}" type="datetimeFigureOut">
               <a:rPr lang="en-US" smtClean="0"/>
-              <a:t>11/10/2016</a:t>
+              <a:t>11/11/16</a:t>
             </a:fld>
             <a:endParaRPr lang="en-US"/>
           </a:p>
@@ -2236,7 +2237,7 @@
           <a:p>
             <a:fld id="{248163CF-BA54-D549-9D5C-B7FFE81D7A99}" type="datetimeFigureOut">
               <a:rPr lang="en-US" smtClean="0"/>
-              <a:t>11/10/2016</a:t>
+              <a:t>11/11/16</a:t>
             </a:fld>
             <a:endParaRPr lang="en-US"/>
           </a:p>
@@ -2331,7 +2332,7 @@
           <a:p>
             <a:fld id="{248163CF-BA54-D549-9D5C-B7FFE81D7A99}" type="datetimeFigureOut">
               <a:rPr lang="en-US" smtClean="0"/>
-              <a:t>11/10/2016</a:t>
+              <a:t>11/11/16</a:t>
             </a:fld>
             <a:endParaRPr lang="en-US"/>
           </a:p>
@@ -2606,7 +2607,7 @@
           <a:p>
             <a:fld id="{248163CF-BA54-D549-9D5C-B7FFE81D7A99}" type="datetimeFigureOut">
               <a:rPr lang="en-US" smtClean="0"/>
-              <a:t>11/10/2016</a:t>
+              <a:t>11/11/16</a:t>
             </a:fld>
             <a:endParaRPr lang="en-US"/>
           </a:p>
@@ -2858,7 +2859,7 @@
           <a:p>
             <a:fld id="{248163CF-BA54-D549-9D5C-B7FFE81D7A99}" type="datetimeFigureOut">
               <a:rPr lang="en-US" smtClean="0"/>
-              <a:t>11/10/2016</a:t>
+              <a:t>11/11/16</a:t>
             </a:fld>
             <a:endParaRPr lang="en-US"/>
           </a:p>
@@ -3069,7 +3070,7 @@
           <a:p>
             <a:fld id="{248163CF-BA54-D549-9D5C-B7FFE81D7A99}" type="datetimeFigureOut">
               <a:rPr lang="en-US" smtClean="0"/>
-              <a:t>11/10/2016</a:t>
+              <a:t>11/11/16</a:t>
             </a:fld>
             <a:endParaRPr lang="en-US"/>
           </a:p>
@@ -5971,8 +5972,8 @@
         </p:nvSpPr>
         <p:spPr>
           <a:xfrm>
-            <a:off x="2786497" y="65027"/>
-            <a:ext cx="7217297" cy="584775"/>
+            <a:off x="1252463" y="31883"/>
+            <a:ext cx="10127388" cy="584775"/>
           </a:xfrm>
           <a:prstGeom prst="rect">
             <a:avLst/>
@@ -5993,12 +5994,28 @@
               <a:t>: </a:t>
             </a:r>
             <a:r>
-              <a:rPr lang="en-GB" sz="3200" dirty="0" err="1"/>
-              <a:t>EXAscale</a:t>
-            </a:r>
-            <a:r>
               <a:rPr lang="en-GB" sz="3200" dirty="0"/>
-              <a:t> Data Transfer Orchestrator</a:t>
+              <a:t>Software </a:t>
+            </a:r>
+            <a:r>
+              <a:rPr lang="en-GB" sz="3200" dirty="0" smtClean="0"/>
+              <a:t>Defined </a:t>
+            </a:r>
+            <a:r>
+              <a:rPr lang="en-GB" sz="3200" dirty="0" err="1" smtClean="0"/>
+              <a:t>Exascale</a:t>
+            </a:r>
+            <a:r>
+              <a:rPr lang="en-GB" sz="3200" dirty="0" smtClean="0"/>
+              <a:t> </a:t>
+            </a:r>
+            <a:r>
+              <a:rPr lang="en-GB" sz="3200" dirty="0"/>
+              <a:t>Data </a:t>
+            </a:r>
+            <a:r>
+              <a:rPr lang="en-GB" sz="3200" dirty="0"/>
+              <a:t>Transfer Orchestrator</a:t>
             </a:r>
           </a:p>
         </p:txBody>
@@ -6549,8 +6566,8 @@
         </p:nvSpPr>
         <p:spPr>
           <a:xfrm>
-            <a:off x="2352544" y="235509"/>
-            <a:ext cx="7217297" cy="584775"/>
+            <a:off x="1074996" y="234941"/>
+            <a:ext cx="10117129" cy="584775"/>
           </a:xfrm>
           <a:prstGeom prst="rect">
             <a:avLst/>
@@ -6571,12 +6588,20 @@
               <a:t>: </a:t>
             </a:r>
             <a:r>
-              <a:rPr lang="en-GB" sz="3200" dirty="0" err="1"/>
-              <a:t>EXAscale</a:t>
+              <a:rPr lang="en-GB" sz="3200" dirty="0" smtClean="0"/>
+              <a:t>Software Defined </a:t>
+            </a:r>
+            <a:r>
+              <a:rPr lang="en-GB" sz="3200" smtClean="0"/>
+              <a:t>Exascale</a:t>
+            </a:r>
+            <a:r>
+              <a:rPr lang="en-GB" sz="3200" dirty="0" smtClean="0"/>
+              <a:t> </a:t>
             </a:r>
             <a:r>
               <a:rPr lang="en-GB" sz="3200" dirty="0"/>
-              <a:t> Data Transfer Orchestrator</a:t>
+              <a:t>Data Transfer Orchestrator</a:t>
             </a:r>
           </a:p>
         </p:txBody>
@@ -7693,255 +7718,54 @@
       </p:grpSpPr>
       <p:sp>
         <p:nvSpPr>
-          <p:cNvPr id="2" name="Rectangle 1"/>
-          <p:cNvSpPr/>
-          <p:nvPr/>
-        </p:nvSpPr>
-        <p:spPr>
-          <a:xfrm>
-            <a:off x="190500" y="1219766"/>
-            <a:ext cx="11780520" cy="4708981"/>
-          </a:xfrm>
-          <a:prstGeom prst="rect">
-            <a:avLst/>
-          </a:prstGeom>
-        </p:spPr>
-        <p:txBody>
-          <a:bodyPr wrap="square">
-            <a:spAutoFit/>
-          </a:bodyPr>
-          <a:lstStyle/>
-          <a:p>
-            <a:pPr marL="342900" indent="-342900">
-              <a:buFont typeface="Arial" panose="020B0604020202020204" pitchFamily="34" charset="0"/>
-              <a:buChar char="•"/>
-            </a:pPr>
-            <a:endParaRPr lang="en-GB" sz="2000" dirty="0"/>
-          </a:p>
-          <a:p>
-            <a:pPr marL="342900" indent="-342900">
-              <a:buFont typeface="Arial" panose="020B0604020202020204" pitchFamily="34" charset="0"/>
-              <a:buChar char="•"/>
-            </a:pPr>
-            <a:r>
-              <a:rPr lang="en-GB" sz="2000" b="1" dirty="0"/>
-              <a:t>End-to-end orchestration </a:t>
-            </a:r>
-            <a:r>
-              <a:rPr lang="en-GB" sz="2000" dirty="0"/>
-              <a:t>of data flows involving multiple host groups at different domains,</a:t>
-            </a:r>
-          </a:p>
-          <a:p>
-            <a:pPr marL="800100" lvl="1" indent="-342900">
-              <a:buFont typeface="Arial" panose="020B0604020202020204" pitchFamily="34" charset="0"/>
-              <a:buChar char="•"/>
-            </a:pPr>
-            <a:r>
-              <a:rPr lang="en-GB" sz="2000" b="1" dirty="0" err="1"/>
-              <a:t>RESTFul</a:t>
-            </a:r>
-            <a:r>
-              <a:rPr lang="en-GB" sz="2000" b="1" dirty="0"/>
-              <a:t>-API: </a:t>
-            </a:r>
-            <a:r>
-              <a:rPr lang="en-GB" sz="2000" dirty="0"/>
-              <a:t>allow users submit and manage transfer request through different interface</a:t>
-            </a:r>
-          </a:p>
-          <a:p>
-            <a:pPr marL="800100" lvl="1" indent="-342900">
-              <a:buFont typeface="Arial" panose="020B0604020202020204" pitchFamily="34" charset="0"/>
-              <a:buChar char="•"/>
-            </a:pPr>
-            <a:r>
-              <a:rPr lang="en-GB" sz="2000" b="1" dirty="0"/>
-              <a:t>ALTO: </a:t>
-            </a:r>
-            <a:r>
-              <a:rPr lang="en-GB" sz="2000" dirty="0"/>
-              <a:t>collect minimal, real-time network information from different domains</a:t>
-            </a:r>
-          </a:p>
-          <a:p>
-            <a:pPr marL="800100" lvl="1" indent="-342900">
-              <a:buFont typeface="Arial" panose="020B0604020202020204" pitchFamily="34" charset="0"/>
-              <a:buChar char="•"/>
-            </a:pPr>
-            <a:r>
-              <a:rPr lang="en-GB" sz="2000" b="1" dirty="0" err="1"/>
-              <a:t>ExaO</a:t>
-            </a:r>
-            <a:r>
-              <a:rPr lang="en-GB" sz="2000" b="1" dirty="0"/>
-              <a:t> Scheduler: </a:t>
-            </a:r>
-            <a:r>
-              <a:rPr lang="en-GB" sz="2000" dirty="0"/>
-              <a:t>centralized, efficient file-level source and rate co-scheduling </a:t>
-            </a:r>
-          </a:p>
-          <a:p>
-            <a:pPr marL="800100" lvl="1" indent="-342900">
-              <a:buFont typeface="Arial" panose="020B0604020202020204" pitchFamily="34" charset="0"/>
-              <a:buChar char="•"/>
-            </a:pPr>
-            <a:r>
-              <a:rPr lang="en-GB" sz="2000" b="1" dirty="0"/>
-              <a:t>FDT: </a:t>
-            </a:r>
-            <a:r>
-              <a:rPr lang="en-GB" sz="2000" dirty="0"/>
-              <a:t>efficient data transfer tools on end hosts</a:t>
-            </a:r>
-          </a:p>
-          <a:p>
-            <a:pPr marL="800100" lvl="1" indent="-342900">
-              <a:buFont typeface="Arial" panose="020B0604020202020204" pitchFamily="34" charset="0"/>
-              <a:buChar char="•"/>
-            </a:pPr>
-            <a:r>
-              <a:rPr lang="en-GB" sz="2000" b="1" dirty="0" err="1"/>
-              <a:t>Monalisa</a:t>
-            </a:r>
-            <a:r>
-              <a:rPr lang="en-GB" sz="2000" b="1" dirty="0"/>
-              <a:t>: </a:t>
-            </a:r>
-            <a:r>
-              <a:rPr lang="en-GB" sz="2000" dirty="0"/>
-              <a:t>Distributed monitoring infrastructure for real time monitoring each flow, transfer</a:t>
-            </a:r>
-          </a:p>
-          <a:p>
-            <a:pPr marL="342900" indent="-342900">
-              <a:buFont typeface="Arial" panose="020B0604020202020204" pitchFamily="34" charset="0"/>
-              <a:buChar char="•"/>
-            </a:pPr>
-            <a:endParaRPr lang="en-GB" sz="2000" dirty="0"/>
-          </a:p>
-          <a:p>
-            <a:pPr marL="342900" indent="-342900">
-              <a:buFont typeface="Arial" panose="020B0604020202020204" pitchFamily="34" charset="0"/>
-              <a:buChar char="•"/>
-            </a:pPr>
-            <a:r>
-              <a:rPr lang="en-GB" sz="2000" dirty="0"/>
-              <a:t>Minimally invasive change on end host groups</a:t>
-            </a:r>
-          </a:p>
-          <a:p>
-            <a:pPr marL="342900" indent="-342900">
-              <a:buFont typeface="Arial" panose="020B0604020202020204" pitchFamily="34" charset="0"/>
-              <a:buChar char="•"/>
-            </a:pPr>
-            <a:r>
-              <a:rPr lang="en-GB" sz="2000" dirty="0"/>
-              <a:t>Real-time, dynamic resource allocation under the existence of other network traffic</a:t>
-            </a:r>
-          </a:p>
-          <a:p>
-            <a:pPr marL="342900" indent="-342900">
-              <a:buFont typeface="Arial" panose="020B0604020202020204" pitchFamily="34" charset="0"/>
-              <a:buChar char="•"/>
-            </a:pPr>
-            <a:r>
-              <a:rPr lang="en-GB" sz="2000" b="1" dirty="0"/>
-              <a:t>Not CMS or HEP specific, </a:t>
-            </a:r>
-            <a:r>
-              <a:rPr lang="en-GB" sz="2000" dirty="0"/>
-              <a:t>hence support any data intensive sciences.</a:t>
-            </a:r>
-          </a:p>
-          <a:p>
-            <a:pPr marL="342900" indent="-342900">
-              <a:buFont typeface="Arial" panose="020B0604020202020204" pitchFamily="34" charset="0"/>
-              <a:buChar char="•"/>
-            </a:pPr>
-            <a:endParaRPr lang="en-GB" sz="2000" dirty="0"/>
-          </a:p>
-          <a:p>
-            <a:pPr marL="342900" indent="-342900">
-              <a:buFont typeface="Arial" panose="020B0604020202020204" pitchFamily="34" charset="0"/>
-              <a:buChar char="•"/>
-            </a:pPr>
-            <a:r>
-              <a:rPr lang="en-GB" sz="2000" dirty="0"/>
-              <a:t>Dataset distribution to N destination sites with M candidate source sites:</a:t>
-            </a:r>
-          </a:p>
-          <a:p>
-            <a:pPr marL="800100" lvl="1" indent="-342900">
-              <a:buFont typeface="Arial" panose="020B0604020202020204" pitchFamily="34" charset="0"/>
-              <a:buChar char="•"/>
-            </a:pPr>
-            <a:r>
-              <a:rPr lang="en-GB" sz="2000" b="1" dirty="0"/>
-              <a:t>Maximal link utilization </a:t>
-            </a:r>
-            <a:r>
-              <a:rPr lang="en-GB" sz="2000" dirty="0"/>
-              <a:t>in the testbed</a:t>
-            </a:r>
-          </a:p>
-          <a:p>
-            <a:pPr marL="800100" lvl="1" indent="-342900">
-              <a:buFont typeface="Arial" panose="020B0604020202020204" pitchFamily="34" charset="0"/>
-              <a:buChar char="•"/>
-            </a:pPr>
-            <a:r>
-              <a:rPr lang="en-GB" sz="2000" b="1" dirty="0"/>
-              <a:t>N/M times faster than dataset level scheduling </a:t>
-            </a:r>
-          </a:p>
-        </p:txBody>
-      </p:sp>
-      <p:sp>
-        <p:nvSpPr>
-          <p:cNvPr id="55" name="Rectangle 54"/>
-          <p:cNvSpPr/>
-          <p:nvPr/>
-        </p:nvSpPr>
-        <p:spPr>
-          <a:xfrm>
-            <a:off x="2786497" y="65027"/>
-            <a:ext cx="7217297" cy="584775"/>
-          </a:xfrm>
-          <a:prstGeom prst="rect">
-            <a:avLst/>
-          </a:prstGeom>
-        </p:spPr>
-        <p:txBody>
-          <a:bodyPr wrap="none">
-            <a:spAutoFit/>
-          </a:bodyPr>
-          <a:lstStyle/>
-          <a:p>
-            <a:r>
-              <a:rPr lang="en-GB" sz="3200" dirty="0" err="1"/>
-              <a:t>ExaO</a:t>
-            </a:r>
-            <a:r>
-              <a:rPr lang="en-GB" sz="3200" dirty="0"/>
-              <a:t>: </a:t>
-            </a:r>
-            <a:r>
-              <a:rPr lang="en-GB" sz="3200" dirty="0" err="1"/>
-              <a:t>EXAscale</a:t>
-            </a:r>
-            <a:r>
-              <a:rPr lang="en-GB" sz="3200" dirty="0"/>
-              <a:t> Data Transfer Orchestrator</a:t>
-            </a:r>
+          <p:cNvPr id="2" name="Title 1"/>
+          <p:cNvSpPr>
+            <a:spLocks noGrp="1"/>
+          </p:cNvSpPr>
+          <p:nvPr>
+            <p:ph type="title"/>
+          </p:nvPr>
+        </p:nvSpPr>
+        <p:spPr/>
+        <p:txBody>
+          <a:bodyPr/>
+          <a:lstStyle/>
+          <a:p>
+            <a:r>
+              <a:rPr lang="en-US" dirty="0" smtClean="0"/>
+              <a:t>Software Defined Data Transfer</a:t>
+            </a:r>
+            <a:endParaRPr lang="en-US" dirty="0"/>
+          </a:p>
+        </p:txBody>
+      </p:sp>
+      <p:sp>
+        <p:nvSpPr>
+          <p:cNvPr id="3" name="Content Placeholder 2"/>
+          <p:cNvSpPr>
+            <a:spLocks noGrp="1"/>
+          </p:cNvSpPr>
+          <p:nvPr>
+            <p:ph idx="1"/>
+          </p:nvPr>
+        </p:nvSpPr>
+        <p:spPr/>
+        <p:txBody>
+          <a:bodyPr/>
+          <a:lstStyle/>
+          <a:p>
+            <a:r>
+              <a:rPr lang="en-US" altLang="zh-CN" dirty="0" smtClean="0"/>
+              <a:t>S</a:t>
+            </a:r>
+            <a:endParaRPr lang="en-US" dirty="0"/>
           </a:p>
         </p:txBody>
       </p:sp>
     </p:spTree>
     <p:extLst>
       <p:ext uri="{BB962C8B-B14F-4D97-AF65-F5344CB8AC3E}">
-        <p14:creationId xmlns:p14="http://schemas.microsoft.com/office/powerpoint/2010/main" val="934554512"/>
+        <p14:creationId xmlns:p14="http://schemas.microsoft.com/office/powerpoint/2010/main" val="354908524"/>
       </p:ext>
     </p:extLst>
   </p:cSld>
@@ -7970,85 +7794,255 @@
       </p:grpSpPr>
       <p:sp>
         <p:nvSpPr>
-          <p:cNvPr id="68" name="Rectangle 67"/>
+          <p:cNvPr id="2" name="Rectangle 1"/>
           <p:cNvSpPr/>
           <p:nvPr/>
         </p:nvSpPr>
         <p:spPr>
           <a:xfrm>
-            <a:off x="491253" y="186361"/>
-            <a:ext cx="5553956" cy="584775"/>
+            <a:off x="190500" y="1219766"/>
+            <a:ext cx="11780520" cy="4708981"/>
           </a:xfrm>
           <a:prstGeom prst="rect">
             <a:avLst/>
           </a:prstGeom>
         </p:spPr>
         <p:txBody>
+          <a:bodyPr wrap="square">
+            <a:spAutoFit/>
+          </a:bodyPr>
+          <a:lstStyle/>
+          <a:p>
+            <a:pPr marL="342900" indent="-342900">
+              <a:buFont typeface="Arial" panose="020B0604020202020204" pitchFamily="34" charset="0"/>
+              <a:buChar char="•"/>
+            </a:pPr>
+            <a:endParaRPr lang="en-GB" sz="2000" dirty="0"/>
+          </a:p>
+          <a:p>
+            <a:pPr marL="342900" indent="-342900">
+              <a:buFont typeface="Arial" panose="020B0604020202020204" pitchFamily="34" charset="0"/>
+              <a:buChar char="•"/>
+            </a:pPr>
+            <a:r>
+              <a:rPr lang="en-GB" sz="2000" b="1" dirty="0"/>
+              <a:t>End-to-end orchestration </a:t>
+            </a:r>
+            <a:r>
+              <a:rPr lang="en-GB" sz="2000" dirty="0"/>
+              <a:t>of data flows involving multiple host groups at different domains,</a:t>
+            </a:r>
+          </a:p>
+          <a:p>
+            <a:pPr marL="800100" lvl="1" indent="-342900">
+              <a:buFont typeface="Arial" panose="020B0604020202020204" pitchFamily="34" charset="0"/>
+              <a:buChar char="•"/>
+            </a:pPr>
+            <a:r>
+              <a:rPr lang="en-GB" sz="2000" b="1" dirty="0" err="1"/>
+              <a:t>RESTFul</a:t>
+            </a:r>
+            <a:r>
+              <a:rPr lang="en-GB" sz="2000" b="1" dirty="0"/>
+              <a:t>-API: </a:t>
+            </a:r>
+            <a:r>
+              <a:rPr lang="en-GB" sz="2000" dirty="0"/>
+              <a:t>allow users submit and manage transfer request through different interface</a:t>
+            </a:r>
+          </a:p>
+          <a:p>
+            <a:pPr marL="800100" lvl="1" indent="-342900">
+              <a:buFont typeface="Arial" panose="020B0604020202020204" pitchFamily="34" charset="0"/>
+              <a:buChar char="•"/>
+            </a:pPr>
+            <a:r>
+              <a:rPr lang="en-GB" sz="2000" b="1" dirty="0"/>
+              <a:t>ALTO: </a:t>
+            </a:r>
+            <a:r>
+              <a:rPr lang="en-GB" sz="2000" dirty="0"/>
+              <a:t>collect minimal, real-time network information from different domains</a:t>
+            </a:r>
+          </a:p>
+          <a:p>
+            <a:pPr marL="800100" lvl="1" indent="-342900">
+              <a:buFont typeface="Arial" panose="020B0604020202020204" pitchFamily="34" charset="0"/>
+              <a:buChar char="•"/>
+            </a:pPr>
+            <a:r>
+              <a:rPr lang="en-GB" sz="2000" b="1" dirty="0" err="1"/>
+              <a:t>ExaO</a:t>
+            </a:r>
+            <a:r>
+              <a:rPr lang="en-GB" sz="2000" b="1" dirty="0"/>
+              <a:t> Scheduler: </a:t>
+            </a:r>
+            <a:r>
+              <a:rPr lang="en-GB" sz="2000" dirty="0"/>
+              <a:t>centralized, efficient file-level source and rate co-scheduling </a:t>
+            </a:r>
+          </a:p>
+          <a:p>
+            <a:pPr marL="800100" lvl="1" indent="-342900">
+              <a:buFont typeface="Arial" panose="020B0604020202020204" pitchFamily="34" charset="0"/>
+              <a:buChar char="•"/>
+            </a:pPr>
+            <a:r>
+              <a:rPr lang="en-GB" sz="2000" b="1" dirty="0"/>
+              <a:t>FDT: </a:t>
+            </a:r>
+            <a:r>
+              <a:rPr lang="en-GB" sz="2000" dirty="0"/>
+              <a:t>efficient data transfer tools on end hosts</a:t>
+            </a:r>
+          </a:p>
+          <a:p>
+            <a:pPr marL="800100" lvl="1" indent="-342900">
+              <a:buFont typeface="Arial" panose="020B0604020202020204" pitchFamily="34" charset="0"/>
+              <a:buChar char="•"/>
+            </a:pPr>
+            <a:r>
+              <a:rPr lang="en-GB" sz="2000" b="1" dirty="0" err="1"/>
+              <a:t>Monalisa</a:t>
+            </a:r>
+            <a:r>
+              <a:rPr lang="en-GB" sz="2000" b="1" dirty="0"/>
+              <a:t>: </a:t>
+            </a:r>
+            <a:r>
+              <a:rPr lang="en-GB" sz="2000" dirty="0"/>
+              <a:t>Distributed monitoring infrastructure for real time monitoring each flow, transfer</a:t>
+            </a:r>
+          </a:p>
+          <a:p>
+            <a:pPr marL="342900" indent="-342900">
+              <a:buFont typeface="Arial" panose="020B0604020202020204" pitchFamily="34" charset="0"/>
+              <a:buChar char="•"/>
+            </a:pPr>
+            <a:endParaRPr lang="en-GB" sz="2000" dirty="0"/>
+          </a:p>
+          <a:p>
+            <a:pPr marL="342900" indent="-342900">
+              <a:buFont typeface="Arial" panose="020B0604020202020204" pitchFamily="34" charset="0"/>
+              <a:buChar char="•"/>
+            </a:pPr>
+            <a:r>
+              <a:rPr lang="en-GB" sz="2000" dirty="0"/>
+              <a:t>Minimally invasive change on end host groups</a:t>
+            </a:r>
+          </a:p>
+          <a:p>
+            <a:pPr marL="342900" indent="-342900">
+              <a:buFont typeface="Arial" panose="020B0604020202020204" pitchFamily="34" charset="0"/>
+              <a:buChar char="•"/>
+            </a:pPr>
+            <a:r>
+              <a:rPr lang="en-GB" sz="2000" dirty="0"/>
+              <a:t>Real-time, dynamic resource allocation under the existence of other network traffic</a:t>
+            </a:r>
+          </a:p>
+          <a:p>
+            <a:pPr marL="342900" indent="-342900">
+              <a:buFont typeface="Arial" panose="020B0604020202020204" pitchFamily="34" charset="0"/>
+              <a:buChar char="•"/>
+            </a:pPr>
+            <a:r>
+              <a:rPr lang="en-GB" sz="2000" b="1" dirty="0"/>
+              <a:t>Not CMS or HEP specific, </a:t>
+            </a:r>
+            <a:r>
+              <a:rPr lang="en-GB" sz="2000" dirty="0"/>
+              <a:t>hence support any data intensive sciences.</a:t>
+            </a:r>
+          </a:p>
+          <a:p>
+            <a:pPr marL="342900" indent="-342900">
+              <a:buFont typeface="Arial" panose="020B0604020202020204" pitchFamily="34" charset="0"/>
+              <a:buChar char="•"/>
+            </a:pPr>
+            <a:endParaRPr lang="en-GB" sz="2000" dirty="0"/>
+          </a:p>
+          <a:p>
+            <a:pPr marL="342900" indent="-342900">
+              <a:buFont typeface="Arial" panose="020B0604020202020204" pitchFamily="34" charset="0"/>
+              <a:buChar char="•"/>
+            </a:pPr>
+            <a:r>
+              <a:rPr lang="en-GB" sz="2000" dirty="0"/>
+              <a:t>Dataset distribution to N destination sites with M candidate source sites:</a:t>
+            </a:r>
+          </a:p>
+          <a:p>
+            <a:pPr marL="800100" lvl="1" indent="-342900">
+              <a:buFont typeface="Arial" panose="020B0604020202020204" pitchFamily="34" charset="0"/>
+              <a:buChar char="•"/>
+            </a:pPr>
+            <a:r>
+              <a:rPr lang="en-GB" sz="2000" b="1" dirty="0"/>
+              <a:t>Maximal link utilization </a:t>
+            </a:r>
+            <a:r>
+              <a:rPr lang="en-GB" sz="2000" dirty="0"/>
+              <a:t>in the testbed</a:t>
+            </a:r>
+          </a:p>
+          <a:p>
+            <a:pPr marL="800100" lvl="1" indent="-342900">
+              <a:buFont typeface="Arial" panose="020B0604020202020204" pitchFamily="34" charset="0"/>
+              <a:buChar char="•"/>
+            </a:pPr>
+            <a:r>
+              <a:rPr lang="en-GB" sz="2000" b="1" dirty="0"/>
+              <a:t>N/M times faster than dataset level scheduling </a:t>
+            </a:r>
+          </a:p>
+        </p:txBody>
+      </p:sp>
+      <p:sp>
+        <p:nvSpPr>
+          <p:cNvPr id="55" name="Rectangle 54"/>
+          <p:cNvSpPr/>
+          <p:nvPr/>
+        </p:nvSpPr>
+        <p:spPr>
+          <a:xfrm>
+            <a:off x="2786497" y="65027"/>
+            <a:ext cx="7217297" cy="584775"/>
+          </a:xfrm>
+          <a:prstGeom prst="rect">
+            <a:avLst/>
+          </a:prstGeom>
+        </p:spPr>
+        <p:txBody>
           <a:bodyPr wrap="none">
             <a:spAutoFit/>
           </a:bodyPr>
           <a:lstStyle/>
           <a:p>
             <a:r>
-              <a:rPr lang="en-US" altLang="zh-CN" sz="3200" dirty="0"/>
-              <a:t>Case</a:t>
-            </a:r>
-            <a:r>
-              <a:rPr lang="zh-CN" altLang="en-US" sz="3200" dirty="0"/>
-              <a:t> </a:t>
-            </a:r>
-            <a:r>
-              <a:rPr lang="en-US" altLang="zh-CN" sz="3200" dirty="0"/>
-              <a:t>Study:</a:t>
-            </a:r>
-            <a:r>
-              <a:rPr lang="zh-CN" altLang="en-US" sz="3200" dirty="0"/>
-              <a:t> </a:t>
-            </a:r>
-            <a:r>
-              <a:rPr lang="en-US" altLang="zh-CN" sz="3200" dirty="0"/>
-              <a:t>Dataset</a:t>
-            </a:r>
-            <a:r>
-              <a:rPr lang="zh-CN" altLang="en-US" sz="3200" dirty="0"/>
-              <a:t> </a:t>
-            </a:r>
-            <a:r>
-              <a:rPr lang="en-US" altLang="zh-CN" sz="3200" dirty="0"/>
-              <a:t>Distribution</a:t>
-            </a:r>
-            <a:endParaRPr lang="en-GB" sz="3200" dirty="0"/>
-          </a:p>
-        </p:txBody>
-      </p:sp>
-      <p:pic>
-        <p:nvPicPr>
-          <p:cNvPr id="3" name="Picture 2"/>
-          <p:cNvPicPr>
-            <a:picLocks noChangeAspect="1"/>
-          </p:cNvPicPr>
-          <p:nvPr/>
-        </p:nvPicPr>
-        <p:blipFill>
-          <a:blip r:embed="rId3"/>
-          <a:stretch>
-            <a:fillRect/>
-          </a:stretch>
-        </p:blipFill>
-        <p:spPr>
-          <a:xfrm>
-            <a:off x="866775" y="889286"/>
-            <a:ext cx="10738750" cy="5692490"/>
-          </a:xfrm>
-          <a:prstGeom prst="rect">
-            <a:avLst/>
-          </a:prstGeom>
-        </p:spPr>
-      </p:pic>
+              <a:rPr lang="en-GB" sz="3200" dirty="0" err="1"/>
+              <a:t>ExaO</a:t>
+            </a:r>
+            <a:r>
+              <a:rPr lang="en-GB" sz="3200" dirty="0"/>
+              <a:t>: </a:t>
+            </a:r>
+            <a:r>
+              <a:rPr lang="en-GB" sz="3200" dirty="0" err="1"/>
+              <a:t>EXAscale</a:t>
+            </a:r>
+            <a:r>
+              <a:rPr lang="en-GB" sz="3200" dirty="0"/>
+              <a:t> Data Transfer Orchestrator</a:t>
+            </a:r>
+          </a:p>
+        </p:txBody>
+      </p:sp>
     </p:spTree>
     <p:extLst>
       <p:ext uri="{BB962C8B-B14F-4D97-AF65-F5344CB8AC3E}">
-        <p14:creationId xmlns:p14="http://schemas.microsoft.com/office/powerpoint/2010/main" val="1680627140"/>
+        <p14:creationId xmlns:p14="http://schemas.microsoft.com/office/powerpoint/2010/main" val="934554512"/>
       </p:ext>
     </p:extLst>
   </p:cSld>
@@ -8083,66 +8077,14 @@
         </p:nvSpPr>
         <p:spPr>
           <a:xfrm>
-            <a:off x="400050" y="2800350"/>
-            <a:ext cx="4948855" cy="584775"/>
+            <a:off x="491253" y="186361"/>
+            <a:ext cx="5553956" cy="584775"/>
           </a:xfrm>
           <a:prstGeom prst="rect">
             <a:avLst/>
           </a:prstGeom>
         </p:spPr>
         <p:txBody>
-          <a:bodyPr wrap="none" anchor="t">
-            <a:spAutoFit/>
-          </a:bodyPr>
-          <a:lstStyle/>
-          <a:p>
-            <a:r>
-              <a:rPr lang="EN-US" altLang="ZH-CN" sz="3200" dirty="0"/>
-              <a:t>File-Level</a:t>
-            </a:r>
-            <a:r>
-              <a:rPr lang="ZH-CN" altLang="EN-US" sz="3200" dirty="0"/>
-              <a:t> </a:t>
-            </a:r>
-            <a:r>
-              <a:rPr lang="EN-US" altLang="ZH-CN" sz="3200" dirty="0"/>
-              <a:t>Scheduling</a:t>
-            </a:r>
-            <a:r>
-              <a:rPr lang="ZH-CN" altLang="EN-US" sz="3200" dirty="0"/>
-              <a:t> </a:t>
-            </a:r>
-            <a:r>
-              <a:rPr lang="EN-US" altLang="ZH-CN" sz="3200" dirty="0"/>
-              <a:t>(</a:t>
-            </a:r>
-            <a:r>
-              <a:rPr lang="EN-US" altLang="ZH-CN" sz="3200" dirty="0" err="1"/>
-              <a:t>ExaO</a:t>
-            </a:r>
-            <a:r>
-              <a:rPr lang="EN-US" altLang="ZH-CN" sz="3200" dirty="0"/>
-              <a:t>):</a:t>
-            </a:r>
-          </a:p>
-        </p:txBody>
-      </p:sp>
-      <p:sp>
-        <p:nvSpPr>
-          <p:cNvPr id="76" name="Rectangle 75"/>
-          <p:cNvSpPr/>
-          <p:nvPr/>
-        </p:nvSpPr>
-        <p:spPr>
-          <a:xfrm>
-            <a:off x="359265" y="198371"/>
-            <a:ext cx="6050502" cy="584775"/>
-          </a:xfrm>
-          <a:prstGeom prst="rect">
-            <a:avLst/>
-          </a:prstGeom>
-        </p:spPr>
-        <p:txBody>
           <a:bodyPr wrap="none">
             <a:spAutoFit/>
           </a:bodyPr>
@@ -8150,7 +8092,7 @@
           <a:p>
             <a:r>
               <a:rPr lang="en-US" altLang="zh-CN" sz="3200" dirty="0"/>
-              <a:t>Dataset-Level</a:t>
+              <a:t>Case</a:t>
             </a:r>
             <a:r>
               <a:rPr lang="zh-CN" altLang="en-US" sz="3200" dirty="0"/>
@@ -8158,7 +8100,7 @@
             </a:r>
             <a:r>
               <a:rPr lang="en-US" altLang="zh-CN" sz="3200" dirty="0"/>
-              <a:t>Scheduling</a:t>
+              <a:t>Study:</a:t>
             </a:r>
             <a:r>
               <a:rPr lang="zh-CN" altLang="en-US" sz="3200" dirty="0"/>
@@ -8166,15 +8108,15 @@
             </a:r>
             <a:r>
               <a:rPr lang="en-US" altLang="zh-CN" sz="3200" dirty="0"/>
-              <a:t>(</a:t>
-            </a:r>
-            <a:r>
-              <a:rPr lang="en-US" altLang="zh-CN" sz="3200" dirty="0" err="1"/>
-              <a:t>PhEDEx</a:t>
+              <a:t>Dataset</a:t>
+            </a:r>
+            <a:r>
+              <a:rPr lang="zh-CN" altLang="en-US" sz="3200" dirty="0"/>
+              <a:t> </a:t>
             </a:r>
             <a:r>
               <a:rPr lang="en-US" altLang="zh-CN" sz="3200" dirty="0"/>
-              <a:t>):</a:t>
+              <a:t>Distribution</a:t>
             </a:r>
             <a:endParaRPr lang="en-GB" sz="3200" dirty="0"/>
           </a:p>
@@ -8182,7 +8124,7 @@
       </p:sp>
       <p:pic>
         <p:nvPicPr>
-          <p:cNvPr id="2" name="Picture 1"/>
+          <p:cNvPr id="3" name="Picture 2"/>
           <p:cNvPicPr>
             <a:picLocks noChangeAspect="1"/>
           </p:cNvPicPr>
@@ -8196,153 +8138,18 @@
         </p:blipFill>
         <p:spPr>
           <a:xfrm>
-            <a:off x="904875" y="787843"/>
-            <a:ext cx="7749996" cy="1586249"/>
+            <a:off x="866775" y="889286"/>
+            <a:ext cx="10738750" cy="5692490"/>
           </a:xfrm>
           <a:prstGeom prst="rect">
             <a:avLst/>
           </a:prstGeom>
         </p:spPr>
       </p:pic>
-      <p:sp>
-        <p:nvSpPr>
-          <p:cNvPr id="3" name="TextBox 2"/>
-          <p:cNvSpPr txBox="1"/>
-          <p:nvPr/>
-        </p:nvSpPr>
-        <p:spPr>
-          <a:xfrm>
-            <a:off x="7391400" y="2505075"/>
-            <a:ext cx="3951288" cy="461665"/>
-          </a:xfrm>
-          <a:prstGeom prst="rect">
-            <a:avLst/>
-          </a:prstGeom>
-        </p:spPr>
-        <p:txBody>
-          <a:bodyPr wrap="none" anchor="t">
-            <a:spAutoFit/>
-          </a:bodyPr>
-          <a:lstStyle/>
-          <a:p>
-            <a:r>
-              <a:rPr lang="EN-US" sz="2400" dirty="0"/>
-              <a:t>Link Utilization: 1/7 = 14.29%</a:t>
-            </a:r>
-            <a:endParaRPr lang="en-US" sz="2400" dirty="0"/>
-          </a:p>
-        </p:txBody>
-      </p:sp>
-      <p:sp>
-        <p:nvSpPr>
-          <p:cNvPr id="55" name="TextBox 54"/>
-          <p:cNvSpPr txBox="1"/>
-          <p:nvPr/>
-        </p:nvSpPr>
-        <p:spPr>
-          <a:xfrm>
-            <a:off x="7391401" y="3695700"/>
-            <a:ext cx="3815468" cy="461665"/>
-          </a:xfrm>
-          <a:prstGeom prst="rect">
-            <a:avLst/>
-          </a:prstGeom>
-        </p:spPr>
-        <p:txBody>
-          <a:bodyPr wrap="none" anchor="t">
-            <a:spAutoFit/>
-          </a:bodyPr>
-          <a:lstStyle/>
-          <a:p>
-            <a:r>
-              <a:rPr lang="EN-US" sz="2400" dirty="0"/>
-              <a:t>Link Utilization: 6/7 = 85.71%</a:t>
-            </a:r>
-            <a:endParaRPr lang="en-US" sz="2400" dirty="0"/>
-          </a:p>
-        </p:txBody>
-      </p:sp>
-      <p:pic>
-        <p:nvPicPr>
-          <p:cNvPr id="4" name="Picture 3"/>
-          <p:cNvPicPr>
-            <a:picLocks noChangeAspect="1"/>
-          </p:cNvPicPr>
-          <p:nvPr/>
-        </p:nvPicPr>
-        <p:blipFill>
-          <a:blip r:embed="rId4"/>
-          <a:stretch>
-            <a:fillRect/>
-          </a:stretch>
-        </p:blipFill>
-        <p:spPr>
-          <a:xfrm>
-            <a:off x="262926" y="3581400"/>
-            <a:ext cx="3853463" cy="2720431"/>
-          </a:xfrm>
-          <a:prstGeom prst="rect">
-            <a:avLst/>
-          </a:prstGeom>
-        </p:spPr>
-      </p:pic>
-      <p:pic>
-        <p:nvPicPr>
-          <p:cNvPr id="6" name="Picture 5"/>
-          <p:cNvPicPr>
-            <a:picLocks noChangeAspect="1"/>
-          </p:cNvPicPr>
-          <p:nvPr/>
-        </p:nvPicPr>
-        <p:blipFill>
-          <a:blip r:embed="rId5"/>
-          <a:stretch>
-            <a:fillRect/>
-          </a:stretch>
-        </p:blipFill>
-        <p:spPr>
-          <a:xfrm>
-            <a:off x="4876800" y="3657600"/>
-            <a:ext cx="3733024" cy="2644355"/>
-          </a:xfrm>
-          <a:prstGeom prst="rect">
-            <a:avLst/>
-          </a:prstGeom>
-        </p:spPr>
-      </p:pic>
-      <p:sp>
-        <p:nvSpPr>
-          <p:cNvPr id="57" name="TextBox 56"/>
-          <p:cNvSpPr txBox="1"/>
-          <p:nvPr/>
-        </p:nvSpPr>
-        <p:spPr>
-          <a:xfrm flipH="1">
-            <a:off x="4086225" y="3996055"/>
-            <a:ext cx="1166095" cy="1015663"/>
-          </a:xfrm>
-          <a:prstGeom prst="rect">
-            <a:avLst/>
-          </a:prstGeom>
-        </p:spPr>
-        <p:txBody>
-          <a:bodyPr wrap="square" anchor="t">
-            <a:spAutoFit/>
-          </a:bodyPr>
-          <a:lstStyle/>
-          <a:p>
-            <a:r>
-              <a:rPr lang="EN-US" sz="6000" dirty="0"/>
-              <a:t>...</a:t>
-            </a:r>
-            <a:endParaRPr lang="en-US" sz="6000" dirty="0"/>
-          </a:p>
-        </p:txBody>
-      </p:sp>
     </p:spTree>
     <p:extLst>
       <p:ext uri="{BB962C8B-B14F-4D97-AF65-F5344CB8AC3E}">
-        <p14:creationId xmlns:p14="http://schemas.microsoft.com/office/powerpoint/2010/main" val="1632952188"/>
+        <p14:creationId xmlns:p14="http://schemas.microsoft.com/office/powerpoint/2010/main" val="1680627140"/>
       </p:ext>
     </p:extLst>
   </p:cSld>
@@ -8371,6 +8178,284 @@
       </p:grpSpPr>
       <p:sp>
         <p:nvSpPr>
+          <p:cNvPr id="68" name="Rectangle 67"/>
+          <p:cNvSpPr/>
+          <p:nvPr/>
+        </p:nvSpPr>
+        <p:spPr>
+          <a:xfrm>
+            <a:off x="400050" y="2800350"/>
+            <a:ext cx="4948855" cy="584775"/>
+          </a:xfrm>
+          <a:prstGeom prst="rect">
+            <a:avLst/>
+          </a:prstGeom>
+        </p:spPr>
+        <p:txBody>
+          <a:bodyPr wrap="none" anchor="t">
+            <a:spAutoFit/>
+          </a:bodyPr>
+          <a:lstStyle/>
+          <a:p>
+            <a:r>
+              <a:rPr lang="x-none" altLang="x-none" sz="3200" dirty="0"/>
+              <a:t>File-Level Scheduling (</a:t>
+            </a:r>
+            <a:r>
+              <a:rPr lang="x-none" altLang="x-none" sz="3200" dirty="0" err="1"/>
+              <a:t>ExaO</a:t>
+            </a:r>
+            <a:r>
+              <a:rPr lang="x-none" altLang="x-none" sz="3200" dirty="0"/>
+              <a:t>):</a:t>
+            </a:r>
+          </a:p>
+        </p:txBody>
+      </p:sp>
+      <p:sp>
+        <p:nvSpPr>
+          <p:cNvPr id="76" name="Rectangle 75"/>
+          <p:cNvSpPr/>
+          <p:nvPr/>
+        </p:nvSpPr>
+        <p:spPr>
+          <a:xfrm>
+            <a:off x="359265" y="198371"/>
+            <a:ext cx="6050502" cy="584775"/>
+          </a:xfrm>
+          <a:prstGeom prst="rect">
+            <a:avLst/>
+          </a:prstGeom>
+        </p:spPr>
+        <p:txBody>
+          <a:bodyPr wrap="none">
+            <a:spAutoFit/>
+          </a:bodyPr>
+          <a:lstStyle/>
+          <a:p>
+            <a:r>
+              <a:rPr lang="en-US" altLang="zh-CN" sz="3200" dirty="0"/>
+              <a:t>Dataset-Level</a:t>
+            </a:r>
+            <a:r>
+              <a:rPr lang="zh-CN" altLang="en-US" sz="3200" dirty="0"/>
+              <a:t> </a:t>
+            </a:r>
+            <a:r>
+              <a:rPr lang="en-US" altLang="zh-CN" sz="3200" dirty="0"/>
+              <a:t>Scheduling</a:t>
+            </a:r>
+            <a:r>
+              <a:rPr lang="zh-CN" altLang="en-US" sz="3200" dirty="0"/>
+              <a:t> </a:t>
+            </a:r>
+            <a:r>
+              <a:rPr lang="en-US" altLang="zh-CN" sz="3200" dirty="0"/>
+              <a:t>(</a:t>
+            </a:r>
+            <a:r>
+              <a:rPr lang="en-US" altLang="zh-CN" sz="3200" dirty="0" err="1"/>
+              <a:t>PhEDEx</a:t>
+            </a:r>
+            <a:r>
+              <a:rPr lang="en-US" altLang="zh-CN" sz="3200" dirty="0"/>
+              <a:t>):</a:t>
+            </a:r>
+            <a:endParaRPr lang="en-GB" sz="3200" dirty="0"/>
+          </a:p>
+        </p:txBody>
+      </p:sp>
+      <p:pic>
+        <p:nvPicPr>
+          <p:cNvPr id="2" name="Picture 1"/>
+          <p:cNvPicPr>
+            <a:picLocks noChangeAspect="1"/>
+          </p:cNvPicPr>
+          <p:nvPr/>
+        </p:nvPicPr>
+        <p:blipFill>
+          <a:blip r:embed="rId3"/>
+          <a:stretch>
+            <a:fillRect/>
+          </a:stretch>
+        </p:blipFill>
+        <p:spPr>
+          <a:xfrm>
+            <a:off x="904875" y="787843"/>
+            <a:ext cx="7749996" cy="1586249"/>
+          </a:xfrm>
+          <a:prstGeom prst="rect">
+            <a:avLst/>
+          </a:prstGeom>
+        </p:spPr>
+      </p:pic>
+      <p:sp>
+        <p:nvSpPr>
+          <p:cNvPr id="3" name="TextBox 2"/>
+          <p:cNvSpPr txBox="1"/>
+          <p:nvPr/>
+        </p:nvSpPr>
+        <p:spPr>
+          <a:xfrm>
+            <a:off x="7391400" y="2505075"/>
+            <a:ext cx="3951288" cy="461665"/>
+          </a:xfrm>
+          <a:prstGeom prst="rect">
+            <a:avLst/>
+          </a:prstGeom>
+        </p:spPr>
+        <p:txBody>
+          <a:bodyPr wrap="none" anchor="t">
+            <a:spAutoFit/>
+          </a:bodyPr>
+          <a:lstStyle/>
+          <a:p>
+            <a:r>
+              <a:rPr lang="x-none" sz="2400" dirty="0"/>
+              <a:t>Link Utilization: 1/7 = 14.29%</a:t>
+            </a:r>
+            <a:endParaRPr lang="en-US" sz="2400" dirty="0"/>
+          </a:p>
+        </p:txBody>
+      </p:sp>
+      <p:sp>
+        <p:nvSpPr>
+          <p:cNvPr id="55" name="TextBox 54"/>
+          <p:cNvSpPr txBox="1"/>
+          <p:nvPr/>
+        </p:nvSpPr>
+        <p:spPr>
+          <a:xfrm>
+            <a:off x="7391401" y="3695700"/>
+            <a:ext cx="3815468" cy="461665"/>
+          </a:xfrm>
+          <a:prstGeom prst="rect">
+            <a:avLst/>
+          </a:prstGeom>
+        </p:spPr>
+        <p:txBody>
+          <a:bodyPr wrap="none" anchor="t">
+            <a:spAutoFit/>
+          </a:bodyPr>
+          <a:lstStyle/>
+          <a:p>
+            <a:r>
+              <a:rPr lang="x-none" sz="2400" dirty="0"/>
+              <a:t>Link Utilization: 6/7 = 85.71%</a:t>
+            </a:r>
+            <a:endParaRPr lang="en-US" sz="2400" dirty="0"/>
+          </a:p>
+        </p:txBody>
+      </p:sp>
+      <p:pic>
+        <p:nvPicPr>
+          <p:cNvPr id="4" name="Picture 3"/>
+          <p:cNvPicPr>
+            <a:picLocks noChangeAspect="1"/>
+          </p:cNvPicPr>
+          <p:nvPr/>
+        </p:nvPicPr>
+        <p:blipFill>
+          <a:blip r:embed="rId4"/>
+          <a:stretch>
+            <a:fillRect/>
+          </a:stretch>
+        </p:blipFill>
+        <p:spPr>
+          <a:xfrm>
+            <a:off x="262926" y="3581400"/>
+            <a:ext cx="3853463" cy="2720431"/>
+          </a:xfrm>
+          <a:prstGeom prst="rect">
+            <a:avLst/>
+          </a:prstGeom>
+        </p:spPr>
+      </p:pic>
+      <p:pic>
+        <p:nvPicPr>
+          <p:cNvPr id="6" name="Picture 5"/>
+          <p:cNvPicPr>
+            <a:picLocks noChangeAspect="1"/>
+          </p:cNvPicPr>
+          <p:nvPr/>
+        </p:nvPicPr>
+        <p:blipFill>
+          <a:blip r:embed="rId5"/>
+          <a:stretch>
+            <a:fillRect/>
+          </a:stretch>
+        </p:blipFill>
+        <p:spPr>
+          <a:xfrm>
+            <a:off x="4876800" y="3657600"/>
+            <a:ext cx="3733024" cy="2644355"/>
+          </a:xfrm>
+          <a:prstGeom prst="rect">
+            <a:avLst/>
+          </a:prstGeom>
+        </p:spPr>
+      </p:pic>
+      <p:sp>
+        <p:nvSpPr>
+          <p:cNvPr id="57" name="TextBox 56"/>
+          <p:cNvSpPr txBox="1"/>
+          <p:nvPr/>
+        </p:nvSpPr>
+        <p:spPr>
+          <a:xfrm flipH="1">
+            <a:off x="4086225" y="3996055"/>
+            <a:ext cx="1166095" cy="1015663"/>
+          </a:xfrm>
+          <a:prstGeom prst="rect">
+            <a:avLst/>
+          </a:prstGeom>
+        </p:spPr>
+        <p:txBody>
+          <a:bodyPr wrap="square" anchor="t">
+            <a:spAutoFit/>
+          </a:bodyPr>
+          <a:lstStyle/>
+          <a:p>
+            <a:r>
+              <a:rPr lang="x-none" sz="6000" dirty="0"/>
+              <a:t>...</a:t>
+            </a:r>
+            <a:endParaRPr lang="en-US" sz="6000" dirty="0"/>
+          </a:p>
+        </p:txBody>
+      </p:sp>
+    </p:spTree>
+    <p:extLst>
+      <p:ext uri="{BB962C8B-B14F-4D97-AF65-F5344CB8AC3E}">
+        <p14:creationId xmlns:p14="http://schemas.microsoft.com/office/powerpoint/2010/main" val="1632952188"/>
+      </p:ext>
+    </p:extLst>
+  </p:cSld>
+  <p:clrMapOvr>
+    <a:masterClrMapping/>
+  </p:clrMapOvr>
+</p:sld>
+</file>
+
+<file path=ppt/slides/slide8.xml><?xml version="1.0" encoding="utf-8"?>
+<p:sld xmlns:a="http://schemas.openxmlformats.org/drawingml/2006/main" xmlns:r="http://schemas.openxmlformats.org/officeDocument/2006/relationships" xmlns:p="http://schemas.openxmlformats.org/presentationml/2006/main">
+  <p:cSld>
+    <p:spTree>
+      <p:nvGrpSpPr>
+        <p:cNvPr id="1" name=""/>
+        <p:cNvGrpSpPr/>
+        <p:nvPr/>
+      </p:nvGrpSpPr>
+      <p:grpSpPr>
+        <a:xfrm>
+          <a:off x="0" y="0"/>
+          <a:ext cx="0" cy="0"/>
+          <a:chOff x="0" y="0"/>
+          <a:chExt cx="0" cy="0"/>
+        </a:xfrm>
+      </p:grpSpPr>
+      <p:sp>
+        <p:nvSpPr>
           <p:cNvPr id="3" name="Content Placeholder 2"/>
           <p:cNvSpPr>
             <a:spLocks noGrp="1"/>
@@ -8387,31 +8472,31 @@
           <a:lstStyle/>
           <a:p>
             <a:r>
-              <a:rPr lang="EN-US" altLang="zh-CN" dirty="0"/>
+              <a:rPr lang="x-none" altLang="zh-CN" dirty="0"/>
               <a:t>User</a:t>
             </a:r>
             <a:r>
-              <a:rPr lang="ZH-CN" altLang="en-US" dirty="0"/>
+              <a:rPr lang="x-none" altLang="en-US" dirty="0"/>
               <a:t> </a:t>
             </a:r>
             <a:r>
-              <a:rPr lang="EN-US" altLang="zh-CN" dirty="0"/>
+              <a:rPr lang="x-none" altLang="zh-CN" dirty="0"/>
               <a:t>submits</a:t>
             </a:r>
             <a:r>
-              <a:rPr lang="ZH-CN" altLang="en-US" dirty="0"/>
+              <a:rPr lang="x-none" altLang="en-US" dirty="0"/>
               <a:t> </a:t>
             </a:r>
             <a:r>
-              <a:rPr lang="EN-US" altLang="zh-CN" dirty="0"/>
+              <a:rPr lang="x-none" altLang="zh-CN" dirty="0"/>
               <a:t>a</a:t>
             </a:r>
             <a:r>
-              <a:rPr lang="ZH-CN" altLang="en-US" dirty="0"/>
+              <a:rPr lang="x-none" altLang="en-US" dirty="0"/>
               <a:t> </a:t>
             </a:r>
             <a:r>
-              <a:rPr lang="EN-US" altLang="zh-CN" dirty="0"/>
+              <a:rPr lang="x-none" altLang="zh-CN" dirty="0"/>
               <a:t>request:</a:t>
             </a:r>
           </a:p>
@@ -8420,7 +8505,7 @@
               <a:buNone/>
             </a:pPr>
             <a:r>
-              <a:rPr lang="EN-US" altLang="zh-CN" dirty="0"/>
+              <a:rPr lang="x-none" altLang="zh-CN" dirty="0"/>
               <a:t>	{</a:t>
             </a:r>
           </a:p>
@@ -8429,23 +8514,23 @@
               <a:buNone/>
             </a:pPr>
             <a:r>
-              <a:rPr lang="EN-US" altLang="zh-CN" dirty="0"/>
+              <a:rPr lang="x-none" altLang="zh-CN" dirty="0"/>
               <a:t>		“</a:t>
             </a:r>
             <a:r>
-              <a:rPr lang="EN-US" altLang="ZH-CN" dirty="0"/>
+              <a:rPr lang="x-none" altLang="x-none" dirty="0"/>
               <a:t>DatasetName</a:t>
             </a:r>
             <a:r>
-              <a:rPr lang="EN-US" altLang="zh-CN" dirty="0"/>
+              <a:rPr lang="x-none" altLang="zh-CN" dirty="0"/>
               <a:t>”:</a:t>
             </a:r>
             <a:r>
-              <a:rPr lang="ZH-CN" altLang="en-US" dirty="0"/>
+              <a:rPr lang="x-none" altLang="en-US" dirty="0"/>
               <a:t> </a:t>
             </a:r>
             <a:r>
-              <a:rPr lang="EN-US" altLang="zh-CN" dirty="0"/>
+              <a:rPr lang="x-none" altLang="zh-CN" dirty="0"/>
               <a:t>“A”,</a:t>
             </a:r>
           </a:p>
@@ -8454,7 +8539,7 @@
               <a:buNone/>
             </a:pPr>
             <a:r>
-              <a:rPr lang="EN-US" altLang="ZH-CN" dirty="0"/>
+              <a:rPr lang="x-none" altLang="x-none" dirty="0"/>
               <a:t>	 	“Destination”: {“Site 2”, “Site 3”, “Site 4”, “Site 5”, “Site 6”, “Site 7”}</a:t>
             </a:r>
           </a:p>
@@ -8463,7 +8548,7 @@
               <a:buNone/>
             </a:pPr>
             <a:r>
-              <a:rPr lang="EN-US" altLang="zh-CN" dirty="0"/>
+              <a:rPr lang="x-none" altLang="zh-CN" dirty="0"/>
               <a:t>	}</a:t>
             </a:r>
           </a:p>
@@ -8473,7 +8558,7 @@
               <a:buChar char="•"/>
             </a:pPr>
             <a:r>
-              <a:rPr lang="EN-US" dirty="0"/>
+              <a:rPr lang="x-none" dirty="0"/>
               <a:t>ExaO receives this requests and makes online file-level scheduling decisions to maximize network utilization</a:t>
             </a:r>
           </a:p>
@@ -8483,15 +8568,15 @@
               <a:buChar char="•"/>
             </a:pPr>
             <a:r>
-              <a:rPr lang="EN-US" dirty="0"/>
+              <a:rPr lang="x-none" dirty="0"/>
               <a:t>Audience visualize the status of file transfers through </a:t>
             </a:r>
             <a:r>
-              <a:rPr lang="EN-US" dirty="0" err="1"/>
+              <a:rPr lang="x-none" dirty="0" err="1"/>
               <a:t>Monalisa</a:t>
             </a:r>
             <a:r>
-              <a:rPr lang="EN-US" dirty="0"/>
+              <a:rPr lang="x-none" dirty="0"/>
               <a:t> and high link utilization through testbed UI </a:t>
             </a:r>
           </a:p>
